--- a/GraniteStateCodeCamp2019/gscc19-pelazem.pptx
+++ b/GraniteStateCodeCamp2019/gscc19-pelazem.pptx
@@ -5,13 +5,17 @@
     <p:sldMasterId id="2147483732" r:id="rId1"/>
   </p:sldMasterIdLst>
   <p:notesMasterIdLst>
-    <p:notesMasterId r:id="rId6"/>
+    <p:notesMasterId r:id="rId10"/>
   </p:notesMasterIdLst>
   <p:sldIdLst>
     <p:sldId id="258" r:id="rId2"/>
     <p:sldId id="1595" r:id="rId3"/>
     <p:sldId id="1596" r:id="rId4"/>
     <p:sldId id="1597" r:id="rId5"/>
+    <p:sldId id="1598" r:id="rId6"/>
+    <p:sldId id="1599" r:id="rId7"/>
+    <p:sldId id="1600" r:id="rId8"/>
+    <p:sldId id="1601" r:id="rId9"/>
   </p:sldIdLst>
   <p:sldSz cx="12192000" cy="6858000"/>
   <p:notesSz cx="6858000" cy="9144000"/>
@@ -110,6 +114,11 @@
       </a:defRPr>
     </a:lvl9pPr>
   </p:defaultTextStyle>
+  <p:extLst>
+    <p:ext uri="{EFAFB233-063F-42B5-8137-9DF3F51BA10A}">
+      <p15:sldGuideLst xmlns:p15="http://schemas.microsoft.com/office/powerpoint/2012/main"/>
+    </p:ext>
+  </p:extLst>
 </p:presentation>
 </file>
 
@@ -195,7 +204,7 @@
           <a:p>
             <a:fld id="{946B34E3-E8F5-413F-8FB7-B5B835024008}" type="datetimeFigureOut">
               <a:rPr lang="en-US" smtClean="0"/>
-              <a:t>10/20/2019</a:t>
+              <a:t>10/24/2019</a:t>
             </a:fld>
             <a:endParaRPr lang="en-US"/>
           </a:p>
@@ -2077,7 +2086,7 @@
           <a:p>
             <a:fld id="{5E2A9F4F-03AD-4497-A65D-076601BD41D2}" type="datetime1">
               <a:rPr lang="en-US" smtClean="0"/>
-              <a:t>10/20/2019</a:t>
+              <a:t>10/24/2019</a:t>
             </a:fld>
             <a:endParaRPr lang="en-US"/>
           </a:p>
@@ -4289,7 +4298,7 @@
             </a:br>
             <a:r>
               <a:rPr lang="en-US" sz="7200" dirty="0"/>
-              <a:t>Still No PhD Needed</a:t>
+              <a:t>(Still No PhD Needed)</a:t>
             </a:r>
           </a:p>
         </p:txBody>
@@ -4654,7 +4663,7 @@
           <a:p>
             <a:r>
               <a:rPr lang="en-US" dirty="0"/>
-              <a:t>This session follows my 2018 session “Add AI to your App Today”</a:t>
+              <a:t>Today follows my 2018 session “Add AI to your App Today”</a:t>
             </a:r>
           </a:p>
           <a:p>
@@ -4663,7 +4672,16 @@
           <a:p>
             <a:r>
               <a:rPr lang="en-US" dirty="0"/>
-              <a:t>That session covers the basics; today’s session goes deeper</a:t>
+              <a:t>Last year covered the basics; today’s session goes deeper</a:t>
+            </a:r>
+          </a:p>
+          <a:p>
+            <a:endParaRPr lang="en-US" dirty="0"/>
+          </a:p>
+          <a:p>
+            <a:r>
+              <a:rPr lang="en-US" dirty="0"/>
+              <a:t>Audience: developers/architects with AI scenarios, not AI expertise</a:t>
             </a:r>
           </a:p>
         </p:txBody>
@@ -4690,6 +4708,448 @@
       </p:transition>
     </mc:Fallback>
   </mc:AlternateContent>
+  <p:timing>
+    <p:tnLst>
+      <p:par>
+        <p:cTn id="1" dur="indefinite" restart="never" nodeType="tmRoot">
+          <p:childTnLst>
+            <p:seq concurrent="1" nextAc="seek">
+              <p:cTn id="2" dur="indefinite" nodeType="mainSeq">
+                <p:childTnLst>
+                  <p:par>
+                    <p:cTn id="3" fill="hold">
+                      <p:stCondLst>
+                        <p:cond delay="indefinite"/>
+                      </p:stCondLst>
+                      <p:childTnLst>
+                        <p:par>
+                          <p:cTn id="4" fill="hold">
+                            <p:stCondLst>
+                              <p:cond delay="0"/>
+                            </p:stCondLst>
+                            <p:childTnLst>
+                              <p:par>
+                                <p:cTn id="5" presetID="2" presetClass="entr" presetSubtype="2" fill="hold" nodeType="clickEffect">
+                                  <p:stCondLst>
+                                    <p:cond delay="0"/>
+                                  </p:stCondLst>
+                                  <p:childTnLst>
+                                    <p:set>
+                                      <p:cBhvr>
+                                        <p:cTn id="6" dur="1" fill="hold">
+                                          <p:stCondLst>
+                                            <p:cond delay="0"/>
+                                          </p:stCondLst>
+                                        </p:cTn>
+                                        <p:tgtEl>
+                                          <p:spTgt spid="3">
+                                            <p:txEl>
+                                              <p:pRg st="0" end="0"/>
+                                            </p:txEl>
+                                          </p:spTgt>
+                                        </p:tgtEl>
+                                        <p:attrNameLst>
+                                          <p:attrName>style.visibility</p:attrName>
+                                        </p:attrNameLst>
+                                      </p:cBhvr>
+                                      <p:to>
+                                        <p:strVal val="visible"/>
+                                      </p:to>
+                                    </p:set>
+                                    <p:anim calcmode="lin" valueType="num">
+                                      <p:cBhvr additive="base">
+                                        <p:cTn id="7" dur="300" fill="hold"/>
+                                        <p:tgtEl>
+                                          <p:spTgt spid="3">
+                                            <p:txEl>
+                                              <p:pRg st="0" end="0"/>
+                                            </p:txEl>
+                                          </p:spTgt>
+                                        </p:tgtEl>
+                                        <p:attrNameLst>
+                                          <p:attrName>ppt_x</p:attrName>
+                                        </p:attrNameLst>
+                                      </p:cBhvr>
+                                      <p:tavLst>
+                                        <p:tav tm="0">
+                                          <p:val>
+                                            <p:strVal val="1+#ppt_w/2"/>
+                                          </p:val>
+                                        </p:tav>
+                                        <p:tav tm="100000">
+                                          <p:val>
+                                            <p:strVal val="#ppt_x"/>
+                                          </p:val>
+                                        </p:tav>
+                                      </p:tavLst>
+                                    </p:anim>
+                                    <p:anim calcmode="lin" valueType="num">
+                                      <p:cBhvr additive="base">
+                                        <p:cTn id="8" dur="300" fill="hold"/>
+                                        <p:tgtEl>
+                                          <p:spTgt spid="3">
+                                            <p:txEl>
+                                              <p:pRg st="0" end="0"/>
+                                            </p:txEl>
+                                          </p:spTgt>
+                                        </p:tgtEl>
+                                        <p:attrNameLst>
+                                          <p:attrName>ppt_y</p:attrName>
+                                        </p:attrNameLst>
+                                      </p:cBhvr>
+                                      <p:tavLst>
+                                        <p:tav tm="0">
+                                          <p:val>
+                                            <p:strVal val="#ppt_y"/>
+                                          </p:val>
+                                        </p:tav>
+                                        <p:tav tm="100000">
+                                          <p:val>
+                                            <p:strVal val="#ppt_y"/>
+                                          </p:val>
+                                        </p:tav>
+                                      </p:tavLst>
+                                    </p:anim>
+                                  </p:childTnLst>
+                                </p:cTn>
+                              </p:par>
+                            </p:childTnLst>
+                          </p:cTn>
+                        </p:par>
+                      </p:childTnLst>
+                    </p:cTn>
+                  </p:par>
+                  <p:par>
+                    <p:cTn id="9" fill="hold">
+                      <p:stCondLst>
+                        <p:cond delay="indefinite"/>
+                      </p:stCondLst>
+                      <p:childTnLst>
+                        <p:par>
+                          <p:cTn id="10" fill="hold">
+                            <p:stCondLst>
+                              <p:cond delay="0"/>
+                            </p:stCondLst>
+                            <p:childTnLst>
+                              <p:par>
+                                <p:cTn id="11" presetID="2" presetClass="entr" presetSubtype="2" fill="hold" nodeType="clickEffect">
+                                  <p:stCondLst>
+                                    <p:cond delay="0"/>
+                                  </p:stCondLst>
+                                  <p:childTnLst>
+                                    <p:set>
+                                      <p:cBhvr>
+                                        <p:cTn id="12" dur="1" fill="hold">
+                                          <p:stCondLst>
+                                            <p:cond delay="0"/>
+                                          </p:stCondLst>
+                                        </p:cTn>
+                                        <p:tgtEl>
+                                          <p:spTgt spid="3">
+                                            <p:txEl>
+                                              <p:pRg st="2" end="2"/>
+                                            </p:txEl>
+                                          </p:spTgt>
+                                        </p:tgtEl>
+                                        <p:attrNameLst>
+                                          <p:attrName>style.visibility</p:attrName>
+                                        </p:attrNameLst>
+                                      </p:cBhvr>
+                                      <p:to>
+                                        <p:strVal val="visible"/>
+                                      </p:to>
+                                    </p:set>
+                                    <p:anim calcmode="lin" valueType="num">
+                                      <p:cBhvr additive="base">
+                                        <p:cTn id="13" dur="300" fill="hold"/>
+                                        <p:tgtEl>
+                                          <p:spTgt spid="3">
+                                            <p:txEl>
+                                              <p:pRg st="2" end="2"/>
+                                            </p:txEl>
+                                          </p:spTgt>
+                                        </p:tgtEl>
+                                        <p:attrNameLst>
+                                          <p:attrName>ppt_x</p:attrName>
+                                        </p:attrNameLst>
+                                      </p:cBhvr>
+                                      <p:tavLst>
+                                        <p:tav tm="0">
+                                          <p:val>
+                                            <p:strVal val="1+#ppt_w/2"/>
+                                          </p:val>
+                                        </p:tav>
+                                        <p:tav tm="100000">
+                                          <p:val>
+                                            <p:strVal val="#ppt_x"/>
+                                          </p:val>
+                                        </p:tav>
+                                      </p:tavLst>
+                                    </p:anim>
+                                    <p:anim calcmode="lin" valueType="num">
+                                      <p:cBhvr additive="base">
+                                        <p:cTn id="14" dur="300" fill="hold"/>
+                                        <p:tgtEl>
+                                          <p:spTgt spid="3">
+                                            <p:txEl>
+                                              <p:pRg st="2" end="2"/>
+                                            </p:txEl>
+                                          </p:spTgt>
+                                        </p:tgtEl>
+                                        <p:attrNameLst>
+                                          <p:attrName>ppt_y</p:attrName>
+                                        </p:attrNameLst>
+                                      </p:cBhvr>
+                                      <p:tavLst>
+                                        <p:tav tm="0">
+                                          <p:val>
+                                            <p:strVal val="#ppt_y"/>
+                                          </p:val>
+                                        </p:tav>
+                                        <p:tav tm="100000">
+                                          <p:val>
+                                            <p:strVal val="#ppt_y"/>
+                                          </p:val>
+                                        </p:tav>
+                                      </p:tavLst>
+                                    </p:anim>
+                                  </p:childTnLst>
+                                </p:cTn>
+                              </p:par>
+                            </p:childTnLst>
+                          </p:cTn>
+                        </p:par>
+                      </p:childTnLst>
+                    </p:cTn>
+                  </p:par>
+                  <p:par>
+                    <p:cTn id="15" fill="hold">
+                      <p:stCondLst>
+                        <p:cond delay="indefinite"/>
+                      </p:stCondLst>
+                      <p:childTnLst>
+                        <p:par>
+                          <p:cTn id="16" fill="hold">
+                            <p:stCondLst>
+                              <p:cond delay="0"/>
+                            </p:stCondLst>
+                            <p:childTnLst>
+                              <p:par>
+                                <p:cTn id="17" presetID="2" presetClass="entr" presetSubtype="2" fill="hold" nodeType="clickEffect">
+                                  <p:stCondLst>
+                                    <p:cond delay="0"/>
+                                  </p:stCondLst>
+                                  <p:childTnLst>
+                                    <p:set>
+                                      <p:cBhvr>
+                                        <p:cTn id="18" dur="1" fill="hold">
+                                          <p:stCondLst>
+                                            <p:cond delay="0"/>
+                                          </p:stCondLst>
+                                        </p:cTn>
+                                        <p:tgtEl>
+                                          <p:spTgt spid="3">
+                                            <p:txEl>
+                                              <p:pRg st="4" end="4"/>
+                                            </p:txEl>
+                                          </p:spTgt>
+                                        </p:tgtEl>
+                                        <p:attrNameLst>
+                                          <p:attrName>style.visibility</p:attrName>
+                                        </p:attrNameLst>
+                                      </p:cBhvr>
+                                      <p:to>
+                                        <p:strVal val="visible"/>
+                                      </p:to>
+                                    </p:set>
+                                    <p:anim calcmode="lin" valueType="num">
+                                      <p:cBhvr additive="base">
+                                        <p:cTn id="19" dur="300" fill="hold"/>
+                                        <p:tgtEl>
+                                          <p:spTgt spid="3">
+                                            <p:txEl>
+                                              <p:pRg st="4" end="4"/>
+                                            </p:txEl>
+                                          </p:spTgt>
+                                        </p:tgtEl>
+                                        <p:attrNameLst>
+                                          <p:attrName>ppt_x</p:attrName>
+                                        </p:attrNameLst>
+                                      </p:cBhvr>
+                                      <p:tavLst>
+                                        <p:tav tm="0">
+                                          <p:val>
+                                            <p:strVal val="1+#ppt_w/2"/>
+                                          </p:val>
+                                        </p:tav>
+                                        <p:tav tm="100000">
+                                          <p:val>
+                                            <p:strVal val="#ppt_x"/>
+                                          </p:val>
+                                        </p:tav>
+                                      </p:tavLst>
+                                    </p:anim>
+                                    <p:anim calcmode="lin" valueType="num">
+                                      <p:cBhvr additive="base">
+                                        <p:cTn id="20" dur="300" fill="hold"/>
+                                        <p:tgtEl>
+                                          <p:spTgt spid="3">
+                                            <p:txEl>
+                                              <p:pRg st="4" end="4"/>
+                                            </p:txEl>
+                                          </p:spTgt>
+                                        </p:tgtEl>
+                                        <p:attrNameLst>
+                                          <p:attrName>ppt_y</p:attrName>
+                                        </p:attrNameLst>
+                                      </p:cBhvr>
+                                      <p:tavLst>
+                                        <p:tav tm="0">
+                                          <p:val>
+                                            <p:strVal val="#ppt_y"/>
+                                          </p:val>
+                                        </p:tav>
+                                        <p:tav tm="100000">
+                                          <p:val>
+                                            <p:strVal val="#ppt_y"/>
+                                          </p:val>
+                                        </p:tav>
+                                      </p:tavLst>
+                                    </p:anim>
+                                  </p:childTnLst>
+                                </p:cTn>
+                              </p:par>
+                            </p:childTnLst>
+                          </p:cTn>
+                        </p:par>
+                      </p:childTnLst>
+                    </p:cTn>
+                  </p:par>
+                  <p:par>
+                    <p:cTn id="21" fill="hold">
+                      <p:stCondLst>
+                        <p:cond delay="indefinite"/>
+                      </p:stCondLst>
+                      <p:childTnLst>
+                        <p:par>
+                          <p:cTn id="22" fill="hold">
+                            <p:stCondLst>
+                              <p:cond delay="0"/>
+                            </p:stCondLst>
+                            <p:childTnLst>
+                              <p:par>
+                                <p:cTn id="23" presetID="2" presetClass="entr" presetSubtype="2" fill="hold" nodeType="clickEffect">
+                                  <p:stCondLst>
+                                    <p:cond delay="0"/>
+                                  </p:stCondLst>
+                                  <p:childTnLst>
+                                    <p:set>
+                                      <p:cBhvr>
+                                        <p:cTn id="24" dur="1" fill="hold">
+                                          <p:stCondLst>
+                                            <p:cond delay="0"/>
+                                          </p:stCondLst>
+                                        </p:cTn>
+                                        <p:tgtEl>
+                                          <p:spTgt spid="3">
+                                            <p:txEl>
+                                              <p:pRg st="6" end="6"/>
+                                            </p:txEl>
+                                          </p:spTgt>
+                                        </p:tgtEl>
+                                        <p:attrNameLst>
+                                          <p:attrName>style.visibility</p:attrName>
+                                        </p:attrNameLst>
+                                      </p:cBhvr>
+                                      <p:to>
+                                        <p:strVal val="visible"/>
+                                      </p:to>
+                                    </p:set>
+                                    <p:anim calcmode="lin" valueType="num">
+                                      <p:cBhvr additive="base">
+                                        <p:cTn id="25" dur="300" fill="hold"/>
+                                        <p:tgtEl>
+                                          <p:spTgt spid="3">
+                                            <p:txEl>
+                                              <p:pRg st="6" end="6"/>
+                                            </p:txEl>
+                                          </p:spTgt>
+                                        </p:tgtEl>
+                                        <p:attrNameLst>
+                                          <p:attrName>ppt_x</p:attrName>
+                                        </p:attrNameLst>
+                                      </p:cBhvr>
+                                      <p:tavLst>
+                                        <p:tav tm="0">
+                                          <p:val>
+                                            <p:strVal val="1+#ppt_w/2"/>
+                                          </p:val>
+                                        </p:tav>
+                                        <p:tav tm="100000">
+                                          <p:val>
+                                            <p:strVal val="#ppt_x"/>
+                                          </p:val>
+                                        </p:tav>
+                                      </p:tavLst>
+                                    </p:anim>
+                                    <p:anim calcmode="lin" valueType="num">
+                                      <p:cBhvr additive="base">
+                                        <p:cTn id="26" dur="300" fill="hold"/>
+                                        <p:tgtEl>
+                                          <p:spTgt spid="3">
+                                            <p:txEl>
+                                              <p:pRg st="6" end="6"/>
+                                            </p:txEl>
+                                          </p:spTgt>
+                                        </p:tgtEl>
+                                        <p:attrNameLst>
+                                          <p:attrName>ppt_y</p:attrName>
+                                        </p:attrNameLst>
+                                      </p:cBhvr>
+                                      <p:tavLst>
+                                        <p:tav tm="0">
+                                          <p:val>
+                                            <p:strVal val="#ppt_y"/>
+                                          </p:val>
+                                        </p:tav>
+                                        <p:tav tm="100000">
+                                          <p:val>
+                                            <p:strVal val="#ppt_y"/>
+                                          </p:val>
+                                        </p:tav>
+                                      </p:tavLst>
+                                    </p:anim>
+                                  </p:childTnLst>
+                                </p:cTn>
+                              </p:par>
+                            </p:childTnLst>
+                          </p:cTn>
+                        </p:par>
+                      </p:childTnLst>
+                    </p:cTn>
+                  </p:par>
+                </p:childTnLst>
+              </p:cTn>
+              <p:prevCondLst>
+                <p:cond evt="onPrev" delay="0">
+                  <p:tgtEl>
+                    <p:sldTgt/>
+                  </p:tgtEl>
+                </p:cond>
+              </p:prevCondLst>
+              <p:nextCondLst>
+                <p:cond evt="onNext" delay="0">
+                  <p:tgtEl>
+                    <p:sldTgt/>
+                  </p:tgtEl>
+                </p:cond>
+              </p:nextCondLst>
+            </p:seq>
+          </p:childTnLst>
+        </p:cTn>
+      </p:par>
+    </p:tnLst>
+  </p:timing>
 </p:sld>
 </file>
 
@@ -4733,7 +5193,7 @@
           <a:p>
             <a:r>
               <a:rPr lang="en-US" dirty="0"/>
-              <a:t>Recap</a:t>
+              <a:t>Summary / Recap</a:t>
             </a:r>
           </a:p>
         </p:txBody>
@@ -4761,7 +5221,7 @@
           <a:p>
             <a:r>
               <a:rPr lang="en-US" dirty="0"/>
-              <a:t>AI build/deploy/maintain is difficult and costly</a:t>
+              <a:t>AI “from scratch” build/deploy/maintain is difficult and costly</a:t>
             </a:r>
           </a:p>
           <a:p>
@@ -4769,8 +5229,22 @@
           </a:p>
           <a:p>
             <a:r>
+              <a:rPr lang="en-US" dirty="0">
+                <a:sym typeface="Wingdings" panose="05000000000000000000" pitchFamily="2" charset="2"/>
+              </a:rPr>
+              <a:t> </a:t>
+            </a:r>
+            <a:r>
               <a:rPr lang="en-US" dirty="0"/>
-              <a:t>AI PaaS/SaaS services let you focus on functionality</a:t>
+              <a:t>AI </a:t>
+            </a:r>
+            <a:r>
+              <a:rPr lang="en-US" b="1" dirty="0"/>
+              <a:t>PaaS/SaaS services</a:t>
+            </a:r>
+            <a:r>
+              <a:rPr lang="en-US" dirty="0"/>
+              <a:t>: you focus on scenarios and integration, service provider on build/deploy/maintain</a:t>
             </a:r>
           </a:p>
           <a:p>
@@ -4778,35 +5252,30 @@
           </a:p>
           <a:p>
             <a:r>
+              <a:rPr lang="en-US" sz="3600" b="1" u="sng" dirty="0"/>
+              <a:t>Microsoft Azure Cognitive Services</a:t>
+            </a:r>
+          </a:p>
+          <a:p>
+            <a:pPr lvl="1"/>
+            <a:r>
               <a:rPr lang="en-US" dirty="0"/>
-              <a:t>Microsoft Azure Cognitive Services</a:t>
+              <a:t>AI APIs; each provides a specific AI capability</a:t>
             </a:r>
           </a:p>
           <a:p>
             <a:pPr lvl="1"/>
             <a:r>
               <a:rPr lang="en-US" dirty="0"/>
-              <a:t>AI APIs; each addresses a specific AI capability</a:t>
+              <a:t>Examples: speech to text, face recognition, custom vision, many more</a:t>
             </a:r>
           </a:p>
           <a:p>
             <a:pPr lvl="1"/>
             <a:r>
               <a:rPr lang="en-US" dirty="0"/>
-              <a:t>Examples: speech to text, face recognition, many more</a:t>
-            </a:r>
-          </a:p>
-          <a:p>
-            <a:pPr lvl="1"/>
-            <a:r>
-              <a:rPr lang="en-US" dirty="0"/>
-              <a:t>Integrate via REST </a:t>
-            </a:r>
-            <a:r>
-              <a:rPr lang="en-US"/>
-              <a:t>API or SDKs</a:t>
-            </a:r>
-            <a:endParaRPr lang="en-US" dirty="0"/>
+              <a:t>Integrate via REST API or SDKs</a:t>
+            </a:r>
           </a:p>
           <a:p>
             <a:pPr lvl="1"/>
@@ -4821,6 +5290,573 @@
     <p:extLst>
       <p:ext uri="{BB962C8B-B14F-4D97-AF65-F5344CB8AC3E}">
         <p14:creationId xmlns:p14="http://schemas.microsoft.com/office/powerpoint/2010/main" val="4029634992"/>
+      </p:ext>
+    </p:extLst>
+  </p:cSld>
+  <p:clrMapOvr>
+    <a:masterClrMapping/>
+  </p:clrMapOvr>
+  <mc:AlternateContent xmlns:mc="http://schemas.openxmlformats.org/markup-compatibility/2006" xmlns:p14="http://schemas.microsoft.com/office/powerpoint/2010/main">
+    <mc:Choice Requires="p14">
+      <p:transition spd="med" p14:dur="700">
+        <p:fade/>
+      </p:transition>
+    </mc:Choice>
+    <mc:Fallback xmlns="">
+      <p:transition spd="med">
+        <p:fade/>
+      </p:transition>
+    </mc:Fallback>
+  </mc:AlternateContent>
+</p:sld>
+</file>
+
+<file path=ppt/slides/slide5.xml><?xml version="1.0" encoding="utf-8"?>
+<p:sld xmlns:a="http://schemas.openxmlformats.org/drawingml/2006/main" xmlns:r="http://schemas.openxmlformats.org/officeDocument/2006/relationships" xmlns:p="http://schemas.openxmlformats.org/presentationml/2006/main">
+  <p:cSld>
+    <p:spTree>
+      <p:nvGrpSpPr>
+        <p:cNvPr id="1" name=""/>
+        <p:cNvGrpSpPr/>
+        <p:nvPr/>
+      </p:nvGrpSpPr>
+      <p:grpSpPr>
+        <a:xfrm>
+          <a:off x="0" y="0"/>
+          <a:ext cx="0" cy="0"/>
+          <a:chOff x="0" y="0"/>
+          <a:chExt cx="0" cy="0"/>
+        </a:xfrm>
+      </p:grpSpPr>
+      <p:sp>
+        <p:nvSpPr>
+          <p:cNvPr id="2" name="Title 1">
+            <a:extLst>
+              <a:ext uri="{FF2B5EF4-FFF2-40B4-BE49-F238E27FC236}">
+                <a16:creationId xmlns:a16="http://schemas.microsoft.com/office/drawing/2014/main" id="{87B12B7E-FA9A-4E21-BC2E-68D1CB3B1D98}"/>
+              </a:ext>
+            </a:extLst>
+          </p:cNvPr>
+          <p:cNvSpPr>
+            <a:spLocks noGrp="1"/>
+          </p:cNvSpPr>
+          <p:nvPr>
+            <p:ph type="title"/>
+          </p:nvPr>
+        </p:nvSpPr>
+        <p:spPr/>
+        <p:txBody>
+          <a:bodyPr/>
+          <a:lstStyle/>
+          <a:p>
+            <a:r>
+              <a:rPr lang="en-US" dirty="0"/>
+              <a:t>Scenarios</a:t>
+            </a:r>
+          </a:p>
+        </p:txBody>
+      </p:sp>
+      <p:sp>
+        <p:nvSpPr>
+          <p:cNvPr id="3" name="Content Placeholder 2">
+            <a:extLst>
+              <a:ext uri="{FF2B5EF4-FFF2-40B4-BE49-F238E27FC236}">
+                <a16:creationId xmlns:a16="http://schemas.microsoft.com/office/drawing/2014/main" id="{27824832-593D-46EA-9240-2CC017EA9110}"/>
+              </a:ext>
+            </a:extLst>
+          </p:cNvPr>
+          <p:cNvSpPr>
+            <a:spLocks noGrp="1"/>
+          </p:cNvSpPr>
+          <p:nvPr>
+            <p:ph idx="1"/>
+          </p:nvPr>
+        </p:nvSpPr>
+        <p:spPr/>
+        <p:txBody>
+          <a:bodyPr anchor="t"/>
+          <a:lstStyle/>
+          <a:p>
+            <a:pPr marL="0" indent="0">
+              <a:buNone/>
+            </a:pPr>
+            <a:endParaRPr lang="en-US" dirty="0"/>
+          </a:p>
+          <a:p>
+            <a:pPr marL="0" indent="0">
+              <a:buNone/>
+            </a:pPr>
+            <a:r>
+              <a:rPr lang="en-US" dirty="0"/>
+              <a:t>Today we will examine real world scenarios:</a:t>
+            </a:r>
+          </a:p>
+          <a:p>
+            <a:pPr marL="514350" indent="-514350">
+              <a:buFont typeface="+mj-lt"/>
+              <a:buAutoNum type="arabicPeriod"/>
+            </a:pPr>
+            <a:r>
+              <a:rPr lang="en-US" dirty="0"/>
+              <a:t>Personalized Recommendations</a:t>
+            </a:r>
+          </a:p>
+          <a:p>
+            <a:pPr marL="514350" indent="-514350">
+              <a:buFont typeface="+mj-lt"/>
+              <a:buAutoNum type="arabicPeriod"/>
+            </a:pPr>
+            <a:r>
+              <a:rPr lang="en-US" dirty="0"/>
+              <a:t>Form Recognition</a:t>
+            </a:r>
+          </a:p>
+          <a:p>
+            <a:pPr marL="514350" indent="-514350">
+              <a:buFont typeface="+mj-lt"/>
+              <a:buAutoNum type="arabicPeriod"/>
+            </a:pPr>
+            <a:r>
+              <a:rPr lang="en-US" dirty="0"/>
+              <a:t>Custom Vision</a:t>
+            </a:r>
+          </a:p>
+          <a:p>
+            <a:pPr marL="514350" indent="-514350">
+              <a:buFont typeface="+mj-lt"/>
+              <a:buAutoNum type="arabicPeriod"/>
+            </a:pPr>
+            <a:endParaRPr lang="en-US" dirty="0"/>
+          </a:p>
+          <a:p>
+            <a:r>
+              <a:rPr lang="en-US" dirty="0"/>
+              <a:t>Use Case</a:t>
+            </a:r>
+          </a:p>
+          <a:p>
+            <a:r>
+              <a:rPr lang="en-US" dirty="0"/>
+              <a:t>AI Service</a:t>
+            </a:r>
+          </a:p>
+          <a:p>
+            <a:r>
+              <a:rPr lang="en-US" dirty="0"/>
+              <a:t>Implementation / Demo</a:t>
+            </a:r>
+          </a:p>
+        </p:txBody>
+      </p:sp>
+    </p:spTree>
+    <p:extLst>
+      <p:ext uri="{BB962C8B-B14F-4D97-AF65-F5344CB8AC3E}">
+        <p14:creationId xmlns:p14="http://schemas.microsoft.com/office/powerpoint/2010/main" val="144555849"/>
+      </p:ext>
+    </p:extLst>
+  </p:cSld>
+  <p:clrMapOvr>
+    <a:masterClrMapping/>
+  </p:clrMapOvr>
+  <mc:AlternateContent xmlns:mc="http://schemas.openxmlformats.org/markup-compatibility/2006" xmlns:p14="http://schemas.microsoft.com/office/powerpoint/2010/main">
+    <mc:Choice Requires="p14">
+      <p:transition spd="med" p14:dur="700">
+        <p:fade/>
+      </p:transition>
+    </mc:Choice>
+    <mc:Fallback xmlns="">
+      <p:transition spd="med">
+        <p:fade/>
+      </p:transition>
+    </mc:Fallback>
+  </mc:AlternateContent>
+</p:sld>
+</file>
+
+<file path=ppt/slides/slide6.xml><?xml version="1.0" encoding="utf-8"?>
+<p:sld xmlns:a="http://schemas.openxmlformats.org/drawingml/2006/main" xmlns:r="http://schemas.openxmlformats.org/officeDocument/2006/relationships" xmlns:p="http://schemas.openxmlformats.org/presentationml/2006/main">
+  <p:cSld>
+    <p:spTree>
+      <p:nvGrpSpPr>
+        <p:cNvPr id="1" name=""/>
+        <p:cNvGrpSpPr/>
+        <p:nvPr/>
+      </p:nvGrpSpPr>
+      <p:grpSpPr>
+        <a:xfrm>
+          <a:off x="0" y="0"/>
+          <a:ext cx="0" cy="0"/>
+          <a:chOff x="0" y="0"/>
+          <a:chExt cx="0" cy="0"/>
+        </a:xfrm>
+      </p:grpSpPr>
+      <p:sp>
+        <p:nvSpPr>
+          <p:cNvPr id="4" name="Title 3">
+            <a:extLst>
+              <a:ext uri="{FF2B5EF4-FFF2-40B4-BE49-F238E27FC236}">
+                <a16:creationId xmlns:a16="http://schemas.microsoft.com/office/drawing/2014/main" id="{1A18C07A-8F1C-4CC1-A1AA-74BDEFFBE25C}"/>
+              </a:ext>
+            </a:extLst>
+          </p:cNvPr>
+          <p:cNvSpPr>
+            <a:spLocks noGrp="1"/>
+          </p:cNvSpPr>
+          <p:nvPr>
+            <p:ph type="title"/>
+          </p:nvPr>
+        </p:nvSpPr>
+        <p:spPr>
+          <a:xfrm>
+            <a:off x="269238" y="1036221"/>
+            <a:ext cx="11653523" cy="1015663"/>
+          </a:xfrm>
+        </p:spPr>
+        <p:txBody>
+          <a:bodyPr/>
+          <a:lstStyle/>
+          <a:p>
+            <a:r>
+              <a:rPr lang="en-US" sz="6000" dirty="0"/>
+              <a:t>Personalized Recommendations</a:t>
+            </a:r>
+          </a:p>
+        </p:txBody>
+      </p:sp>
+      <p:pic>
+        <p:nvPicPr>
+          <p:cNvPr id="5" name="Picture 4">
+            <a:extLst>
+              <a:ext uri="{FF2B5EF4-FFF2-40B4-BE49-F238E27FC236}">
+                <a16:creationId xmlns:a16="http://schemas.microsoft.com/office/drawing/2014/main" id="{D70F2DC7-AA64-4AB8-AFA9-7FA2520AE860}"/>
+              </a:ext>
+            </a:extLst>
+          </p:cNvPr>
+          <p:cNvPicPr>
+            <a:picLocks noChangeAspect="1"/>
+          </p:cNvPicPr>
+          <p:nvPr/>
+        </p:nvPicPr>
+        <p:blipFill>
+          <a:blip r:embed="rId2"/>
+          <a:stretch>
+            <a:fillRect/>
+          </a:stretch>
+        </p:blipFill>
+        <p:spPr>
+          <a:xfrm>
+            <a:off x="1480211" y="2960772"/>
+            <a:ext cx="9910049" cy="3148263"/>
+          </a:xfrm>
+          <a:prstGeom prst="rect">
+            <a:avLst/>
+          </a:prstGeom>
+        </p:spPr>
+      </p:pic>
+    </p:spTree>
+    <p:extLst>
+      <p:ext uri="{BB962C8B-B14F-4D97-AF65-F5344CB8AC3E}">
+        <p14:creationId xmlns:p14="http://schemas.microsoft.com/office/powerpoint/2010/main" val="3029011905"/>
+      </p:ext>
+    </p:extLst>
+  </p:cSld>
+  <p:clrMapOvr>
+    <a:masterClrMapping/>
+  </p:clrMapOvr>
+  <p:transition>
+    <p:fade/>
+  </p:transition>
+</p:sld>
+</file>
+
+<file path=ppt/slides/slide7.xml><?xml version="1.0" encoding="utf-8"?>
+<p:sld xmlns:a="http://schemas.openxmlformats.org/drawingml/2006/main" xmlns:r="http://schemas.openxmlformats.org/officeDocument/2006/relationships" xmlns:p="http://schemas.openxmlformats.org/presentationml/2006/main">
+  <p:cSld>
+    <p:spTree>
+      <p:nvGrpSpPr>
+        <p:cNvPr id="1" name=""/>
+        <p:cNvGrpSpPr/>
+        <p:nvPr/>
+      </p:nvGrpSpPr>
+      <p:grpSpPr>
+        <a:xfrm>
+          <a:off x="0" y="0"/>
+          <a:ext cx="0" cy="0"/>
+          <a:chOff x="0" y="0"/>
+          <a:chExt cx="0" cy="0"/>
+        </a:xfrm>
+      </p:grpSpPr>
+      <p:sp>
+        <p:nvSpPr>
+          <p:cNvPr id="3" name="Title 2">
+            <a:extLst>
+              <a:ext uri="{FF2B5EF4-FFF2-40B4-BE49-F238E27FC236}">
+                <a16:creationId xmlns:a16="http://schemas.microsoft.com/office/drawing/2014/main" id="{27229925-8D34-40DE-8250-615522102C7B}"/>
+              </a:ext>
+            </a:extLst>
+          </p:cNvPr>
+          <p:cNvSpPr>
+            <a:spLocks noGrp="1"/>
+          </p:cNvSpPr>
+          <p:nvPr>
+            <p:ph type="title"/>
+          </p:nvPr>
+        </p:nvSpPr>
+        <p:spPr/>
+        <p:txBody>
+          <a:bodyPr/>
+          <a:lstStyle/>
+          <a:p>
+            <a:r>
+              <a:rPr lang="en-US" dirty="0"/>
+              <a:t>Use Case</a:t>
+            </a:r>
+          </a:p>
+        </p:txBody>
+      </p:sp>
+      <p:sp>
+        <p:nvSpPr>
+          <p:cNvPr id="4" name="Content Placeholder 3">
+            <a:extLst>
+              <a:ext uri="{FF2B5EF4-FFF2-40B4-BE49-F238E27FC236}">
+                <a16:creationId xmlns:a16="http://schemas.microsoft.com/office/drawing/2014/main" id="{D4ABCF94-5F3E-428C-AB4C-3F2AC7616027}"/>
+              </a:ext>
+            </a:extLst>
+          </p:cNvPr>
+          <p:cNvSpPr>
+            <a:spLocks noGrp="1"/>
+          </p:cNvSpPr>
+          <p:nvPr>
+            <p:ph idx="1"/>
+          </p:nvPr>
+        </p:nvSpPr>
+        <p:spPr/>
+        <p:txBody>
+          <a:bodyPr anchor="t"/>
+          <a:lstStyle/>
+          <a:p>
+            <a:pPr marL="0" indent="0">
+              <a:buNone/>
+            </a:pPr>
+            <a:r>
+              <a:rPr lang="en-US" dirty="0"/>
+              <a:t>“We’d like to give people</a:t>
+            </a:r>
+          </a:p>
+          <a:p>
+            <a:pPr marL="0" indent="0">
+              <a:buNone/>
+            </a:pPr>
+            <a:r>
+              <a:rPr lang="en-US" i="1" dirty="0"/>
+              <a:t>	</a:t>
+            </a:r>
+            <a:r>
+              <a:rPr lang="en-US" b="1" i="1" dirty="0"/>
+              <a:t>personalized</a:t>
+            </a:r>
+            <a:r>
+              <a:rPr lang="en-US" dirty="0"/>
+              <a:t> recommendations</a:t>
+            </a:r>
+          </a:p>
+          <a:p>
+            <a:pPr marL="0" indent="0">
+              <a:buNone/>
+            </a:pPr>
+            <a:r>
+              <a:rPr lang="en-US" dirty="0"/>
+              <a:t>	for what to do next”</a:t>
+            </a:r>
+          </a:p>
+          <a:p>
+            <a:pPr>
+              <a:buFont typeface="Wingdings" panose="05000000000000000000" pitchFamily="2" charset="2"/>
+              <a:buChar char="à"/>
+            </a:pPr>
+            <a:r>
+              <a:rPr lang="en-US" dirty="0">
+                <a:sym typeface="Wingdings" panose="05000000000000000000" pitchFamily="2" charset="2"/>
+              </a:rPr>
+              <a:t> </a:t>
+            </a:r>
+            <a:r>
+              <a:rPr lang="en-US" b="1" dirty="0">
+                <a:sym typeface="Wingdings" panose="05000000000000000000" pitchFamily="2" charset="2"/>
+              </a:rPr>
+              <a:t>Buy</a:t>
+            </a:r>
+            <a:r>
+              <a:rPr lang="en-US" dirty="0">
+                <a:sym typeface="Wingdings" panose="05000000000000000000" pitchFamily="2" charset="2"/>
+              </a:rPr>
+              <a:t> next, </a:t>
+            </a:r>
+            <a:r>
+              <a:rPr lang="en-US" b="1" dirty="0">
+                <a:sym typeface="Wingdings" panose="05000000000000000000" pitchFamily="2" charset="2"/>
+              </a:rPr>
+              <a:t>read</a:t>
+            </a:r>
+            <a:r>
+              <a:rPr lang="en-US" dirty="0">
+                <a:sym typeface="Wingdings" panose="05000000000000000000" pitchFamily="2" charset="2"/>
+              </a:rPr>
+              <a:t> next, where to </a:t>
+            </a:r>
+            <a:r>
+              <a:rPr lang="en-US" b="1" dirty="0">
+                <a:sym typeface="Wingdings" panose="05000000000000000000" pitchFamily="2" charset="2"/>
+              </a:rPr>
+              <a:t>go</a:t>
+            </a:r>
+            <a:r>
+              <a:rPr lang="en-US" dirty="0">
+                <a:sym typeface="Wingdings" panose="05000000000000000000" pitchFamily="2" charset="2"/>
+              </a:rPr>
+              <a:t> next, etc.</a:t>
+            </a:r>
+          </a:p>
+          <a:p>
+            <a:pPr marL="0" indent="0">
+              <a:buNone/>
+            </a:pPr>
+            <a:endParaRPr lang="en-US" dirty="0">
+              <a:sym typeface="Wingdings" panose="05000000000000000000" pitchFamily="2" charset="2"/>
+            </a:endParaRPr>
+          </a:p>
+          <a:p>
+            <a:pPr marL="0" indent="0">
+              <a:buNone/>
+            </a:pPr>
+            <a:r>
+              <a:rPr lang="en-US" dirty="0">
+                <a:sym typeface="Wingdings" panose="05000000000000000000" pitchFamily="2" charset="2"/>
+              </a:rPr>
+              <a:t>Why is this compelling?</a:t>
+            </a:r>
+          </a:p>
+          <a:p>
+            <a:pPr marL="0" indent="0">
+              <a:buNone/>
+            </a:pPr>
+            <a:r>
+              <a:rPr lang="en-US" dirty="0">
+                <a:sym typeface="Wingdings" panose="05000000000000000000" pitchFamily="2" charset="2"/>
+              </a:rPr>
+              <a:t>Personal = engaging; generic = boring.</a:t>
+            </a:r>
+          </a:p>
+          <a:p>
+            <a:pPr marL="0" indent="0">
+              <a:buNone/>
+            </a:pPr>
+            <a:endParaRPr lang="en-US" dirty="0"/>
+          </a:p>
+          <a:p>
+            <a:pPr marL="0" indent="0">
+              <a:buNone/>
+            </a:pPr>
+            <a:endParaRPr lang="en-US" dirty="0"/>
+          </a:p>
+        </p:txBody>
+      </p:sp>
+    </p:spTree>
+    <p:extLst>
+      <p:ext uri="{BB962C8B-B14F-4D97-AF65-F5344CB8AC3E}">
+        <p14:creationId xmlns:p14="http://schemas.microsoft.com/office/powerpoint/2010/main" val="4041171351"/>
+      </p:ext>
+    </p:extLst>
+  </p:cSld>
+  <p:clrMapOvr>
+    <a:masterClrMapping/>
+  </p:clrMapOvr>
+  <mc:AlternateContent xmlns:mc="http://schemas.openxmlformats.org/markup-compatibility/2006" xmlns:p14="http://schemas.microsoft.com/office/powerpoint/2010/main">
+    <mc:Choice Requires="p14">
+      <p:transition spd="med" p14:dur="700">
+        <p:fade/>
+      </p:transition>
+    </mc:Choice>
+    <mc:Fallback xmlns="">
+      <p:transition spd="med">
+        <p:fade/>
+      </p:transition>
+    </mc:Fallback>
+  </mc:AlternateContent>
+</p:sld>
+</file>
+
+<file path=ppt/slides/slide8.xml><?xml version="1.0" encoding="utf-8"?>
+<p:sld xmlns:a="http://schemas.openxmlformats.org/drawingml/2006/main" xmlns:r="http://schemas.openxmlformats.org/officeDocument/2006/relationships" xmlns:p="http://schemas.openxmlformats.org/presentationml/2006/main">
+  <p:cSld>
+    <p:spTree>
+      <p:nvGrpSpPr>
+        <p:cNvPr id="1" name=""/>
+        <p:cNvGrpSpPr/>
+        <p:nvPr/>
+      </p:nvGrpSpPr>
+      <p:grpSpPr>
+        <a:xfrm>
+          <a:off x="0" y="0"/>
+          <a:ext cx="0" cy="0"/>
+          <a:chOff x="0" y="0"/>
+          <a:chExt cx="0" cy="0"/>
+        </a:xfrm>
+      </p:grpSpPr>
+      <p:sp>
+        <p:nvSpPr>
+          <p:cNvPr id="2" name="Title 1">
+            <a:extLst>
+              <a:ext uri="{FF2B5EF4-FFF2-40B4-BE49-F238E27FC236}">
+                <a16:creationId xmlns:a16="http://schemas.microsoft.com/office/drawing/2014/main" id="{62476AB5-2BA9-41B2-A387-D6E88AA64C27}"/>
+              </a:ext>
+            </a:extLst>
+          </p:cNvPr>
+          <p:cNvSpPr>
+            <a:spLocks noGrp="1"/>
+          </p:cNvSpPr>
+          <p:nvPr>
+            <p:ph type="title"/>
+          </p:nvPr>
+        </p:nvSpPr>
+        <p:spPr/>
+        <p:txBody>
+          <a:bodyPr/>
+          <a:lstStyle/>
+          <a:p>
+            <a:endParaRPr lang="en-US" dirty="0"/>
+          </a:p>
+        </p:txBody>
+      </p:sp>
+      <p:sp>
+        <p:nvSpPr>
+          <p:cNvPr id="3" name="Content Placeholder 2">
+            <a:extLst>
+              <a:ext uri="{FF2B5EF4-FFF2-40B4-BE49-F238E27FC236}">
+                <a16:creationId xmlns:a16="http://schemas.microsoft.com/office/drawing/2014/main" id="{9A127FE1-A123-4F68-AD93-336CB79490E9}"/>
+              </a:ext>
+            </a:extLst>
+          </p:cNvPr>
+          <p:cNvSpPr>
+            <a:spLocks noGrp="1"/>
+          </p:cNvSpPr>
+          <p:nvPr>
+            <p:ph idx="1"/>
+          </p:nvPr>
+        </p:nvSpPr>
+        <p:spPr/>
+        <p:txBody>
+          <a:bodyPr/>
+          <a:lstStyle/>
+          <a:p>
+            <a:endParaRPr lang="en-US"/>
+          </a:p>
+        </p:txBody>
+      </p:sp>
+    </p:spTree>
+    <p:extLst>
+      <p:ext uri="{BB962C8B-B14F-4D97-AF65-F5344CB8AC3E}">
+        <p14:creationId xmlns:p14="http://schemas.microsoft.com/office/powerpoint/2010/main" val="705126725"/>
       </p:ext>
     </p:extLst>
   </p:cSld>

--- a/GraniteStateCodeCamp2019/gscc19-pelazem.pptx
+++ b/GraniteStateCodeCamp2019/gscc19-pelazem.pptx
@@ -5,7 +5,7 @@
     <p:sldMasterId id="2147483732" r:id="rId1"/>
   </p:sldMasterIdLst>
   <p:notesMasterIdLst>
-    <p:notesMasterId r:id="rId10"/>
+    <p:notesMasterId r:id="rId13"/>
   </p:notesMasterIdLst>
   <p:sldIdLst>
     <p:sldId id="258" r:id="rId2"/>
@@ -15,7 +15,10 @@
     <p:sldId id="1598" r:id="rId6"/>
     <p:sldId id="1599" r:id="rId7"/>
     <p:sldId id="1600" r:id="rId8"/>
-    <p:sldId id="1601" r:id="rId9"/>
+    <p:sldId id="1602" r:id="rId9"/>
+    <p:sldId id="1601" r:id="rId10"/>
+    <p:sldId id="1603" r:id="rId11"/>
+    <p:sldId id="1604" r:id="rId12"/>
   </p:sldIdLst>
   <p:sldSz cx="12192000" cy="6858000"/>
   <p:notesSz cx="6858000" cy="9144000"/>
@@ -204,7 +207,7 @@
           <a:p>
             <a:fld id="{946B34E3-E8F5-413F-8FB7-B5B835024008}" type="datetimeFigureOut">
               <a:rPr lang="en-US" smtClean="0"/>
-              <a:t>10/24/2019</a:t>
+              <a:t>10/25/2019</a:t>
             </a:fld>
             <a:endParaRPr lang="en-US"/>
           </a:p>
@@ -2086,7 +2089,7 @@
           <a:p>
             <a:fld id="{5E2A9F4F-03AD-4497-A65D-076601BD41D2}" type="datetime1">
               <a:rPr lang="en-US" smtClean="0"/>
-              <a:t>10/24/2019</a:t>
+              <a:t>10/25/2019</a:t>
             </a:fld>
             <a:endParaRPr lang="en-US"/>
           </a:p>
@@ -4281,7 +4284,7 @@
         </p:nvSpPr>
         <p:spPr>
           <a:xfrm>
-            <a:off x="330261" y="2169405"/>
+            <a:off x="330261" y="402248"/>
             <a:ext cx="8964185" cy="2268299"/>
           </a:xfrm>
         </p:spPr>
@@ -4336,6 +4339,73 @@
           </a:p>
         </p:txBody>
       </p:sp>
+      <p:sp>
+        <p:nvSpPr>
+          <p:cNvPr id="4" name="Title 1">
+            <a:extLst>
+              <a:ext uri="{FF2B5EF4-FFF2-40B4-BE49-F238E27FC236}">
+                <a16:creationId xmlns:a16="http://schemas.microsoft.com/office/drawing/2014/main" id="{09BC3D61-BE89-4CC4-82DF-5FDBD586BAB6}"/>
+              </a:ext>
+            </a:extLst>
+          </p:cNvPr>
+          <p:cNvSpPr txBox="1">
+            <a:spLocks/>
+          </p:cNvSpPr>
+          <p:nvPr/>
+        </p:nvSpPr>
+        <p:spPr>
+          <a:xfrm>
+            <a:off x="330261" y="3286789"/>
+            <a:ext cx="11204013" cy="1206841"/>
+          </a:xfrm>
+          <a:prstGeom prst="rect">
+            <a:avLst/>
+          </a:prstGeom>
+          <a:noFill/>
+        </p:spPr>
+        <p:txBody>
+          <a:bodyPr vert="horz" wrap="square" lIns="146304" tIns="91440" rIns="146304" bIns="91440" rtlCol="0" anchor="t" anchorCtr="0">
+            <a:noAutofit/>
+          </a:bodyPr>
+          <a:lstStyle>
+            <a:lvl1pPr algn="l" defTabSz="914367" rtl="0" eaLnBrk="1" latinLnBrk="0" hangingPunct="1">
+              <a:lnSpc>
+                <a:spcPct val="90000"/>
+              </a:lnSpc>
+              <a:spcBef>
+                <a:spcPct val="0"/>
+              </a:spcBef>
+              <a:buNone/>
+              <a:defRPr lang="en-US" sz="5294" b="0" kern="1200" cap="none" spc="-98" baseline="0">
+                <a:ln w="3175">
+                  <a:noFill/>
+                </a:ln>
+                <a:gradFill>
+                  <a:gsLst>
+                    <a:gs pos="62564">
+                      <a:schemeClr val="tx1"/>
+                    </a:gs>
+                    <a:gs pos="55000">
+                      <a:schemeClr val="tx1"/>
+                    </a:gs>
+                  </a:gsLst>
+                  <a:lin ang="5400000" scaled="0"/>
+                </a:gradFill>
+                <a:effectLst/>
+                <a:latin typeface="+mj-lt"/>
+                <a:ea typeface="+mn-ea"/>
+                <a:cs typeface="Segoe UI" pitchFamily="34" charset="0"/>
+              </a:defRPr>
+            </a:lvl1pPr>
+          </a:lstStyle>
+          <a:p>
+            <a:r>
+              <a:rPr lang="en-US" sz="3600" dirty="0"/>
+              <a:t>Add AI functionality to apps by integrating Azure AI Cognitive Services. We will dive into three specific use cases.</a:t>
+            </a:r>
+          </a:p>
+        </p:txBody>
+      </p:sp>
     </p:spTree>
     <p:extLst>
       <p:ext uri="{BB962C8B-B14F-4D97-AF65-F5344CB8AC3E}">
@@ -4354,6 +4424,313 @@
     </mc:Choice>
     <mc:Fallback xmlns="">
       <p:transition spd="slow">
+        <p:fade/>
+      </p:transition>
+    </mc:Fallback>
+  </mc:AlternateContent>
+</p:sld>
+</file>
+
+<file path=ppt/slides/slide10.xml><?xml version="1.0" encoding="utf-8"?>
+<p:sld xmlns:a="http://schemas.openxmlformats.org/drawingml/2006/main" xmlns:r="http://schemas.openxmlformats.org/officeDocument/2006/relationships" xmlns:p="http://schemas.openxmlformats.org/presentationml/2006/main">
+  <p:cSld>
+    <p:spTree>
+      <p:nvGrpSpPr>
+        <p:cNvPr id="1" name=""/>
+        <p:cNvGrpSpPr/>
+        <p:nvPr/>
+      </p:nvGrpSpPr>
+      <p:grpSpPr>
+        <a:xfrm>
+          <a:off x="0" y="0"/>
+          <a:ext cx="0" cy="0"/>
+          <a:chOff x="0" y="0"/>
+          <a:chExt cx="0" cy="0"/>
+        </a:xfrm>
+      </p:grpSpPr>
+      <p:sp>
+        <p:nvSpPr>
+          <p:cNvPr id="2" name="Title 1">
+            <a:extLst>
+              <a:ext uri="{FF2B5EF4-FFF2-40B4-BE49-F238E27FC236}">
+                <a16:creationId xmlns:a16="http://schemas.microsoft.com/office/drawing/2014/main" id="{62476AB5-2BA9-41B2-A387-D6E88AA64C27}"/>
+              </a:ext>
+            </a:extLst>
+          </p:cNvPr>
+          <p:cNvSpPr>
+            <a:spLocks noGrp="1"/>
+          </p:cNvSpPr>
+          <p:nvPr>
+            <p:ph type="title"/>
+          </p:nvPr>
+        </p:nvSpPr>
+        <p:spPr/>
+        <p:txBody>
+          <a:bodyPr/>
+          <a:lstStyle/>
+          <a:p>
+            <a:r>
+              <a:rPr lang="en-US" dirty="0"/>
+              <a:t>Operation</a:t>
+            </a:r>
+          </a:p>
+        </p:txBody>
+      </p:sp>
+      <p:sp>
+        <p:nvSpPr>
+          <p:cNvPr id="3" name="Content Placeholder 2">
+            <a:extLst>
+              <a:ext uri="{FF2B5EF4-FFF2-40B4-BE49-F238E27FC236}">
+                <a16:creationId xmlns:a16="http://schemas.microsoft.com/office/drawing/2014/main" id="{9A127FE1-A123-4F68-AD93-336CB79490E9}"/>
+              </a:ext>
+            </a:extLst>
+          </p:cNvPr>
+          <p:cNvSpPr>
+            <a:spLocks noGrp="1"/>
+          </p:cNvSpPr>
+          <p:nvPr>
+            <p:ph idx="1"/>
+          </p:nvPr>
+        </p:nvSpPr>
+        <p:spPr/>
+        <p:txBody>
+          <a:bodyPr anchor="t"/>
+          <a:lstStyle/>
+          <a:p>
+            <a:r>
+              <a:rPr lang="en-US" dirty="0"/>
+              <a:t>We don’t want the recommender to be tightly coupled into an app</a:t>
+            </a:r>
+          </a:p>
+          <a:p>
+            <a:r>
+              <a:rPr lang="en-US" dirty="0"/>
+              <a:t>Deploy it as a service / API</a:t>
+            </a:r>
+          </a:p>
+          <a:p>
+            <a:r>
+              <a:rPr lang="en-US" dirty="0"/>
+              <a:t>This way it can be maintained on its own schedule</a:t>
+            </a:r>
+          </a:p>
+          <a:p>
+            <a:r>
+              <a:rPr lang="en-US" dirty="0"/>
+              <a:t>And integrated into anything that can integrate an API</a:t>
+            </a:r>
+          </a:p>
+          <a:p>
+            <a:endParaRPr lang="en-US" dirty="0"/>
+          </a:p>
+          <a:p>
+            <a:r>
+              <a:rPr lang="en-US" dirty="0"/>
+              <a:t>Typical loose coupling / service-centric architecture</a:t>
+            </a:r>
+          </a:p>
+        </p:txBody>
+      </p:sp>
+    </p:spTree>
+    <p:extLst>
+      <p:ext uri="{BB962C8B-B14F-4D97-AF65-F5344CB8AC3E}">
+        <p14:creationId xmlns:p14="http://schemas.microsoft.com/office/powerpoint/2010/main" val="2275145356"/>
+      </p:ext>
+    </p:extLst>
+  </p:cSld>
+  <p:clrMapOvr>
+    <a:masterClrMapping/>
+  </p:clrMapOvr>
+  <mc:AlternateContent xmlns:mc="http://schemas.openxmlformats.org/markup-compatibility/2006" xmlns:p14="http://schemas.microsoft.com/office/powerpoint/2010/main">
+    <mc:Choice Requires="p14">
+      <p:transition spd="med" p14:dur="700">
+        <p:fade/>
+      </p:transition>
+    </mc:Choice>
+    <mc:Fallback xmlns="">
+      <p:transition spd="med">
+        <p:fade/>
+      </p:transition>
+    </mc:Fallback>
+  </mc:AlternateContent>
+</p:sld>
+</file>
+
+<file path=ppt/slides/slide11.xml><?xml version="1.0" encoding="utf-8"?>
+<p:sld xmlns:a="http://schemas.openxmlformats.org/drawingml/2006/main" xmlns:r="http://schemas.openxmlformats.org/officeDocument/2006/relationships" xmlns:p="http://schemas.openxmlformats.org/presentationml/2006/main">
+  <p:cSld>
+    <p:spTree>
+      <p:nvGrpSpPr>
+        <p:cNvPr id="1" name=""/>
+        <p:cNvGrpSpPr/>
+        <p:nvPr/>
+      </p:nvGrpSpPr>
+      <p:grpSpPr>
+        <a:xfrm>
+          <a:off x="0" y="0"/>
+          <a:ext cx="0" cy="0"/>
+          <a:chOff x="0" y="0"/>
+          <a:chExt cx="0" cy="0"/>
+        </a:xfrm>
+      </p:grpSpPr>
+      <p:sp>
+        <p:nvSpPr>
+          <p:cNvPr id="2" name="Title 1">
+            <a:extLst>
+              <a:ext uri="{FF2B5EF4-FFF2-40B4-BE49-F238E27FC236}">
+                <a16:creationId xmlns:a16="http://schemas.microsoft.com/office/drawing/2014/main" id="{62476AB5-2BA9-41B2-A387-D6E88AA64C27}"/>
+              </a:ext>
+            </a:extLst>
+          </p:cNvPr>
+          <p:cNvSpPr>
+            <a:spLocks noGrp="1"/>
+          </p:cNvSpPr>
+          <p:nvPr>
+            <p:ph type="title"/>
+          </p:nvPr>
+        </p:nvSpPr>
+        <p:spPr/>
+        <p:txBody>
+          <a:bodyPr/>
+          <a:lstStyle/>
+          <a:p>
+            <a:r>
+              <a:rPr lang="en-US" dirty="0"/>
+              <a:t>AI Service</a:t>
+            </a:r>
+            <a:r>
+              <a:rPr lang="en-US"/>
+              <a:t>: Personalizer</a:t>
+            </a:r>
+            <a:endParaRPr lang="en-US" dirty="0"/>
+          </a:p>
+        </p:txBody>
+      </p:sp>
+      <p:sp>
+        <p:nvSpPr>
+          <p:cNvPr id="3" name="Content Placeholder 2">
+            <a:extLst>
+              <a:ext uri="{FF2B5EF4-FFF2-40B4-BE49-F238E27FC236}">
+                <a16:creationId xmlns:a16="http://schemas.microsoft.com/office/drawing/2014/main" id="{9A127FE1-A123-4F68-AD93-336CB79490E9}"/>
+              </a:ext>
+            </a:extLst>
+          </p:cNvPr>
+          <p:cNvSpPr>
+            <a:spLocks noGrp="1"/>
+          </p:cNvSpPr>
+          <p:nvPr>
+            <p:ph idx="1"/>
+          </p:nvPr>
+        </p:nvSpPr>
+        <p:spPr/>
+        <p:txBody>
+          <a:bodyPr anchor="t">
+            <a:normAutofit lnSpcReduction="10000"/>
+          </a:bodyPr>
+          <a:lstStyle/>
+          <a:p>
+            <a:r>
+              <a:rPr lang="en-US" dirty="0"/>
+              <a:t>Azure AI Cognitive Service: Personalizer (</a:t>
+            </a:r>
+            <a:r>
+              <a:rPr lang="en-US" dirty="0">
+                <a:hlinkClick r:id="rId2"/>
+              </a:rPr>
+              <a:t>Docs</a:t>
+            </a:r>
+            <a:r>
+              <a:rPr lang="en-US" dirty="0"/>
+              <a:t>, </a:t>
+            </a:r>
+            <a:r>
+              <a:rPr lang="en-US" dirty="0">
+                <a:hlinkClick r:id="rId3"/>
+              </a:rPr>
+              <a:t>API Reference</a:t>
+            </a:r>
+            <a:r>
+              <a:rPr lang="en-US" dirty="0"/>
+              <a:t>)</a:t>
+            </a:r>
+          </a:p>
+          <a:p>
+            <a:r>
+              <a:rPr lang="en-US" dirty="0"/>
+              <a:t>REST API + SDKs (.NET, Go, Node, Python)</a:t>
+            </a:r>
+          </a:p>
+          <a:p>
+            <a:pPr marL="0" indent="0">
+              <a:buNone/>
+            </a:pPr>
+            <a:endParaRPr lang="en-US" dirty="0"/>
+          </a:p>
+          <a:p>
+            <a:pPr marL="0" indent="0">
+              <a:buNone/>
+            </a:pPr>
+            <a:r>
+              <a:rPr lang="en-US" dirty="0"/>
+              <a:t>How does it work?</a:t>
+            </a:r>
+          </a:p>
+          <a:p>
+            <a:r>
+              <a:rPr lang="en-US" dirty="0"/>
+              <a:t>You pass in a “context” and some choices</a:t>
+            </a:r>
+          </a:p>
+          <a:p>
+            <a:r>
+              <a:rPr lang="en-US" dirty="0"/>
+              <a:t>API returns your choices, ranked by relevance</a:t>
+            </a:r>
+          </a:p>
+          <a:p>
+            <a:r>
+              <a:rPr lang="en-US" dirty="0"/>
+              <a:t>You present the choices to your user</a:t>
+            </a:r>
+          </a:p>
+          <a:p>
+            <a:r>
+              <a:rPr lang="en-US" dirty="0"/>
+              <a:t>You watch what they do with the choices</a:t>
+            </a:r>
+          </a:p>
+          <a:p>
+            <a:r>
+              <a:rPr lang="en-US" dirty="0"/>
+              <a:t>Based on the user’s action, you send feedback to the API</a:t>
+            </a:r>
+          </a:p>
+          <a:p>
+            <a:r>
+              <a:rPr lang="en-US" dirty="0"/>
+              <a:t>The API learns from your feedback and improves ongoing</a:t>
+            </a:r>
+          </a:p>
+        </p:txBody>
+      </p:sp>
+    </p:spTree>
+    <p:extLst>
+      <p:ext uri="{BB962C8B-B14F-4D97-AF65-F5344CB8AC3E}">
+        <p14:creationId xmlns:p14="http://schemas.microsoft.com/office/powerpoint/2010/main" val="1881944503"/>
+      </p:ext>
+    </p:extLst>
+  </p:cSld>
+  <p:clrMapOvr>
+    <a:masterClrMapping/>
+  </p:clrMapOvr>
+  <mc:AlternateContent xmlns:mc="http://schemas.openxmlformats.org/markup-compatibility/2006" xmlns:p14="http://schemas.microsoft.com/office/powerpoint/2010/main">
+    <mc:Choice Requires="p14">
+      <p:transition spd="med" p14:dur="700">
+        <p:fade/>
+      </p:transition>
+    </mc:Choice>
+    <mc:Fallback xmlns="">
+      <p:transition spd="med">
         <p:fade/>
       </p:transition>
     </mc:Fallback>
@@ -4556,6 +4933,24 @@
                 <a:hlinkClick r:id="rId6"/>
               </a:rPr>
               <a:t>aka.ms/gscc19</a:t>
+            </a:r>
+            <a:endParaRPr lang="en-US" sz="3600" dirty="0"/>
+          </a:p>
+          <a:p>
+            <a:pPr marL="0" lvl="0" indent="0">
+              <a:buSzTx/>
+              <a:buNone/>
+              <a:defRPr/>
+            </a:pPr>
+            <a:r>
+              <a:rPr lang="en-US" sz="2400" dirty="0"/>
+              <a:t>2018 session: </a:t>
+            </a:r>
+            <a:r>
+              <a:rPr lang="en-US" sz="2400" dirty="0">
+                <a:hlinkClick r:id="rId7"/>
+              </a:rPr>
+              <a:t>aka.ms/gscc18</a:t>
             </a:r>
             <a:endParaRPr lang="en-US" sz="2400" dirty="0"/>
           </a:p>
@@ -4626,7 +5021,7 @@
           <a:p>
             <a:r>
               <a:rPr lang="en-US" dirty="0"/>
-              <a:t>What’s with the session title?</a:t>
+              <a:t>Session title - ?</a:t>
             </a:r>
           </a:p>
         </p:txBody>
@@ -4672,7 +5067,7 @@
           <a:p>
             <a:r>
               <a:rPr lang="en-US" dirty="0"/>
-              <a:t>Last year covered the basics; today’s session goes deeper</a:t>
+              <a:t>Last year covered basics; today’s session goes deeper</a:t>
             </a:r>
           </a:p>
           <a:p>
@@ -4681,7 +5076,14 @@
           <a:p>
             <a:r>
               <a:rPr lang="en-US" dirty="0"/>
-              <a:t>Audience: developers/architects with AI scenarios, not AI expertise</a:t>
+              <a:t>Audience: developers/architects where AI needs &gt; AI expertise…</a:t>
+            </a:r>
+            <a:br>
+              <a:rPr lang="en-US" dirty="0"/>
+            </a:br>
+            <a:r>
+              <a:rPr lang="en-US" dirty="0"/>
+              <a:t>and/or “build AI from scratch” won’t work</a:t>
             </a:r>
           </a:p>
         </p:txBody>
@@ -5244,7 +5646,7 @@
             </a:r>
             <a:r>
               <a:rPr lang="en-US" dirty="0"/>
-              <a:t>: you focus on scenarios and integration, service provider on build/deploy/maintain</a:t>
+              <a:t>: you focus on scenarios and integration, service provider on build/deploy/maintain AI services</a:t>
             </a:r>
           </a:p>
           <a:p>
@@ -5283,6 +5685,20 @@
               <a:rPr lang="en-US" dirty="0"/>
               <a:t>Consult last year’s session for more info</a:t>
             </a:r>
+          </a:p>
+          <a:p>
+            <a:pPr lvl="1"/>
+            <a:r>
+              <a:rPr lang="en-US" dirty="0"/>
+              <a:t>You decide: does AI service do what we need? </a:t>
+            </a:r>
+            <a:r>
+              <a:rPr lang="en-US" dirty="0">
+                <a:sym typeface="Wingdings" panose="05000000000000000000" pitchFamily="2" charset="2"/>
+              </a:rPr>
+              <a:t> Domain expertise</a:t>
+            </a:r>
+            <a:endParaRPr lang="en-US" dirty="0"/>
           </a:p>
         </p:txBody>
       </p:sp>
@@ -5630,35 +6046,99 @@
             <p:ph idx="1"/>
           </p:nvPr>
         </p:nvSpPr>
-        <p:spPr/>
+        <p:spPr>
+          <a:xfrm>
+            <a:off x="69130" y="1055802"/>
+            <a:ext cx="12053737" cy="5751480"/>
+          </a:xfrm>
+        </p:spPr>
         <p:txBody>
-          <a:bodyPr anchor="t"/>
+          <a:bodyPr anchor="t">
+            <a:normAutofit/>
+          </a:bodyPr>
           <a:lstStyle/>
           <a:p>
             <a:pPr marL="0" indent="0">
               <a:buNone/>
             </a:pPr>
             <a:r>
-              <a:rPr lang="en-US" dirty="0"/>
-              <a:t>“We’d like to give people</a:t>
+              <a:rPr lang="en-US" sz="2800" dirty="0"/>
+              <a:t>Show me </a:t>
+            </a:r>
+            <a:r>
+              <a:rPr lang="en-US" sz="2800" b="1" i="1" dirty="0"/>
+              <a:t>personalized</a:t>
+            </a:r>
+            <a:r>
+              <a:rPr lang="en-US" sz="2800" dirty="0"/>
+              <a:t> recommendations for what to do next</a:t>
+            </a:r>
+          </a:p>
+          <a:p>
+            <a:r>
+              <a:rPr lang="en-US" sz="2800" dirty="0">
+                <a:sym typeface="Wingdings" panose="05000000000000000000" pitchFamily="2" charset="2"/>
+              </a:rPr>
+              <a:t> </a:t>
+            </a:r>
+            <a:r>
+              <a:rPr lang="en-US" sz="2800" b="1" dirty="0">
+                <a:sym typeface="Wingdings" panose="05000000000000000000" pitchFamily="2" charset="2"/>
+              </a:rPr>
+              <a:t>Buy</a:t>
+            </a:r>
+            <a:r>
+              <a:rPr lang="en-US" sz="2800" dirty="0">
+                <a:sym typeface="Wingdings" panose="05000000000000000000" pitchFamily="2" charset="2"/>
+              </a:rPr>
+              <a:t> next, </a:t>
+            </a:r>
+            <a:r>
+              <a:rPr lang="en-US" sz="2800" b="1" dirty="0">
+                <a:sym typeface="Wingdings" panose="05000000000000000000" pitchFamily="2" charset="2"/>
+              </a:rPr>
+              <a:t>read</a:t>
+            </a:r>
+            <a:r>
+              <a:rPr lang="en-US" sz="2800" dirty="0">
+                <a:sym typeface="Wingdings" panose="05000000000000000000" pitchFamily="2" charset="2"/>
+              </a:rPr>
+              <a:t> next, where to </a:t>
+            </a:r>
+            <a:r>
+              <a:rPr lang="en-US" sz="2800" b="1" dirty="0">
+                <a:sym typeface="Wingdings" panose="05000000000000000000" pitchFamily="2" charset="2"/>
+              </a:rPr>
+              <a:t>go</a:t>
+            </a:r>
+            <a:r>
+              <a:rPr lang="en-US" sz="2800" dirty="0">
+                <a:sym typeface="Wingdings" panose="05000000000000000000" pitchFamily="2" charset="2"/>
+              </a:rPr>
+              <a:t> next, etc.</a:t>
+            </a:r>
+          </a:p>
+          <a:p>
+            <a:r>
+              <a:rPr lang="en-US" sz="2800" dirty="0">
+                <a:sym typeface="Wingdings" panose="05000000000000000000" pitchFamily="2" charset="2"/>
+              </a:rPr>
+              <a:t> Relevant and compelling to </a:t>
+            </a:r>
+            <a:r>
+              <a:rPr lang="en-US" sz="2800" b="1" u="sng" dirty="0">
+                <a:sym typeface="Wingdings" panose="05000000000000000000" pitchFamily="2" charset="2"/>
+              </a:rPr>
+              <a:t>me</a:t>
             </a:r>
           </a:p>
           <a:p>
             <a:pPr marL="0" indent="0">
               <a:buNone/>
             </a:pPr>
-            <a:r>
-              <a:rPr lang="en-US" i="1" dirty="0"/>
-              <a:t>	</a:t>
-            </a:r>
-            <a:r>
-              <a:rPr lang="en-US" b="1" i="1" dirty="0"/>
-              <a:t>personalized</a:t>
-            </a:r>
-            <a:r>
-              <a:rPr lang="en-US" dirty="0"/>
-              <a:t> recommendations</a:t>
-            </a:r>
+            <a:endParaRPr lang="en-US" sz="2800" dirty="0">
+              <a:sym typeface="Wingdings" panose="05000000000000000000" pitchFamily="2" charset="2"/>
+            </a:endParaRPr>
           </a:p>
           <a:p>
             <a:pPr marL="0" indent="0">
@@ -5666,98 +6146,20 @@
             </a:pPr>
             <a:r>
               <a:rPr lang="en-US" dirty="0"/>
-              <a:t>	for what to do next”</a:t>
-            </a:r>
-          </a:p>
-          <a:p>
-            <a:pPr>
-              <a:buFont typeface="Wingdings" panose="05000000000000000000" pitchFamily="2" charset="2"/>
-              <a:buChar char="à"/>
-            </a:pPr>
-            <a:r>
-              <a:rPr lang="en-US" dirty="0">
-                <a:sym typeface="Wingdings" panose="05000000000000000000" pitchFamily="2" charset="2"/>
-              </a:rPr>
-              <a:t> </a:t>
-            </a:r>
-            <a:r>
-              <a:rPr lang="en-US" b="1" dirty="0">
-                <a:sym typeface="Wingdings" panose="05000000000000000000" pitchFamily="2" charset="2"/>
-              </a:rPr>
-              <a:t>Buy</a:t>
-            </a:r>
-            <a:r>
-              <a:rPr lang="en-US" dirty="0">
-                <a:sym typeface="Wingdings" panose="05000000000000000000" pitchFamily="2" charset="2"/>
-              </a:rPr>
-              <a:t> next, </a:t>
-            </a:r>
-            <a:r>
-              <a:rPr lang="en-US" b="1" dirty="0">
-                <a:sym typeface="Wingdings" panose="05000000000000000000" pitchFamily="2" charset="2"/>
-              </a:rPr>
-              <a:t>read</a:t>
-            </a:r>
-            <a:r>
-              <a:rPr lang="en-US" dirty="0">
-                <a:sym typeface="Wingdings" panose="05000000000000000000" pitchFamily="2" charset="2"/>
-              </a:rPr>
-              <a:t> next, where to </a:t>
-            </a:r>
-            <a:r>
-              <a:rPr lang="en-US" b="1" dirty="0">
-                <a:sym typeface="Wingdings" panose="05000000000000000000" pitchFamily="2" charset="2"/>
-              </a:rPr>
-              <a:t>go</a:t>
-            </a:r>
-            <a:r>
-              <a:rPr lang="en-US" dirty="0">
-                <a:sym typeface="Wingdings" panose="05000000000000000000" pitchFamily="2" charset="2"/>
-              </a:rPr>
-              <a:t> next, etc.</a:t>
-            </a:r>
-          </a:p>
-          <a:p>
-            <a:pPr marL="0" indent="0">
-              <a:buNone/>
-            </a:pPr>
-            <a:endParaRPr lang="en-US" dirty="0">
-              <a:sym typeface="Wingdings" panose="05000000000000000000" pitchFamily="2" charset="2"/>
-            </a:endParaRPr>
-          </a:p>
-          <a:p>
-            <a:pPr marL="0" indent="0">
-              <a:buNone/>
-            </a:pPr>
-            <a:r>
-              <a:rPr lang="en-US" dirty="0">
-                <a:sym typeface="Wingdings" panose="05000000000000000000" pitchFamily="2" charset="2"/>
-              </a:rPr>
-              <a:t>Why is this compelling?</a:t>
-            </a:r>
-          </a:p>
-          <a:p>
-            <a:pPr marL="0" indent="0">
-              <a:buNone/>
-            </a:pPr>
-            <a:r>
-              <a:rPr lang="en-US" dirty="0">
-                <a:sym typeface="Wingdings" panose="05000000000000000000" pitchFamily="2" charset="2"/>
-              </a:rPr>
-              <a:t>Personal = engaging; generic = boring.</a:t>
-            </a:r>
-          </a:p>
-          <a:p>
-            <a:pPr marL="0" indent="0">
-              <a:buNone/>
-            </a:pPr>
-            <a:endParaRPr lang="en-US" dirty="0"/>
-          </a:p>
-          <a:p>
-            <a:pPr marL="0" indent="0">
-              <a:buNone/>
-            </a:pPr>
-            <a:endParaRPr lang="en-US" dirty="0"/>
+              <a:t>There are two main tasks here</a:t>
+            </a:r>
+          </a:p>
+          <a:p>
+            <a:r>
+              <a:rPr lang="en-US" dirty="0"/>
+              <a:t>Domain: make recommendations – and adjust to change ongoing</a:t>
+            </a:r>
+          </a:p>
+          <a:p>
+            <a:r>
+              <a:rPr lang="en-US" dirty="0"/>
+              <a:t>Operation: deploy, update, and integrate “the thing that makes recommendations”</a:t>
+            </a:r>
           </a:p>
         </p:txBody>
       </p:sp>
@@ -5824,7 +6226,10 @@
           <a:bodyPr/>
           <a:lstStyle/>
           <a:p>
-            <a:endParaRPr lang="en-US" dirty="0"/>
+            <a:r>
+              <a:rPr lang="en-US" dirty="0"/>
+              <a:t>Problems</a:t>
+            </a:r>
           </a:p>
         </p:txBody>
       </p:sp>
@@ -5846,10 +6251,236 @@
         </p:nvSpPr>
         <p:spPr/>
         <p:txBody>
+          <a:bodyPr anchor="t"/>
+          <a:lstStyle/>
+          <a:p>
+            <a:r>
+              <a:rPr lang="en-US" dirty="0">
+                <a:sym typeface="Wingdings" panose="05000000000000000000" pitchFamily="2" charset="2"/>
+              </a:rPr>
+              <a:t>How do you know what’s relevant to me?</a:t>
+            </a:r>
+          </a:p>
+          <a:p>
+            <a:r>
+              <a:rPr lang="en-US" dirty="0">
+                <a:sym typeface="Wingdings" panose="05000000000000000000" pitchFamily="2" charset="2"/>
+              </a:rPr>
+              <a:t>How do you keep up with changing demographics?</a:t>
+            </a:r>
+          </a:p>
+          <a:p>
+            <a:r>
+              <a:rPr lang="en-US" dirty="0">
+                <a:sym typeface="Wingdings" panose="05000000000000000000" pitchFamily="2" charset="2"/>
+              </a:rPr>
+              <a:t>How do you handle new customers/visitors?</a:t>
+            </a:r>
+          </a:p>
+          <a:p>
+            <a:r>
+              <a:rPr lang="en-US" dirty="0">
+                <a:sym typeface="Wingdings" panose="05000000000000000000" pitchFamily="2" charset="2"/>
+              </a:rPr>
+              <a:t>How do you know how accurate your recommendations are?</a:t>
+            </a:r>
+          </a:p>
+          <a:p>
+            <a:r>
+              <a:rPr lang="en-US" dirty="0">
+                <a:sym typeface="Wingdings" panose="05000000000000000000" pitchFamily="2" charset="2"/>
+              </a:rPr>
+              <a:t>How to create an algorithm with input: me and output: recommendations?</a:t>
+            </a:r>
+          </a:p>
+          <a:p>
+            <a:r>
+              <a:rPr lang="en-US" dirty="0">
+                <a:sym typeface="Wingdings" panose="05000000000000000000" pitchFamily="2" charset="2"/>
+              </a:rPr>
+              <a:t>Where do you get historical data to train/test an algorithm?</a:t>
+            </a:r>
+          </a:p>
+          <a:p>
+            <a:r>
+              <a:rPr lang="en-US" dirty="0">
+                <a:sym typeface="Wingdings" panose="05000000000000000000" pitchFamily="2" charset="2"/>
+              </a:rPr>
+              <a:t>How to deploy/maintain this and make it easy to integrate?</a:t>
+            </a:r>
+          </a:p>
+        </p:txBody>
+      </p:sp>
+    </p:spTree>
+    <p:extLst>
+      <p:ext uri="{BB962C8B-B14F-4D97-AF65-F5344CB8AC3E}">
+        <p14:creationId xmlns:p14="http://schemas.microsoft.com/office/powerpoint/2010/main" val="1755932002"/>
+      </p:ext>
+    </p:extLst>
+  </p:cSld>
+  <p:clrMapOvr>
+    <a:masterClrMapping/>
+  </p:clrMapOvr>
+  <mc:AlternateContent xmlns:mc="http://schemas.openxmlformats.org/markup-compatibility/2006" xmlns:p14="http://schemas.microsoft.com/office/powerpoint/2010/main">
+    <mc:Choice Requires="p14">
+      <p:transition spd="med" p14:dur="700">
+        <p:fade/>
+      </p:transition>
+    </mc:Choice>
+    <mc:Fallback xmlns="">
+      <p:transition spd="med">
+        <p:fade/>
+      </p:transition>
+    </mc:Fallback>
+  </mc:AlternateContent>
+</p:sld>
+</file>
+
+<file path=ppt/slides/slide9.xml><?xml version="1.0" encoding="utf-8"?>
+<p:sld xmlns:a="http://schemas.openxmlformats.org/drawingml/2006/main" xmlns:r="http://schemas.openxmlformats.org/officeDocument/2006/relationships" xmlns:p="http://schemas.openxmlformats.org/presentationml/2006/main">
+  <p:cSld>
+    <p:spTree>
+      <p:nvGrpSpPr>
+        <p:cNvPr id="1" name=""/>
+        <p:cNvGrpSpPr/>
+        <p:nvPr/>
+      </p:nvGrpSpPr>
+      <p:grpSpPr>
+        <a:xfrm>
+          <a:off x="0" y="0"/>
+          <a:ext cx="0" cy="0"/>
+          <a:chOff x="0" y="0"/>
+          <a:chExt cx="0" cy="0"/>
+        </a:xfrm>
+      </p:grpSpPr>
+      <p:sp>
+        <p:nvSpPr>
+          <p:cNvPr id="2" name="Title 1">
+            <a:extLst>
+              <a:ext uri="{FF2B5EF4-FFF2-40B4-BE49-F238E27FC236}">
+                <a16:creationId xmlns:a16="http://schemas.microsoft.com/office/drawing/2014/main" id="{62476AB5-2BA9-41B2-A387-D6E88AA64C27}"/>
+              </a:ext>
+            </a:extLst>
+          </p:cNvPr>
+          <p:cNvSpPr>
+            <a:spLocks noGrp="1"/>
+          </p:cNvSpPr>
+          <p:nvPr>
+            <p:ph type="title"/>
+          </p:nvPr>
+        </p:nvSpPr>
+        <p:spPr/>
+        <p:txBody>
           <a:bodyPr/>
           <a:lstStyle/>
           <a:p>
-            <a:endParaRPr lang="en-US"/>
+            <a:r>
+              <a:rPr lang="en-US" dirty="0"/>
+              <a:t>Domain</a:t>
+            </a:r>
+          </a:p>
+        </p:txBody>
+      </p:sp>
+      <p:sp>
+        <p:nvSpPr>
+          <p:cNvPr id="3" name="Content Placeholder 2">
+            <a:extLst>
+              <a:ext uri="{FF2B5EF4-FFF2-40B4-BE49-F238E27FC236}">
+                <a16:creationId xmlns:a16="http://schemas.microsoft.com/office/drawing/2014/main" id="{9A127FE1-A123-4F68-AD93-336CB79490E9}"/>
+              </a:ext>
+            </a:extLst>
+          </p:cNvPr>
+          <p:cNvSpPr>
+            <a:spLocks noGrp="1"/>
+          </p:cNvSpPr>
+          <p:nvPr>
+            <p:ph idx="1"/>
+          </p:nvPr>
+        </p:nvSpPr>
+        <p:spPr/>
+        <p:txBody>
+          <a:bodyPr anchor="t"/>
+          <a:lstStyle/>
+          <a:p>
+            <a:r>
+              <a:rPr lang="en-US" dirty="0"/>
+              <a:t>We may not have historical data</a:t>
+            </a:r>
+          </a:p>
+          <a:p>
+            <a:r>
+              <a:rPr lang="en-US" dirty="0"/>
+              <a:t>Need to adjust to change ongoing, with minimal fuss &amp; ceremony</a:t>
+            </a:r>
+          </a:p>
+          <a:p>
+            <a:pPr marL="0" indent="0">
+              <a:buNone/>
+            </a:pPr>
+            <a:endParaRPr lang="en-US" dirty="0"/>
+          </a:p>
+          <a:p>
+            <a:pPr marL="0" indent="0">
+              <a:buNone/>
+            </a:pPr>
+            <a:r>
+              <a:rPr lang="en-US" dirty="0">
+                <a:sym typeface="Wingdings" panose="05000000000000000000" pitchFamily="2" charset="2"/>
+              </a:rPr>
+              <a:t> Reinforcement Learning is an area of unsupervised ML</a:t>
+            </a:r>
+          </a:p>
+          <a:p>
+            <a:r>
+              <a:rPr lang="en-US" dirty="0"/>
+              <a:t>Algorithms that, </a:t>
+            </a:r>
+            <a:r>
+              <a:rPr lang="en-US" b="1" dirty="0"/>
+              <a:t>given a context and a set of choices</a:t>
+            </a:r>
+            <a:r>
+              <a:rPr lang="en-US" dirty="0"/>
+              <a:t>, will </a:t>
+            </a:r>
+            <a:r>
+              <a:rPr lang="en-US" u="sng" dirty="0"/>
+              <a:t>rank</a:t>
+            </a:r>
+            <a:r>
+              <a:rPr lang="en-US" dirty="0"/>
+              <a:t> the choices </a:t>
+            </a:r>
+            <a:r>
+              <a:rPr lang="en-US" i="1" dirty="0"/>
+              <a:t>for that context</a:t>
+            </a:r>
+          </a:p>
+          <a:p>
+            <a:r>
+              <a:rPr lang="en-US" dirty="0"/>
+              <a:t>… and </a:t>
+            </a:r>
+            <a:r>
+              <a:rPr lang="en-US" b="1" dirty="0"/>
+              <a:t>learn</a:t>
+            </a:r>
+            <a:r>
+              <a:rPr lang="en-US" dirty="0"/>
+              <a:t> from the behavior expressed toward the choices</a:t>
+            </a:r>
+          </a:p>
+          <a:p>
+            <a:r>
+              <a:rPr lang="en-US" dirty="0"/>
+              <a:t>… and update (retrain) ongoing to improve its rankings</a:t>
+            </a:r>
+          </a:p>
+          <a:p>
+            <a:r>
+              <a:rPr lang="en-US" dirty="0"/>
+              <a:t>Building Reinforcement Learning models is very hard!</a:t>
+            </a:r>
           </a:p>
         </p:txBody>
       </p:sp>

--- a/GraniteStateCodeCamp2019/gscc19-pelazem.pptx
+++ b/GraniteStateCodeCamp2019/gscc19-pelazem.pptx
@@ -5,7 +5,7 @@
     <p:sldMasterId id="2147483732" r:id="rId1"/>
   </p:sldMasterIdLst>
   <p:notesMasterIdLst>
-    <p:notesMasterId r:id="rId13"/>
+    <p:notesMasterId r:id="rId17"/>
   </p:notesMasterIdLst>
   <p:sldIdLst>
     <p:sldId id="258" r:id="rId2"/>
@@ -19,6 +19,10 @@
     <p:sldId id="1601" r:id="rId10"/>
     <p:sldId id="1603" r:id="rId11"/>
     <p:sldId id="1604" r:id="rId12"/>
+    <p:sldId id="1608" r:id="rId13"/>
+    <p:sldId id="1605" r:id="rId14"/>
+    <p:sldId id="1606" r:id="rId15"/>
+    <p:sldId id="1607" r:id="rId16"/>
   </p:sldIdLst>
   <p:sldSz cx="12192000" cy="6858000"/>
   <p:notesSz cx="6858000" cy="9144000"/>
@@ -4356,7 +4360,7 @@
         <p:spPr>
           <a:xfrm>
             <a:off x="330261" y="3286789"/>
-            <a:ext cx="11204013" cy="1206841"/>
+            <a:ext cx="11204013" cy="1662200"/>
           </a:xfrm>
           <a:prstGeom prst="rect">
             <a:avLst/>
@@ -4398,6 +4402,12 @@
               </a:defRPr>
             </a:lvl1pPr>
           </a:lstStyle>
+          <a:p>
+            <a:r>
+              <a:rPr lang="en-US" sz="3600" i="1" u="sng" dirty="0"/>
+              <a:t>Abstract</a:t>
+            </a:r>
+          </a:p>
           <a:p>
             <a:r>
               <a:rPr lang="en-US" sz="3600" dirty="0"/>
@@ -4678,25 +4688,25 @@
           <a:p>
             <a:r>
               <a:rPr lang="en-US" dirty="0"/>
-              <a:t>You pass in a “context” and some choices</a:t>
-            </a:r>
-          </a:p>
-          <a:p>
-            <a:r>
-              <a:rPr lang="en-US" dirty="0"/>
-              <a:t>API returns your choices, ranked by relevance</a:t>
-            </a:r>
-          </a:p>
-          <a:p>
-            <a:r>
-              <a:rPr lang="en-US" dirty="0"/>
-              <a:t>You present the choices to your user</a:t>
-            </a:r>
-          </a:p>
-          <a:p>
-            <a:r>
-              <a:rPr lang="en-US" dirty="0"/>
-              <a:t>You watch what they do with the choices</a:t>
+              <a:t>You pass a “context” and some choices to the API</a:t>
+            </a:r>
+          </a:p>
+          <a:p>
+            <a:r>
+              <a:rPr lang="en-US" dirty="0"/>
+              <a:t>API returns your choices, ranked by contextual relevance</a:t>
+            </a:r>
+          </a:p>
+          <a:p>
+            <a:r>
+              <a:rPr lang="en-US" dirty="0"/>
+              <a:t>You present the ranked choices to your user</a:t>
+            </a:r>
+          </a:p>
+          <a:p>
+            <a:r>
+              <a:rPr lang="en-US" dirty="0"/>
+              <a:t>You watch what the user does with the choices</a:t>
             </a:r>
           </a:p>
           <a:p>
@@ -4717,6 +4727,538 @@
     <p:extLst>
       <p:ext uri="{BB962C8B-B14F-4D97-AF65-F5344CB8AC3E}">
         <p14:creationId xmlns:p14="http://schemas.microsoft.com/office/powerpoint/2010/main" val="1881944503"/>
+      </p:ext>
+    </p:extLst>
+  </p:cSld>
+  <p:clrMapOvr>
+    <a:masterClrMapping/>
+  </p:clrMapOvr>
+  <mc:AlternateContent xmlns:mc="http://schemas.openxmlformats.org/markup-compatibility/2006" xmlns:p14="http://schemas.microsoft.com/office/powerpoint/2010/main">
+    <mc:Choice Requires="p14">
+      <p:transition spd="med" p14:dur="700">
+        <p:fade/>
+      </p:transition>
+    </mc:Choice>
+    <mc:Fallback xmlns="">
+      <p:transition spd="med">
+        <p:fade/>
+      </p:transition>
+    </mc:Fallback>
+  </mc:AlternateContent>
+</p:sld>
+</file>
+
+<file path=ppt/slides/slide12.xml><?xml version="1.0" encoding="utf-8"?>
+<p:sld xmlns:a="http://schemas.openxmlformats.org/drawingml/2006/main" xmlns:r="http://schemas.openxmlformats.org/officeDocument/2006/relationships" xmlns:p="http://schemas.openxmlformats.org/presentationml/2006/main">
+  <p:cSld>
+    <p:spTree>
+      <p:nvGrpSpPr>
+        <p:cNvPr id="1" name=""/>
+        <p:cNvGrpSpPr/>
+        <p:nvPr/>
+      </p:nvGrpSpPr>
+      <p:grpSpPr>
+        <a:xfrm>
+          <a:off x="0" y="0"/>
+          <a:ext cx="0" cy="0"/>
+          <a:chOff x="0" y="0"/>
+          <a:chExt cx="0" cy="0"/>
+        </a:xfrm>
+      </p:grpSpPr>
+      <p:sp>
+        <p:nvSpPr>
+          <p:cNvPr id="2" name="Title 1">
+            <a:extLst>
+              <a:ext uri="{FF2B5EF4-FFF2-40B4-BE49-F238E27FC236}">
+                <a16:creationId xmlns:a16="http://schemas.microsoft.com/office/drawing/2014/main" id="{0E885CE2-BECC-4444-B9B1-A38B6C16CCBF}"/>
+              </a:ext>
+            </a:extLst>
+          </p:cNvPr>
+          <p:cNvSpPr>
+            <a:spLocks noGrp="1"/>
+          </p:cNvSpPr>
+          <p:nvPr>
+            <p:ph type="title"/>
+          </p:nvPr>
+        </p:nvSpPr>
+        <p:spPr/>
+        <p:txBody>
+          <a:bodyPr/>
+          <a:lstStyle/>
+          <a:p>
+            <a:r>
+              <a:rPr lang="en-US" dirty="0"/>
+              <a:t>Sequence | Flow</a:t>
+            </a:r>
+          </a:p>
+        </p:txBody>
+      </p:sp>
+      <p:sp>
+        <p:nvSpPr>
+          <p:cNvPr id="3" name="Content Placeholder 2">
+            <a:extLst>
+              <a:ext uri="{FF2B5EF4-FFF2-40B4-BE49-F238E27FC236}">
+                <a16:creationId xmlns:a16="http://schemas.microsoft.com/office/drawing/2014/main" id="{942FA73E-0A39-44E3-9938-CD9D4B156CF0}"/>
+              </a:ext>
+            </a:extLst>
+          </p:cNvPr>
+          <p:cNvSpPr>
+            <a:spLocks noGrp="1"/>
+          </p:cNvSpPr>
+          <p:nvPr>
+            <p:ph idx="1"/>
+          </p:nvPr>
+        </p:nvSpPr>
+        <p:spPr/>
+        <p:txBody>
+          <a:bodyPr/>
+          <a:lstStyle/>
+          <a:p>
+            <a:endParaRPr lang="en-US"/>
+          </a:p>
+        </p:txBody>
+      </p:sp>
+    </p:spTree>
+    <p:extLst>
+      <p:ext uri="{BB962C8B-B14F-4D97-AF65-F5344CB8AC3E}">
+        <p14:creationId xmlns:p14="http://schemas.microsoft.com/office/powerpoint/2010/main" val="692012479"/>
+      </p:ext>
+    </p:extLst>
+  </p:cSld>
+  <p:clrMapOvr>
+    <a:masterClrMapping/>
+  </p:clrMapOvr>
+  <mc:AlternateContent xmlns:mc="http://schemas.openxmlformats.org/markup-compatibility/2006" xmlns:p14="http://schemas.microsoft.com/office/powerpoint/2010/main">
+    <mc:Choice Requires="p14">
+      <p:transition spd="med" p14:dur="700">
+        <p:fade/>
+      </p:transition>
+    </mc:Choice>
+    <mc:Fallback xmlns="">
+      <p:transition spd="med">
+        <p:fade/>
+      </p:transition>
+    </mc:Fallback>
+  </mc:AlternateContent>
+</p:sld>
+</file>
+
+<file path=ppt/slides/slide13.xml><?xml version="1.0" encoding="utf-8"?>
+<p:sld xmlns:a="http://schemas.openxmlformats.org/drawingml/2006/main" xmlns:r="http://schemas.openxmlformats.org/officeDocument/2006/relationships" xmlns:p="http://schemas.openxmlformats.org/presentationml/2006/main">
+  <p:cSld>
+    <p:spTree>
+      <p:nvGrpSpPr>
+        <p:cNvPr id="1" name=""/>
+        <p:cNvGrpSpPr/>
+        <p:nvPr/>
+      </p:nvGrpSpPr>
+      <p:grpSpPr>
+        <a:xfrm>
+          <a:off x="0" y="0"/>
+          <a:ext cx="0" cy="0"/>
+          <a:chOff x="0" y="0"/>
+          <a:chExt cx="0" cy="0"/>
+        </a:xfrm>
+      </p:grpSpPr>
+      <p:sp>
+        <p:nvSpPr>
+          <p:cNvPr id="2" name="Title 1">
+            <a:extLst>
+              <a:ext uri="{FF2B5EF4-FFF2-40B4-BE49-F238E27FC236}">
+                <a16:creationId xmlns:a16="http://schemas.microsoft.com/office/drawing/2014/main" id="{62476AB5-2BA9-41B2-A387-D6E88AA64C27}"/>
+              </a:ext>
+            </a:extLst>
+          </p:cNvPr>
+          <p:cNvSpPr>
+            <a:spLocks noGrp="1"/>
+          </p:cNvSpPr>
+          <p:nvPr>
+            <p:ph type="title"/>
+          </p:nvPr>
+        </p:nvSpPr>
+        <p:spPr/>
+        <p:txBody>
+          <a:bodyPr/>
+          <a:lstStyle/>
+          <a:p>
+            <a:r>
+              <a:rPr lang="en-US" dirty="0"/>
+              <a:t>Context</a:t>
+            </a:r>
+          </a:p>
+        </p:txBody>
+      </p:sp>
+      <p:sp>
+        <p:nvSpPr>
+          <p:cNvPr id="3" name="Content Placeholder 2">
+            <a:extLst>
+              <a:ext uri="{FF2B5EF4-FFF2-40B4-BE49-F238E27FC236}">
+                <a16:creationId xmlns:a16="http://schemas.microsoft.com/office/drawing/2014/main" id="{9A127FE1-A123-4F68-AD93-336CB79490E9}"/>
+              </a:ext>
+            </a:extLst>
+          </p:cNvPr>
+          <p:cNvSpPr>
+            <a:spLocks noGrp="1"/>
+          </p:cNvSpPr>
+          <p:nvPr>
+            <p:ph idx="1"/>
+          </p:nvPr>
+        </p:nvSpPr>
+        <p:spPr/>
+        <p:txBody>
+          <a:bodyPr anchor="t">
+            <a:normAutofit fontScale="92500"/>
+          </a:bodyPr>
+          <a:lstStyle/>
+          <a:p>
+            <a:pPr marL="0" indent="0">
+              <a:buNone/>
+            </a:pPr>
+            <a:r>
+              <a:rPr lang="en-US" sz="2800" dirty="0"/>
+              <a:t>What’s a Context?</a:t>
+            </a:r>
+          </a:p>
+          <a:p>
+            <a:r>
+              <a:rPr lang="en-US" sz="2800" dirty="0"/>
+              <a:t>Info about user and situation that may affect user’s decision</a:t>
+            </a:r>
+          </a:p>
+          <a:p>
+            <a:r>
+              <a:rPr lang="en-US" sz="2800" dirty="0"/>
+              <a:t>YOU must assemble this – it is situational</a:t>
+            </a:r>
+          </a:p>
+          <a:p>
+            <a:r>
+              <a:rPr lang="en-US" sz="2800" dirty="0"/>
+              <a:t>Examples: demographic info, customer info, day of week, weather, location, … … …</a:t>
+            </a:r>
+          </a:p>
+          <a:p>
+            <a:pPr marL="0" indent="0">
+              <a:buNone/>
+            </a:pPr>
+            <a:endParaRPr lang="en-US" sz="2800" dirty="0"/>
+          </a:p>
+          <a:p>
+            <a:pPr marL="0" indent="0">
+              <a:buNone/>
+            </a:pPr>
+            <a:r>
+              <a:rPr lang="en-US" sz="2800" dirty="0"/>
+              <a:t>“How do I know what to send??!?”</a:t>
+            </a:r>
+          </a:p>
+          <a:p>
+            <a:r>
+              <a:rPr lang="en-US" sz="2800" dirty="0"/>
+              <a:t>AHA!! You don’t have to. Leave it up to the Personalizer API.</a:t>
+            </a:r>
+          </a:p>
+          <a:p>
+            <a:r>
+              <a:rPr lang="en-US" sz="2800" dirty="0"/>
+              <a:t>Send whatever you have (within reason </a:t>
+            </a:r>
+            <a:r>
+              <a:rPr lang="en-US" sz="2800" dirty="0">
+                <a:sym typeface="Wingdings" panose="05000000000000000000" pitchFamily="2" charset="2"/>
+              </a:rPr>
+              <a:t>) – Personalizer will learn what matters (correlates with user’s decision) and what doesn’t</a:t>
+            </a:r>
+          </a:p>
+          <a:p>
+            <a:r>
+              <a:rPr lang="en-US" sz="2800" dirty="0">
+                <a:sym typeface="Wingdings" panose="05000000000000000000" pitchFamily="2" charset="2"/>
+              </a:rPr>
+              <a:t>Do NOT send PII – not needed, anyway. If you must – then obscure it.</a:t>
+            </a:r>
+          </a:p>
+          <a:p>
+            <a:endParaRPr lang="en-US" sz="2800" dirty="0">
+              <a:sym typeface="Wingdings" panose="05000000000000000000" pitchFamily="2" charset="2"/>
+            </a:endParaRPr>
+          </a:p>
+          <a:p>
+            <a:pPr marL="0" indent="0">
+              <a:buNone/>
+            </a:pPr>
+            <a:r>
+              <a:rPr lang="en-US" sz="2800" dirty="0">
+                <a:sym typeface="Wingdings" panose="05000000000000000000" pitchFamily="2" charset="2"/>
+              </a:rPr>
+              <a:t>We’ll look at Context examples in the code shortly.</a:t>
+            </a:r>
+            <a:endParaRPr lang="en-US" sz="2800" dirty="0"/>
+          </a:p>
+          <a:p>
+            <a:pPr marL="0" indent="0">
+              <a:buNone/>
+            </a:pPr>
+            <a:endParaRPr lang="en-US" sz="2800" dirty="0"/>
+          </a:p>
+        </p:txBody>
+      </p:sp>
+    </p:spTree>
+    <p:extLst>
+      <p:ext uri="{BB962C8B-B14F-4D97-AF65-F5344CB8AC3E}">
+        <p14:creationId xmlns:p14="http://schemas.microsoft.com/office/powerpoint/2010/main" val="2019217438"/>
+      </p:ext>
+    </p:extLst>
+  </p:cSld>
+  <p:clrMapOvr>
+    <a:masterClrMapping/>
+  </p:clrMapOvr>
+  <mc:AlternateContent xmlns:mc="http://schemas.openxmlformats.org/markup-compatibility/2006" xmlns:p14="http://schemas.microsoft.com/office/powerpoint/2010/main">
+    <mc:Choice Requires="p14">
+      <p:transition spd="med" p14:dur="700">
+        <p:fade/>
+      </p:transition>
+    </mc:Choice>
+    <mc:Fallback xmlns="">
+      <p:transition spd="med">
+        <p:fade/>
+      </p:transition>
+    </mc:Fallback>
+  </mc:AlternateContent>
+</p:sld>
+</file>
+
+<file path=ppt/slides/slide14.xml><?xml version="1.0" encoding="utf-8"?>
+<p:sld xmlns:a="http://schemas.openxmlformats.org/drawingml/2006/main" xmlns:r="http://schemas.openxmlformats.org/officeDocument/2006/relationships" xmlns:p="http://schemas.openxmlformats.org/presentationml/2006/main">
+  <p:cSld>
+    <p:spTree>
+      <p:nvGrpSpPr>
+        <p:cNvPr id="1" name=""/>
+        <p:cNvGrpSpPr/>
+        <p:nvPr/>
+      </p:nvGrpSpPr>
+      <p:grpSpPr>
+        <a:xfrm>
+          <a:off x="0" y="0"/>
+          <a:ext cx="0" cy="0"/>
+          <a:chOff x="0" y="0"/>
+          <a:chExt cx="0" cy="0"/>
+        </a:xfrm>
+      </p:grpSpPr>
+      <p:sp>
+        <p:nvSpPr>
+          <p:cNvPr id="2" name="Title 1">
+            <a:extLst>
+              <a:ext uri="{FF2B5EF4-FFF2-40B4-BE49-F238E27FC236}">
+                <a16:creationId xmlns:a16="http://schemas.microsoft.com/office/drawing/2014/main" id="{62476AB5-2BA9-41B2-A387-D6E88AA64C27}"/>
+              </a:ext>
+            </a:extLst>
+          </p:cNvPr>
+          <p:cNvSpPr>
+            <a:spLocks noGrp="1"/>
+          </p:cNvSpPr>
+          <p:nvPr>
+            <p:ph type="title"/>
+          </p:nvPr>
+        </p:nvSpPr>
+        <p:spPr/>
+        <p:txBody>
+          <a:bodyPr/>
+          <a:lstStyle/>
+          <a:p>
+            <a:r>
+              <a:rPr lang="en-US" dirty="0"/>
+              <a:t>Choices</a:t>
+            </a:r>
+          </a:p>
+        </p:txBody>
+      </p:sp>
+      <p:sp>
+        <p:nvSpPr>
+          <p:cNvPr id="3" name="Content Placeholder 2">
+            <a:extLst>
+              <a:ext uri="{FF2B5EF4-FFF2-40B4-BE49-F238E27FC236}">
+                <a16:creationId xmlns:a16="http://schemas.microsoft.com/office/drawing/2014/main" id="{9A127FE1-A123-4F68-AD93-336CB79490E9}"/>
+              </a:ext>
+            </a:extLst>
+          </p:cNvPr>
+          <p:cNvSpPr>
+            <a:spLocks noGrp="1"/>
+          </p:cNvSpPr>
+          <p:nvPr>
+            <p:ph idx="1"/>
+          </p:nvPr>
+        </p:nvSpPr>
+        <p:spPr/>
+        <p:txBody>
+          <a:bodyPr anchor="t">
+            <a:normAutofit/>
+          </a:bodyPr>
+          <a:lstStyle/>
+          <a:p>
+            <a:pPr marL="0" indent="0">
+              <a:buNone/>
+            </a:pPr>
+            <a:r>
+              <a:rPr lang="en-US" sz="2800" dirty="0"/>
+              <a:t>What are Choices?</a:t>
+            </a:r>
+          </a:p>
+          <a:p>
+            <a:r>
+              <a:rPr lang="en-US" sz="2800" dirty="0"/>
+              <a:t>The list you want Personalizer to rank</a:t>
+            </a:r>
+          </a:p>
+          <a:p>
+            <a:r>
+              <a:rPr lang="en-US" sz="2800" dirty="0"/>
+              <a:t>E.g. music releases, books, magazines, rubber ducks, etc. etc.</a:t>
+            </a:r>
+          </a:p>
+          <a:p>
+            <a:endParaRPr lang="en-US" sz="2800" dirty="0"/>
+          </a:p>
+          <a:p>
+            <a:r>
+              <a:rPr lang="en-US" sz="2800" dirty="0"/>
+              <a:t>DON’T pass thousands of items (your whole product catalog)</a:t>
+            </a:r>
+          </a:p>
+          <a:p>
+            <a:r>
+              <a:rPr lang="en-US" sz="2800" dirty="0"/>
+              <a:t>Keep the list of choices short: 50 items or less</a:t>
+            </a:r>
+          </a:p>
+          <a:p>
+            <a:pPr lvl="1"/>
+            <a:r>
+              <a:rPr lang="en-US" sz="2000" dirty="0"/>
+              <a:t>Usability 101: humans process THREE things well. After five, we start to get overwhelmed.</a:t>
+            </a:r>
+          </a:p>
+          <a:p>
+            <a:endParaRPr lang="en-US" sz="2800" dirty="0"/>
+          </a:p>
+          <a:p>
+            <a:pPr marL="0" indent="0">
+              <a:buNone/>
+            </a:pPr>
+            <a:r>
+              <a:rPr lang="en-US" sz="2800" dirty="0"/>
+              <a:t>We’ll look at some Choices examples in the code shortly.</a:t>
+            </a:r>
+          </a:p>
+        </p:txBody>
+      </p:sp>
+    </p:spTree>
+    <p:extLst>
+      <p:ext uri="{BB962C8B-B14F-4D97-AF65-F5344CB8AC3E}">
+        <p14:creationId xmlns:p14="http://schemas.microsoft.com/office/powerpoint/2010/main" val="1555516857"/>
+      </p:ext>
+    </p:extLst>
+  </p:cSld>
+  <p:clrMapOvr>
+    <a:masterClrMapping/>
+  </p:clrMapOvr>
+  <mc:AlternateContent xmlns:mc="http://schemas.openxmlformats.org/markup-compatibility/2006" xmlns:p14="http://schemas.microsoft.com/office/powerpoint/2010/main">
+    <mc:Choice Requires="p14">
+      <p:transition spd="med" p14:dur="700">
+        <p:fade/>
+      </p:transition>
+    </mc:Choice>
+    <mc:Fallback xmlns="">
+      <p:transition spd="med">
+        <p:fade/>
+      </p:transition>
+    </mc:Fallback>
+  </mc:AlternateContent>
+</p:sld>
+</file>
+
+<file path=ppt/slides/slide15.xml><?xml version="1.0" encoding="utf-8"?>
+<p:sld xmlns:a="http://schemas.openxmlformats.org/drawingml/2006/main" xmlns:r="http://schemas.openxmlformats.org/officeDocument/2006/relationships" xmlns:p="http://schemas.openxmlformats.org/presentationml/2006/main">
+  <p:cSld>
+    <p:spTree>
+      <p:nvGrpSpPr>
+        <p:cNvPr id="1" name=""/>
+        <p:cNvGrpSpPr/>
+        <p:nvPr/>
+      </p:nvGrpSpPr>
+      <p:grpSpPr>
+        <a:xfrm>
+          <a:off x="0" y="0"/>
+          <a:ext cx="0" cy="0"/>
+          <a:chOff x="0" y="0"/>
+          <a:chExt cx="0" cy="0"/>
+        </a:xfrm>
+      </p:grpSpPr>
+      <p:sp>
+        <p:nvSpPr>
+          <p:cNvPr id="2" name="Title 1">
+            <a:extLst>
+              <a:ext uri="{FF2B5EF4-FFF2-40B4-BE49-F238E27FC236}">
+                <a16:creationId xmlns:a16="http://schemas.microsoft.com/office/drawing/2014/main" id="{62476AB5-2BA9-41B2-A387-D6E88AA64C27}"/>
+              </a:ext>
+            </a:extLst>
+          </p:cNvPr>
+          <p:cNvSpPr>
+            <a:spLocks noGrp="1"/>
+          </p:cNvSpPr>
+          <p:nvPr>
+            <p:ph type="title"/>
+          </p:nvPr>
+        </p:nvSpPr>
+        <p:spPr/>
+        <p:txBody>
+          <a:bodyPr/>
+          <a:lstStyle/>
+          <a:p>
+            <a:r>
+              <a:rPr lang="en-US" dirty="0"/>
+              <a:t>Feedback</a:t>
+            </a:r>
+          </a:p>
+        </p:txBody>
+      </p:sp>
+      <p:sp>
+        <p:nvSpPr>
+          <p:cNvPr id="3" name="Content Placeholder 2">
+            <a:extLst>
+              <a:ext uri="{FF2B5EF4-FFF2-40B4-BE49-F238E27FC236}">
+                <a16:creationId xmlns:a16="http://schemas.microsoft.com/office/drawing/2014/main" id="{9A127FE1-A123-4F68-AD93-336CB79490E9}"/>
+              </a:ext>
+            </a:extLst>
+          </p:cNvPr>
+          <p:cNvSpPr>
+            <a:spLocks noGrp="1"/>
+          </p:cNvSpPr>
+          <p:nvPr>
+            <p:ph idx="1"/>
+          </p:nvPr>
+        </p:nvSpPr>
+        <p:spPr/>
+        <p:txBody>
+          <a:bodyPr anchor="t">
+            <a:normAutofit/>
+          </a:bodyPr>
+          <a:lstStyle/>
+          <a:p>
+            <a:pPr marL="0" indent="0">
+              <a:buNone/>
+            </a:pPr>
+            <a:r>
+              <a:rPr lang="en-US" sz="2800" dirty="0"/>
+              <a:t>What is Feedback?</a:t>
+            </a:r>
+          </a:p>
+        </p:txBody>
+      </p:sp>
+    </p:spTree>
+    <p:extLst>
+      <p:ext uri="{BB962C8B-B14F-4D97-AF65-F5344CB8AC3E}">
+        <p14:creationId xmlns:p14="http://schemas.microsoft.com/office/powerpoint/2010/main" val="784463533"/>
       </p:ext>
     </p:extLst>
   </p:cSld>

--- a/GraniteStateCodeCamp2019/gscc19-pelazem.pptx
+++ b/GraniteStateCodeCamp2019/gscc19-pelazem.pptx
@@ -5,7 +5,7 @@
     <p:sldMasterId id="2147483732" r:id="rId1"/>
   </p:sldMasterIdLst>
   <p:notesMasterIdLst>
-    <p:notesMasterId r:id="rId17"/>
+    <p:notesMasterId r:id="rId12"/>
   </p:notesMasterIdLst>
   <p:sldIdLst>
     <p:sldId id="258" r:id="rId2"/>
@@ -15,14 +15,9 @@
     <p:sldId id="1598" r:id="rId6"/>
     <p:sldId id="1599" r:id="rId7"/>
     <p:sldId id="1600" r:id="rId8"/>
-    <p:sldId id="1602" r:id="rId9"/>
-    <p:sldId id="1601" r:id="rId10"/>
-    <p:sldId id="1603" r:id="rId11"/>
-    <p:sldId id="1604" r:id="rId12"/>
-    <p:sldId id="1608" r:id="rId13"/>
-    <p:sldId id="1605" r:id="rId14"/>
-    <p:sldId id="1606" r:id="rId15"/>
-    <p:sldId id="1607" r:id="rId16"/>
+    <p:sldId id="1604" r:id="rId9"/>
+    <p:sldId id="1608" r:id="rId10"/>
+    <p:sldId id="1609" r:id="rId11"/>
   </p:sldIdLst>
   <p:sldSz cx="12192000" cy="6858000"/>
   <p:notesSz cx="6858000" cy="9144000"/>
@@ -211,7 +206,7 @@
           <a:p>
             <a:fld id="{946B34E3-E8F5-413F-8FB7-B5B835024008}" type="datetimeFigureOut">
               <a:rPr lang="en-US" smtClean="0"/>
-              <a:t>10/25/2019</a:t>
+              <a:t>10/27/2019</a:t>
             </a:fld>
             <a:endParaRPr lang="en-US"/>
           </a:p>
@@ -623,6 +618,392 @@
     <p:extLst>
       <p:ext uri="{BB962C8B-B14F-4D97-AF65-F5344CB8AC3E}">
         <p14:creationId xmlns:p14="http://schemas.microsoft.com/office/powerpoint/2010/main" val="983856626"/>
+      </p:ext>
+    </p:extLst>
+  </p:cSld>
+  <p:clrMapOvr>
+    <a:masterClrMapping/>
+  </p:clrMapOvr>
+</p:notes>
+</file>
+
+<file path=ppt/notesSlides/notesSlide2.xml><?xml version="1.0" encoding="utf-8"?>
+<p:notes xmlns:a="http://schemas.openxmlformats.org/drawingml/2006/main" xmlns:r="http://schemas.openxmlformats.org/officeDocument/2006/relationships" xmlns:p="http://schemas.openxmlformats.org/presentationml/2006/main">
+  <p:cSld>
+    <p:spTree>
+      <p:nvGrpSpPr>
+        <p:cNvPr id="1" name=""/>
+        <p:cNvGrpSpPr/>
+        <p:nvPr/>
+      </p:nvGrpSpPr>
+      <p:grpSpPr>
+        <a:xfrm>
+          <a:off x="0" y="0"/>
+          <a:ext cx="0" cy="0"/>
+          <a:chOff x="0" y="0"/>
+          <a:chExt cx="0" cy="0"/>
+        </a:xfrm>
+      </p:grpSpPr>
+      <p:sp>
+        <p:nvSpPr>
+          <p:cNvPr id="2" name="Slide Image Placeholder 1"/>
+          <p:cNvSpPr>
+            <a:spLocks noGrp="1" noRot="1" noChangeAspect="1"/>
+          </p:cNvSpPr>
+          <p:nvPr>
+            <p:ph type="sldImg"/>
+          </p:nvPr>
+        </p:nvSpPr>
+        <p:spPr/>
+      </p:sp>
+      <p:sp>
+        <p:nvSpPr>
+          <p:cNvPr id="3" name="Notes Placeholder 2"/>
+          <p:cNvSpPr>
+            <a:spLocks noGrp="1"/>
+          </p:cNvSpPr>
+          <p:nvPr>
+            <p:ph type="body" idx="1"/>
+          </p:nvPr>
+        </p:nvSpPr>
+        <p:spPr/>
+        <p:txBody>
+          <a:bodyPr/>
+          <a:lstStyle/>
+          <a:p>
+            <a:r>
+              <a:rPr lang="en-US" dirty="0"/>
+              <a:t>Regarding 1-4:</a:t>
+            </a:r>
+          </a:p>
+          <a:p>
+            <a:r>
+              <a:rPr lang="en-US" dirty="0"/>
+              <a:t>Heuristics are at risk of missing important parts of the data if our approach is wrong. Our rules could be wrong – and will likely be difficult to update. We may create rules that are inherently/accidentally biased.</a:t>
+            </a:r>
+          </a:p>
+          <a:p>
+            <a:endParaRPr lang="en-US" dirty="0"/>
+          </a:p>
+          <a:p>
+            <a:r>
+              <a:rPr lang="en-US" dirty="0"/>
+              <a:t>As an obviously over-simplified, contrived example: what if I wrote a method to get recommendations for next purchases based on what people with the same first initial bought today? If I did that, there’s a slight chance I might get it right… but I don’t have data to support this correlation, and moreover I’m guessing or proceeding from my own preconceived notion.</a:t>
+            </a:r>
+          </a:p>
+          <a:p>
+            <a:endParaRPr lang="en-US" dirty="0"/>
+          </a:p>
+          <a:p>
+            <a:r>
+              <a:rPr lang="en-US" dirty="0"/>
+              <a:t>And how do I keep updating something like this to account for changing demographics, new customers, and other changes? How do I know if my recommender is accurate, and if visitors like its recommendations? How do I start with something that’s somehow ready for the first visitor to use it? What if I don’t have purchase history time series data, or other historical knowledge of the user population – i.e. what if I have to start from scratch?</a:t>
+            </a:r>
+          </a:p>
+          <a:p>
+            <a:endParaRPr lang="en-US" dirty="0"/>
+          </a:p>
+          <a:p>
+            <a:r>
+              <a:rPr lang="en-US" dirty="0"/>
+              <a:t>How do I build and deploy something like this? I want to avoid mingling it into a general app or site – that way lies spaghetti ball monolith maintainability hell – so I have to make it discoverable and able to be easily integrated into other apps.</a:t>
+            </a:r>
+          </a:p>
+        </p:txBody>
+      </p:sp>
+      <p:sp>
+        <p:nvSpPr>
+          <p:cNvPr id="4" name="Slide Number Placeholder 3"/>
+          <p:cNvSpPr>
+            <a:spLocks noGrp="1"/>
+          </p:cNvSpPr>
+          <p:nvPr>
+            <p:ph type="sldNum" sz="quarter" idx="5"/>
+          </p:nvPr>
+        </p:nvSpPr>
+        <p:spPr/>
+        <p:txBody>
+          <a:bodyPr/>
+          <a:lstStyle/>
+          <a:p>
+            <a:fld id="{E94C774C-A555-4754-AE9B-EFEFA3106C99}" type="slidenum">
+              <a:rPr lang="en-US" smtClean="0"/>
+              <a:t>7</a:t>
+            </a:fld>
+            <a:endParaRPr lang="en-US"/>
+          </a:p>
+        </p:txBody>
+      </p:sp>
+    </p:spTree>
+    <p:extLst>
+      <p:ext uri="{BB962C8B-B14F-4D97-AF65-F5344CB8AC3E}">
+        <p14:creationId xmlns:p14="http://schemas.microsoft.com/office/powerpoint/2010/main" val="1399246524"/>
+      </p:ext>
+    </p:extLst>
+  </p:cSld>
+  <p:clrMapOvr>
+    <a:masterClrMapping/>
+  </p:clrMapOvr>
+</p:notes>
+</file>
+
+<file path=ppt/notesSlides/notesSlide3.xml><?xml version="1.0" encoding="utf-8"?>
+<p:notes xmlns:a="http://schemas.openxmlformats.org/drawingml/2006/main" xmlns:r="http://schemas.openxmlformats.org/officeDocument/2006/relationships" xmlns:p="http://schemas.openxmlformats.org/presentationml/2006/main">
+  <p:cSld>
+    <p:spTree>
+      <p:nvGrpSpPr>
+        <p:cNvPr id="1" name=""/>
+        <p:cNvGrpSpPr/>
+        <p:nvPr/>
+      </p:nvGrpSpPr>
+      <p:grpSpPr>
+        <a:xfrm>
+          <a:off x="0" y="0"/>
+          <a:ext cx="0" cy="0"/>
+          <a:chOff x="0" y="0"/>
+          <a:chExt cx="0" cy="0"/>
+        </a:xfrm>
+      </p:grpSpPr>
+      <p:sp>
+        <p:nvSpPr>
+          <p:cNvPr id="2" name="Slide Image Placeholder 1"/>
+          <p:cNvSpPr>
+            <a:spLocks noGrp="1" noRot="1" noChangeAspect="1"/>
+          </p:cNvSpPr>
+          <p:nvPr>
+            <p:ph type="sldImg"/>
+          </p:nvPr>
+        </p:nvSpPr>
+        <p:spPr/>
+      </p:sp>
+      <p:sp>
+        <p:nvSpPr>
+          <p:cNvPr id="3" name="Notes Placeholder 2"/>
+          <p:cNvSpPr>
+            <a:spLocks noGrp="1"/>
+          </p:cNvSpPr>
+          <p:nvPr>
+            <p:ph type="body" idx="1"/>
+          </p:nvPr>
+        </p:nvSpPr>
+        <p:spPr/>
+        <p:txBody>
+          <a:bodyPr/>
+          <a:lstStyle/>
+          <a:p>
+            <a:r>
+              <a:rPr lang="en-US" dirty="0"/>
+              <a:t>The Personalizer service is implemented using unsupervised machine learning algorithms, specifically Reinforcement Learning.</a:t>
+            </a:r>
+          </a:p>
+          <a:p>
+            <a:endParaRPr lang="en-US" dirty="0"/>
+          </a:p>
+          <a:p>
+            <a:r>
+              <a:rPr lang="en-US" dirty="0"/>
+              <a:t>In supervised ML, we have training and test data we can use to prepare an ML algorithm to work on new data. In unsupervised ML, we don’t have training data. Reinforcement Learning algorithms are designed to take feedback on their output, and to use that continual feedback loop to continuously improve and retrain. The goal is for the algorithm to get better and better over time by learning from reality.</a:t>
+            </a:r>
+          </a:p>
+          <a:p>
+            <a:endParaRPr lang="en-US" dirty="0"/>
+          </a:p>
+          <a:p>
+            <a:r>
+              <a:rPr lang="en-US" dirty="0"/>
+              <a:t>Personalizer takes a context that you are responsible for assembling. This is essentially a set of data about the situation; for example, it could be user demographics (be careful about PII), environmental data (weather, time of day, location, etc.), current view or area, and so on. The idea is to tell the Personalizer service as much as you can about the situation. You don’t need to pick out those pieces of the data that predict what a user will do; the Personalizer service will do this by retraining itself ongoing.</a:t>
+            </a:r>
+          </a:p>
+          <a:p>
+            <a:endParaRPr lang="en-US" dirty="0"/>
+          </a:p>
+          <a:p>
+            <a:r>
+              <a:rPr lang="en-US" dirty="0"/>
+              <a:t>Along with the context, Personalizer takes a list of choices to rank for this context. You are responsible for assembling this list. This should not be your entire product catalog, for example; you have to curate the set of all possible choices down to a set that is manageable for both an RL algorithm as well as a human being. After all, you wouldn’t present a human being a list of 1,000 next choices, right? So narrow the list. Personalizer states a cap of 50 choices. 10%-20% of that would be a good start, I think.</a:t>
+            </a:r>
+          </a:p>
+          <a:p>
+            <a:endParaRPr lang="en-US" dirty="0"/>
+          </a:p>
+          <a:p>
+            <a:r>
+              <a:rPr lang="en-US" dirty="0"/>
+              <a:t>Given the context and the choices (as well as an event ID you’ll use later), Personalizer returns the choices ranked by relevance, from most to least.</a:t>
+            </a:r>
+          </a:p>
+          <a:p>
+            <a:endParaRPr lang="en-US" dirty="0"/>
+          </a:p>
+          <a:p>
+            <a:r>
+              <a:rPr lang="en-US" dirty="0"/>
+              <a:t>After you present the ranked list of recommendations, you will need to tell Personalizer how well it did. Typically, you will need to observe user behavior, and calculate a Reward score based on that. Reward scores are in a range from zero to one. You are responsible for calculating the reward score. You can consider basing it on a number of observed behaviors, such as:</a:t>
+            </a:r>
+          </a:p>
+          <a:p>
+            <a:pPr marL="171450" indent="-171450">
+              <a:buFontTx/>
+              <a:buChar char="-"/>
+            </a:pPr>
+            <a:r>
+              <a:rPr lang="en-US" dirty="0"/>
+              <a:t>Did the user follow the top recommendation?</a:t>
+            </a:r>
+          </a:p>
+          <a:p>
+            <a:pPr marL="171450" indent="-171450">
+              <a:buFontTx/>
+              <a:buChar char="-"/>
+            </a:pPr>
+            <a:r>
+              <a:rPr lang="en-US" dirty="0"/>
+              <a:t>Did the user follow any of the recommendations (if you chose to display more than one)?</a:t>
+            </a:r>
+          </a:p>
+          <a:p>
+            <a:pPr marL="171450" indent="-171450">
+              <a:buFontTx/>
+              <a:buChar char="-"/>
+            </a:pPr>
+            <a:r>
+              <a:rPr lang="en-US" dirty="0"/>
+              <a:t>How long did it take for the user to do something? Perhaps a longer delay to act lowers the reward score?</a:t>
+            </a:r>
+          </a:p>
+          <a:p>
+            <a:pPr marL="171450" indent="-171450">
+              <a:buFontTx/>
+              <a:buChar char="-"/>
+            </a:pPr>
+            <a:r>
+              <a:rPr lang="en-US" dirty="0"/>
+              <a:t>Did the user do something with the recommendation, like clicking a social share button which implies the recommendation was not only good, but worth sharing?</a:t>
+            </a:r>
+          </a:p>
+          <a:p>
+            <a:pPr marL="0" indent="0">
+              <a:buFontTx/>
+              <a:buNone/>
+            </a:pPr>
+            <a:r>
+              <a:rPr lang="en-US" dirty="0"/>
+              <a:t>Once you calculate a reward, send it back to the Personalizer service along with the event ID you sent with the initial context and choices, so that Personalizer can correlate the feedback (the Reward score you calculated) to the specific context and choices. This is the data Personalizer needs to retrain itself.</a:t>
+            </a:r>
+          </a:p>
+        </p:txBody>
+      </p:sp>
+      <p:sp>
+        <p:nvSpPr>
+          <p:cNvPr id="4" name="Slide Number Placeholder 3"/>
+          <p:cNvSpPr>
+            <a:spLocks noGrp="1"/>
+          </p:cNvSpPr>
+          <p:nvPr>
+            <p:ph type="sldNum" sz="quarter" idx="5"/>
+          </p:nvPr>
+        </p:nvSpPr>
+        <p:spPr/>
+        <p:txBody>
+          <a:bodyPr/>
+          <a:lstStyle/>
+          <a:p>
+            <a:fld id="{E94C774C-A555-4754-AE9B-EFEFA3106C99}" type="slidenum">
+              <a:rPr lang="en-US" smtClean="0"/>
+              <a:t>8</a:t>
+            </a:fld>
+            <a:endParaRPr lang="en-US"/>
+          </a:p>
+        </p:txBody>
+      </p:sp>
+    </p:spTree>
+    <p:extLst>
+      <p:ext uri="{BB962C8B-B14F-4D97-AF65-F5344CB8AC3E}">
+        <p14:creationId xmlns:p14="http://schemas.microsoft.com/office/powerpoint/2010/main" val="3271558107"/>
+      </p:ext>
+    </p:extLst>
+  </p:cSld>
+  <p:clrMapOvr>
+    <a:masterClrMapping/>
+  </p:clrMapOvr>
+</p:notes>
+</file>
+
+<file path=ppt/notesSlides/notesSlide4.xml><?xml version="1.0" encoding="utf-8"?>
+<p:notes xmlns:a="http://schemas.openxmlformats.org/drawingml/2006/main" xmlns:r="http://schemas.openxmlformats.org/officeDocument/2006/relationships" xmlns:p="http://schemas.openxmlformats.org/presentationml/2006/main">
+  <p:cSld>
+    <p:spTree>
+      <p:nvGrpSpPr>
+        <p:cNvPr id="1" name=""/>
+        <p:cNvGrpSpPr/>
+        <p:nvPr/>
+      </p:nvGrpSpPr>
+      <p:grpSpPr>
+        <a:xfrm>
+          <a:off x="0" y="0"/>
+          <a:ext cx="0" cy="0"/>
+          <a:chOff x="0" y="0"/>
+          <a:chExt cx="0" cy="0"/>
+        </a:xfrm>
+      </p:grpSpPr>
+      <p:sp>
+        <p:nvSpPr>
+          <p:cNvPr id="2" name="Slide Image Placeholder 1"/>
+          <p:cNvSpPr>
+            <a:spLocks noGrp="1" noRot="1" noChangeAspect="1"/>
+          </p:cNvSpPr>
+          <p:nvPr>
+            <p:ph type="sldImg"/>
+          </p:nvPr>
+        </p:nvSpPr>
+        <p:spPr/>
+      </p:sp>
+      <p:sp>
+        <p:nvSpPr>
+          <p:cNvPr id="3" name="Notes Placeholder 2"/>
+          <p:cNvSpPr>
+            <a:spLocks noGrp="1"/>
+          </p:cNvSpPr>
+          <p:nvPr>
+            <p:ph type="body" idx="1"/>
+          </p:nvPr>
+        </p:nvSpPr>
+        <p:spPr/>
+        <p:txBody>
+          <a:bodyPr/>
+          <a:lstStyle/>
+          <a:p>
+            <a:endParaRPr lang="en-US" dirty="0"/>
+          </a:p>
+        </p:txBody>
+      </p:sp>
+      <p:sp>
+        <p:nvSpPr>
+          <p:cNvPr id="4" name="Slide Number Placeholder 3"/>
+          <p:cNvSpPr>
+            <a:spLocks noGrp="1"/>
+          </p:cNvSpPr>
+          <p:nvPr>
+            <p:ph type="sldNum" sz="quarter" idx="5"/>
+          </p:nvPr>
+        </p:nvSpPr>
+        <p:spPr/>
+        <p:txBody>
+          <a:bodyPr/>
+          <a:lstStyle/>
+          <a:p>
+            <a:fld id="{E94C774C-A555-4754-AE9B-EFEFA3106C99}" type="slidenum">
+              <a:rPr lang="en-US" smtClean="0"/>
+              <a:t>9</a:t>
+            </a:fld>
+            <a:endParaRPr lang="en-US"/>
+          </a:p>
+        </p:txBody>
+      </p:sp>
+    </p:spTree>
+    <p:extLst>
+      <p:ext uri="{BB962C8B-B14F-4D97-AF65-F5344CB8AC3E}">
+        <p14:creationId xmlns:p14="http://schemas.microsoft.com/office/powerpoint/2010/main" val="1909366065"/>
       </p:ext>
     </p:extLst>
   </p:cSld>
@@ -2093,7 +2474,7 @@
           <a:p>
             <a:fld id="{5E2A9F4F-03AD-4497-A65D-076601BD41D2}" type="datetime1">
               <a:rPr lang="en-US" smtClean="0"/>
-              <a:t>10/25/2019</a:t>
+              <a:t>10/27/2019</a:t>
             </a:fld>
             <a:endParaRPr lang="en-US"/>
           </a:p>
@@ -4463,7 +4844,7 @@
           <p:cNvPr id="2" name="Title 1">
             <a:extLst>
               <a:ext uri="{FF2B5EF4-FFF2-40B4-BE49-F238E27FC236}">
-                <a16:creationId xmlns:a16="http://schemas.microsoft.com/office/drawing/2014/main" id="{62476AB5-2BA9-41B2-A387-D6E88AA64C27}"/>
+                <a16:creationId xmlns:a16="http://schemas.microsoft.com/office/drawing/2014/main" id="{38FA5F27-CA7E-4C8B-AD6E-7E196FD5DB4C}"/>
               </a:ext>
             </a:extLst>
           </p:cNvPr>
@@ -4481,17 +4862,17 @@
           <a:p>
             <a:r>
               <a:rPr lang="en-US" dirty="0"/>
-              <a:t>Operation</a:t>
+              <a:t>Demo</a:t>
             </a:r>
           </a:p>
         </p:txBody>
       </p:sp>
       <p:sp>
         <p:nvSpPr>
-          <p:cNvPr id="3" name="Content Placeholder 2">
+          <p:cNvPr id="3" name="Text Placeholder 2">
             <a:extLst>
               <a:ext uri="{FF2B5EF4-FFF2-40B4-BE49-F238E27FC236}">
-                <a16:creationId xmlns:a16="http://schemas.microsoft.com/office/drawing/2014/main" id="{9A127FE1-A123-4F68-AD93-336CB79490E9}"/>
+                <a16:creationId xmlns:a16="http://schemas.microsoft.com/office/drawing/2014/main" id="{64EEA479-5B56-4CEA-BC51-4EA9ED9FA82F}"/>
               </a:ext>
             </a:extLst>
           </p:cNvPr>
@@ -4499,96 +4880,91 @@
             <a:spLocks noGrp="1"/>
           </p:cNvSpPr>
           <p:nvPr>
-            <p:ph idx="1"/>
+            <p:ph type="body" sz="quarter" idx="10"/>
           </p:nvPr>
         </p:nvSpPr>
-        <p:spPr/>
+        <p:spPr>
+          <a:xfrm>
+            <a:off x="269239" y="1189177"/>
+            <a:ext cx="11653523" cy="4855304"/>
+          </a:xfrm>
+        </p:spPr>
         <p:txBody>
-          <a:bodyPr anchor="t"/>
+          <a:bodyPr/>
           <a:lstStyle/>
           <a:p>
             <a:r>
               <a:rPr lang="en-US" dirty="0"/>
-              <a:t>We don’t want the recommender to be tightly coupled into an app</a:t>
-            </a:r>
-          </a:p>
-          <a:p>
-            <a:r>
-              <a:rPr lang="en-US" dirty="0"/>
-              <a:t>Deploy it as a service / API</a:t>
-            </a:r>
-          </a:p>
-          <a:p>
-            <a:r>
-              <a:rPr lang="en-US" dirty="0"/>
-              <a:t>This way it can be maintained on its own schedule</a:t>
-            </a:r>
-          </a:p>
-          <a:p>
-            <a:r>
-              <a:rPr lang="en-US" dirty="0"/>
-              <a:t>And integrated into anything that can integrate an API</a:t>
-            </a:r>
-          </a:p>
-          <a:p>
+              <a:t>Test application: generates contexts and actions</a:t>
+            </a:r>
+          </a:p>
+          <a:p>
+            <a:r>
+              <a:rPr lang="en-US" dirty="0"/>
+              <a:t>Runs each {</a:t>
+            </a:r>
+            <a:r>
+              <a:rPr lang="en-US" dirty="0" err="1"/>
+              <a:t>context+actions</a:t>
+            </a:r>
+            <a:r>
+              <a:rPr lang="en-US" dirty="0"/>
+              <a:t>} through Personalizer API</a:t>
+            </a:r>
+          </a:p>
+          <a:p>
+            <a:r>
+              <a:rPr lang="en-US" dirty="0"/>
+              <a:t>Calculates reward for each recommendation</a:t>
+            </a:r>
+          </a:p>
+          <a:p>
+            <a:r>
+              <a:rPr lang="en-US" dirty="0"/>
+              <a:t>Sends reward to Personalizer API</a:t>
+            </a:r>
+          </a:p>
+          <a:p>
+            <a:r>
+              <a:rPr lang="en-US" dirty="0"/>
+              <a:t>Splits into segments and pauses for API retraining</a:t>
+            </a:r>
+          </a:p>
+          <a:p>
+            <a:r>
+              <a:rPr lang="en-US" dirty="0"/>
+              <a:t>Calculates segment scores so we can see trend</a:t>
+            </a:r>
+          </a:p>
+          <a:p>
+            <a:r>
+              <a:rPr lang="en-US" dirty="0"/>
+              <a:t>You can get this code and test/adjust/experiment</a:t>
+            </a:r>
+          </a:p>
+          <a:p>
+            <a:r>
+              <a:rPr lang="en-US" dirty="0"/>
+              <a:t>Vary run settings in </a:t>
+            </a:r>
+            <a:r>
+              <a:rPr lang="en-US" dirty="0" err="1"/>
+              <a:t>Common.cs</a:t>
+            </a:r>
+            <a:r>
+              <a:rPr lang="en-US"/>
+              <a:t>, lines 18-21</a:t>
+            </a:r>
             <a:endParaRPr lang="en-US" dirty="0"/>
-          </a:p>
-          <a:p>
-            <a:r>
-              <a:rPr lang="en-US" dirty="0"/>
-              <a:t>Typical loose coupling / service-centric architecture</a:t>
-            </a:r>
           </a:p>
         </p:txBody>
       </p:sp>
-    </p:spTree>
-    <p:extLst>
-      <p:ext uri="{BB962C8B-B14F-4D97-AF65-F5344CB8AC3E}">
-        <p14:creationId xmlns:p14="http://schemas.microsoft.com/office/powerpoint/2010/main" val="2275145356"/>
-      </p:ext>
-    </p:extLst>
-  </p:cSld>
-  <p:clrMapOvr>
-    <a:masterClrMapping/>
-  </p:clrMapOvr>
-  <mc:AlternateContent xmlns:mc="http://schemas.openxmlformats.org/markup-compatibility/2006" xmlns:p14="http://schemas.microsoft.com/office/powerpoint/2010/main">
-    <mc:Choice Requires="p14">
-      <p:transition spd="med" p14:dur="700">
-        <p:fade/>
-      </p:transition>
-    </mc:Choice>
-    <mc:Fallback xmlns="">
-      <p:transition spd="med">
-        <p:fade/>
-      </p:transition>
-    </mc:Fallback>
-  </mc:AlternateContent>
-</p:sld>
-</file>
-
-<file path=ppt/slides/slide11.xml><?xml version="1.0" encoding="utf-8"?>
-<p:sld xmlns:a="http://schemas.openxmlformats.org/drawingml/2006/main" xmlns:r="http://schemas.openxmlformats.org/officeDocument/2006/relationships" xmlns:p="http://schemas.openxmlformats.org/presentationml/2006/main">
-  <p:cSld>
-    <p:spTree>
-      <p:nvGrpSpPr>
-        <p:cNvPr id="1" name=""/>
-        <p:cNvGrpSpPr/>
-        <p:nvPr/>
-      </p:nvGrpSpPr>
-      <p:grpSpPr>
-        <a:xfrm>
-          <a:off x="0" y="0"/>
-          <a:ext cx="0" cy="0"/>
-          <a:chOff x="0" y="0"/>
-          <a:chExt cx="0" cy="0"/>
-        </a:xfrm>
-      </p:grpSpPr>
       <p:sp>
         <p:nvSpPr>
-          <p:cNvPr id="2" name="Title 1">
+          <p:cNvPr id="4" name="Text Placeholder 3">
             <a:extLst>
               <a:ext uri="{FF2B5EF4-FFF2-40B4-BE49-F238E27FC236}">
-                <a16:creationId xmlns:a16="http://schemas.microsoft.com/office/drawing/2014/main" id="{62476AB5-2BA9-41B2-A387-D6E88AA64C27}"/>
+                <a16:creationId xmlns:a16="http://schemas.microsoft.com/office/drawing/2014/main" id="{A552E2A9-EEA7-4492-B9EC-71DC763CA4D9}"/>
               </a:ext>
             </a:extLst>
           </p:cNvPr>
@@ -4596,7 +4972,7 @@
             <a:spLocks noGrp="1"/>
           </p:cNvSpPr>
           <p:nvPr>
-            <p:ph type="title"/>
+            <p:ph type="body" sz="quarter" idx="11"/>
           </p:nvPr>
         </p:nvSpPr>
         <p:spPr/>
@@ -4605,120 +4981,8 @@
           <a:lstStyle/>
           <a:p>
             <a:r>
-              <a:rPr lang="en-US" dirty="0"/>
-              <a:t>AI Service</a:t>
-            </a:r>
-            <a:r>
-              <a:rPr lang="en-US"/>
-              <a:t>: Personalizer</a:t>
-            </a:r>
-            <a:endParaRPr lang="en-US" dirty="0"/>
-          </a:p>
-        </p:txBody>
-      </p:sp>
-      <p:sp>
-        <p:nvSpPr>
-          <p:cNvPr id="3" name="Content Placeholder 2">
-            <a:extLst>
-              <a:ext uri="{FF2B5EF4-FFF2-40B4-BE49-F238E27FC236}">
-                <a16:creationId xmlns:a16="http://schemas.microsoft.com/office/drawing/2014/main" id="{9A127FE1-A123-4F68-AD93-336CB79490E9}"/>
-              </a:ext>
-            </a:extLst>
-          </p:cNvPr>
-          <p:cNvSpPr>
-            <a:spLocks noGrp="1"/>
-          </p:cNvSpPr>
-          <p:nvPr>
-            <p:ph idx="1"/>
-          </p:nvPr>
-        </p:nvSpPr>
-        <p:spPr/>
-        <p:txBody>
-          <a:bodyPr anchor="t">
-            <a:normAutofit lnSpcReduction="10000"/>
-          </a:bodyPr>
-          <a:lstStyle/>
-          <a:p>
-            <a:r>
-              <a:rPr lang="en-US" dirty="0"/>
-              <a:t>Azure AI Cognitive Service: Personalizer (</a:t>
-            </a:r>
-            <a:r>
-              <a:rPr lang="en-US" dirty="0">
-                <a:hlinkClick r:id="rId2"/>
-              </a:rPr>
-              <a:t>Docs</a:t>
-            </a:r>
-            <a:r>
-              <a:rPr lang="en-US" dirty="0"/>
-              <a:t>, </a:t>
-            </a:r>
-            <a:r>
-              <a:rPr lang="en-US" dirty="0">
-                <a:hlinkClick r:id="rId3"/>
-              </a:rPr>
-              <a:t>API Reference</a:t>
-            </a:r>
-            <a:r>
-              <a:rPr lang="en-US" dirty="0"/>
-              <a:t>)</a:t>
-            </a:r>
-          </a:p>
-          <a:p>
-            <a:r>
-              <a:rPr lang="en-US" dirty="0"/>
-              <a:t>REST API + SDKs (.NET, Go, Node, Python)</a:t>
-            </a:r>
-          </a:p>
-          <a:p>
-            <a:pPr marL="0" indent="0">
-              <a:buNone/>
-            </a:pPr>
-            <a:endParaRPr lang="en-US" dirty="0"/>
-          </a:p>
-          <a:p>
-            <a:pPr marL="0" indent="0">
-              <a:buNone/>
-            </a:pPr>
-            <a:r>
-              <a:rPr lang="en-US" dirty="0"/>
-              <a:t>How does it work?</a:t>
-            </a:r>
-          </a:p>
-          <a:p>
-            <a:r>
-              <a:rPr lang="en-US" dirty="0"/>
-              <a:t>You pass a “context” and some choices to the API</a:t>
-            </a:r>
-          </a:p>
-          <a:p>
-            <a:r>
-              <a:rPr lang="en-US" dirty="0"/>
-              <a:t>API returns your choices, ranked by contextual relevance</a:t>
-            </a:r>
-          </a:p>
-          <a:p>
-            <a:r>
-              <a:rPr lang="en-US" dirty="0"/>
-              <a:t>You present the ranked choices to your user</a:t>
-            </a:r>
-          </a:p>
-          <a:p>
-            <a:r>
-              <a:rPr lang="en-US" dirty="0"/>
-              <a:t>You watch what the user does with the choices</a:t>
-            </a:r>
-          </a:p>
-          <a:p>
-            <a:r>
-              <a:rPr lang="en-US" dirty="0"/>
-              <a:t>Based on the user’s action, you send feedback to the API</a:t>
-            </a:r>
-          </a:p>
-          <a:p>
-            <a:r>
-              <a:rPr lang="en-US" dirty="0"/>
-              <a:t>The API learns from your feedback and improves ongoing</a:t>
+              <a:rPr lang="en-US" sz="2400" dirty="0"/>
+              <a:t>https://github.com/plzm/azure-cognitive/tree/master/PoCs/Personalizer-Recommendations</a:t>
             </a:r>
           </a:p>
         </p:txBody>
@@ -4726,557 +4990,16 @@
     </p:spTree>
     <p:extLst>
       <p:ext uri="{BB962C8B-B14F-4D97-AF65-F5344CB8AC3E}">
-        <p14:creationId xmlns:p14="http://schemas.microsoft.com/office/powerpoint/2010/main" val="1881944503"/>
+        <p14:creationId xmlns:p14="http://schemas.microsoft.com/office/powerpoint/2010/main" val="445781948"/>
       </p:ext>
     </p:extLst>
   </p:cSld>
   <p:clrMapOvr>
     <a:masterClrMapping/>
   </p:clrMapOvr>
-  <mc:AlternateContent xmlns:mc="http://schemas.openxmlformats.org/markup-compatibility/2006" xmlns:p14="http://schemas.microsoft.com/office/powerpoint/2010/main">
-    <mc:Choice Requires="p14">
-      <p:transition spd="med" p14:dur="700">
-        <p:fade/>
-      </p:transition>
-    </mc:Choice>
-    <mc:Fallback xmlns="">
-      <p:transition spd="med">
-        <p:fade/>
-      </p:transition>
-    </mc:Fallback>
-  </mc:AlternateContent>
-</p:sld>
-</file>
-
-<file path=ppt/slides/slide12.xml><?xml version="1.0" encoding="utf-8"?>
-<p:sld xmlns:a="http://schemas.openxmlformats.org/drawingml/2006/main" xmlns:r="http://schemas.openxmlformats.org/officeDocument/2006/relationships" xmlns:p="http://schemas.openxmlformats.org/presentationml/2006/main">
-  <p:cSld>
-    <p:spTree>
-      <p:nvGrpSpPr>
-        <p:cNvPr id="1" name=""/>
-        <p:cNvGrpSpPr/>
-        <p:nvPr/>
-      </p:nvGrpSpPr>
-      <p:grpSpPr>
-        <a:xfrm>
-          <a:off x="0" y="0"/>
-          <a:ext cx="0" cy="0"/>
-          <a:chOff x="0" y="0"/>
-          <a:chExt cx="0" cy="0"/>
-        </a:xfrm>
-      </p:grpSpPr>
-      <p:sp>
-        <p:nvSpPr>
-          <p:cNvPr id="2" name="Title 1">
-            <a:extLst>
-              <a:ext uri="{FF2B5EF4-FFF2-40B4-BE49-F238E27FC236}">
-                <a16:creationId xmlns:a16="http://schemas.microsoft.com/office/drawing/2014/main" id="{0E885CE2-BECC-4444-B9B1-A38B6C16CCBF}"/>
-              </a:ext>
-            </a:extLst>
-          </p:cNvPr>
-          <p:cNvSpPr>
-            <a:spLocks noGrp="1"/>
-          </p:cNvSpPr>
-          <p:nvPr>
-            <p:ph type="title"/>
-          </p:nvPr>
-        </p:nvSpPr>
-        <p:spPr/>
-        <p:txBody>
-          <a:bodyPr/>
-          <a:lstStyle/>
-          <a:p>
-            <a:r>
-              <a:rPr lang="en-US" dirty="0"/>
-              <a:t>Sequence | Flow</a:t>
-            </a:r>
-          </a:p>
-        </p:txBody>
-      </p:sp>
-      <p:sp>
-        <p:nvSpPr>
-          <p:cNvPr id="3" name="Content Placeholder 2">
-            <a:extLst>
-              <a:ext uri="{FF2B5EF4-FFF2-40B4-BE49-F238E27FC236}">
-                <a16:creationId xmlns:a16="http://schemas.microsoft.com/office/drawing/2014/main" id="{942FA73E-0A39-44E3-9938-CD9D4B156CF0}"/>
-              </a:ext>
-            </a:extLst>
-          </p:cNvPr>
-          <p:cNvSpPr>
-            <a:spLocks noGrp="1"/>
-          </p:cNvSpPr>
-          <p:nvPr>
-            <p:ph idx="1"/>
-          </p:nvPr>
-        </p:nvSpPr>
-        <p:spPr/>
-        <p:txBody>
-          <a:bodyPr/>
-          <a:lstStyle/>
-          <a:p>
-            <a:endParaRPr lang="en-US"/>
-          </a:p>
-        </p:txBody>
-      </p:sp>
-    </p:spTree>
-    <p:extLst>
-      <p:ext uri="{BB962C8B-B14F-4D97-AF65-F5344CB8AC3E}">
-        <p14:creationId xmlns:p14="http://schemas.microsoft.com/office/powerpoint/2010/main" val="692012479"/>
-      </p:ext>
-    </p:extLst>
-  </p:cSld>
-  <p:clrMapOvr>
-    <a:masterClrMapping/>
-  </p:clrMapOvr>
-  <mc:AlternateContent xmlns:mc="http://schemas.openxmlformats.org/markup-compatibility/2006" xmlns:p14="http://schemas.microsoft.com/office/powerpoint/2010/main">
-    <mc:Choice Requires="p14">
-      <p:transition spd="med" p14:dur="700">
-        <p:fade/>
-      </p:transition>
-    </mc:Choice>
-    <mc:Fallback xmlns="">
-      <p:transition spd="med">
-        <p:fade/>
-      </p:transition>
-    </mc:Fallback>
-  </mc:AlternateContent>
-</p:sld>
-</file>
-
-<file path=ppt/slides/slide13.xml><?xml version="1.0" encoding="utf-8"?>
-<p:sld xmlns:a="http://schemas.openxmlformats.org/drawingml/2006/main" xmlns:r="http://schemas.openxmlformats.org/officeDocument/2006/relationships" xmlns:p="http://schemas.openxmlformats.org/presentationml/2006/main">
-  <p:cSld>
-    <p:spTree>
-      <p:nvGrpSpPr>
-        <p:cNvPr id="1" name=""/>
-        <p:cNvGrpSpPr/>
-        <p:nvPr/>
-      </p:nvGrpSpPr>
-      <p:grpSpPr>
-        <a:xfrm>
-          <a:off x="0" y="0"/>
-          <a:ext cx="0" cy="0"/>
-          <a:chOff x="0" y="0"/>
-          <a:chExt cx="0" cy="0"/>
-        </a:xfrm>
-      </p:grpSpPr>
-      <p:sp>
-        <p:nvSpPr>
-          <p:cNvPr id="2" name="Title 1">
-            <a:extLst>
-              <a:ext uri="{FF2B5EF4-FFF2-40B4-BE49-F238E27FC236}">
-                <a16:creationId xmlns:a16="http://schemas.microsoft.com/office/drawing/2014/main" id="{62476AB5-2BA9-41B2-A387-D6E88AA64C27}"/>
-              </a:ext>
-            </a:extLst>
-          </p:cNvPr>
-          <p:cNvSpPr>
-            <a:spLocks noGrp="1"/>
-          </p:cNvSpPr>
-          <p:nvPr>
-            <p:ph type="title"/>
-          </p:nvPr>
-        </p:nvSpPr>
-        <p:spPr/>
-        <p:txBody>
-          <a:bodyPr/>
-          <a:lstStyle/>
-          <a:p>
-            <a:r>
-              <a:rPr lang="en-US" dirty="0"/>
-              <a:t>Context</a:t>
-            </a:r>
-          </a:p>
-        </p:txBody>
-      </p:sp>
-      <p:sp>
-        <p:nvSpPr>
-          <p:cNvPr id="3" name="Content Placeholder 2">
-            <a:extLst>
-              <a:ext uri="{FF2B5EF4-FFF2-40B4-BE49-F238E27FC236}">
-                <a16:creationId xmlns:a16="http://schemas.microsoft.com/office/drawing/2014/main" id="{9A127FE1-A123-4F68-AD93-336CB79490E9}"/>
-              </a:ext>
-            </a:extLst>
-          </p:cNvPr>
-          <p:cNvSpPr>
-            <a:spLocks noGrp="1"/>
-          </p:cNvSpPr>
-          <p:nvPr>
-            <p:ph idx="1"/>
-          </p:nvPr>
-        </p:nvSpPr>
-        <p:spPr/>
-        <p:txBody>
-          <a:bodyPr anchor="t">
-            <a:normAutofit fontScale="92500"/>
-          </a:bodyPr>
-          <a:lstStyle/>
-          <a:p>
-            <a:pPr marL="0" indent="0">
-              <a:buNone/>
-            </a:pPr>
-            <a:r>
-              <a:rPr lang="en-US" sz="2800" dirty="0"/>
-              <a:t>What’s a Context?</a:t>
-            </a:r>
-          </a:p>
-          <a:p>
-            <a:r>
-              <a:rPr lang="en-US" sz="2800" dirty="0"/>
-              <a:t>Info about user and situation that may affect user’s decision</a:t>
-            </a:r>
-          </a:p>
-          <a:p>
-            <a:r>
-              <a:rPr lang="en-US" sz="2800" dirty="0"/>
-              <a:t>YOU must assemble this – it is situational</a:t>
-            </a:r>
-          </a:p>
-          <a:p>
-            <a:r>
-              <a:rPr lang="en-US" sz="2800" dirty="0"/>
-              <a:t>Examples: demographic info, customer info, day of week, weather, location, … … …</a:t>
-            </a:r>
-          </a:p>
-          <a:p>
-            <a:pPr marL="0" indent="0">
-              <a:buNone/>
-            </a:pPr>
-            <a:endParaRPr lang="en-US" sz="2800" dirty="0"/>
-          </a:p>
-          <a:p>
-            <a:pPr marL="0" indent="0">
-              <a:buNone/>
-            </a:pPr>
-            <a:r>
-              <a:rPr lang="en-US" sz="2800" dirty="0"/>
-              <a:t>“How do I know what to send??!?”</a:t>
-            </a:r>
-          </a:p>
-          <a:p>
-            <a:r>
-              <a:rPr lang="en-US" sz="2800" dirty="0"/>
-              <a:t>AHA!! You don’t have to. Leave it up to the Personalizer API.</a:t>
-            </a:r>
-          </a:p>
-          <a:p>
-            <a:r>
-              <a:rPr lang="en-US" sz="2800" dirty="0"/>
-              <a:t>Send whatever you have (within reason </a:t>
-            </a:r>
-            <a:r>
-              <a:rPr lang="en-US" sz="2800" dirty="0">
-                <a:sym typeface="Wingdings" panose="05000000000000000000" pitchFamily="2" charset="2"/>
-              </a:rPr>
-              <a:t>) – Personalizer will learn what matters (correlates with user’s decision) and what doesn’t</a:t>
-            </a:r>
-          </a:p>
-          <a:p>
-            <a:r>
-              <a:rPr lang="en-US" sz="2800" dirty="0">
-                <a:sym typeface="Wingdings" panose="05000000000000000000" pitchFamily="2" charset="2"/>
-              </a:rPr>
-              <a:t>Do NOT send PII – not needed, anyway. If you must – then obscure it.</a:t>
-            </a:r>
-          </a:p>
-          <a:p>
-            <a:endParaRPr lang="en-US" sz="2800" dirty="0">
-              <a:sym typeface="Wingdings" panose="05000000000000000000" pitchFamily="2" charset="2"/>
-            </a:endParaRPr>
-          </a:p>
-          <a:p>
-            <a:pPr marL="0" indent="0">
-              <a:buNone/>
-            </a:pPr>
-            <a:r>
-              <a:rPr lang="en-US" sz="2800" dirty="0">
-                <a:sym typeface="Wingdings" panose="05000000000000000000" pitchFamily="2" charset="2"/>
-              </a:rPr>
-              <a:t>We’ll look at Context examples in the code shortly.</a:t>
-            </a:r>
-            <a:endParaRPr lang="en-US" sz="2800" dirty="0"/>
-          </a:p>
-          <a:p>
-            <a:pPr marL="0" indent="0">
-              <a:buNone/>
-            </a:pPr>
-            <a:endParaRPr lang="en-US" sz="2800" dirty="0"/>
-          </a:p>
-        </p:txBody>
-      </p:sp>
-    </p:spTree>
-    <p:extLst>
-      <p:ext uri="{BB962C8B-B14F-4D97-AF65-F5344CB8AC3E}">
-        <p14:creationId xmlns:p14="http://schemas.microsoft.com/office/powerpoint/2010/main" val="2019217438"/>
-      </p:ext>
-    </p:extLst>
-  </p:cSld>
-  <p:clrMapOvr>
-    <a:masterClrMapping/>
-  </p:clrMapOvr>
-  <mc:AlternateContent xmlns:mc="http://schemas.openxmlformats.org/markup-compatibility/2006" xmlns:p14="http://schemas.microsoft.com/office/powerpoint/2010/main">
-    <mc:Choice Requires="p14">
-      <p:transition spd="med" p14:dur="700">
-        <p:fade/>
-      </p:transition>
-    </mc:Choice>
-    <mc:Fallback xmlns="">
-      <p:transition spd="med">
-        <p:fade/>
-      </p:transition>
-    </mc:Fallback>
-  </mc:AlternateContent>
-</p:sld>
-</file>
-
-<file path=ppt/slides/slide14.xml><?xml version="1.0" encoding="utf-8"?>
-<p:sld xmlns:a="http://schemas.openxmlformats.org/drawingml/2006/main" xmlns:r="http://schemas.openxmlformats.org/officeDocument/2006/relationships" xmlns:p="http://schemas.openxmlformats.org/presentationml/2006/main">
-  <p:cSld>
-    <p:spTree>
-      <p:nvGrpSpPr>
-        <p:cNvPr id="1" name=""/>
-        <p:cNvGrpSpPr/>
-        <p:nvPr/>
-      </p:nvGrpSpPr>
-      <p:grpSpPr>
-        <a:xfrm>
-          <a:off x="0" y="0"/>
-          <a:ext cx="0" cy="0"/>
-          <a:chOff x="0" y="0"/>
-          <a:chExt cx="0" cy="0"/>
-        </a:xfrm>
-      </p:grpSpPr>
-      <p:sp>
-        <p:nvSpPr>
-          <p:cNvPr id="2" name="Title 1">
-            <a:extLst>
-              <a:ext uri="{FF2B5EF4-FFF2-40B4-BE49-F238E27FC236}">
-                <a16:creationId xmlns:a16="http://schemas.microsoft.com/office/drawing/2014/main" id="{62476AB5-2BA9-41B2-A387-D6E88AA64C27}"/>
-              </a:ext>
-            </a:extLst>
-          </p:cNvPr>
-          <p:cNvSpPr>
-            <a:spLocks noGrp="1"/>
-          </p:cNvSpPr>
-          <p:nvPr>
-            <p:ph type="title"/>
-          </p:nvPr>
-        </p:nvSpPr>
-        <p:spPr/>
-        <p:txBody>
-          <a:bodyPr/>
-          <a:lstStyle/>
-          <a:p>
-            <a:r>
-              <a:rPr lang="en-US" dirty="0"/>
-              <a:t>Choices</a:t>
-            </a:r>
-          </a:p>
-        </p:txBody>
-      </p:sp>
-      <p:sp>
-        <p:nvSpPr>
-          <p:cNvPr id="3" name="Content Placeholder 2">
-            <a:extLst>
-              <a:ext uri="{FF2B5EF4-FFF2-40B4-BE49-F238E27FC236}">
-                <a16:creationId xmlns:a16="http://schemas.microsoft.com/office/drawing/2014/main" id="{9A127FE1-A123-4F68-AD93-336CB79490E9}"/>
-              </a:ext>
-            </a:extLst>
-          </p:cNvPr>
-          <p:cNvSpPr>
-            <a:spLocks noGrp="1"/>
-          </p:cNvSpPr>
-          <p:nvPr>
-            <p:ph idx="1"/>
-          </p:nvPr>
-        </p:nvSpPr>
-        <p:spPr/>
-        <p:txBody>
-          <a:bodyPr anchor="t">
-            <a:normAutofit/>
-          </a:bodyPr>
-          <a:lstStyle/>
-          <a:p>
-            <a:pPr marL="0" indent="0">
-              <a:buNone/>
-            </a:pPr>
-            <a:r>
-              <a:rPr lang="en-US" sz="2800" dirty="0"/>
-              <a:t>What are Choices?</a:t>
-            </a:r>
-          </a:p>
-          <a:p>
-            <a:r>
-              <a:rPr lang="en-US" sz="2800" dirty="0"/>
-              <a:t>The list you want Personalizer to rank</a:t>
-            </a:r>
-          </a:p>
-          <a:p>
-            <a:r>
-              <a:rPr lang="en-US" sz="2800" dirty="0"/>
-              <a:t>E.g. music releases, books, magazines, rubber ducks, etc. etc.</a:t>
-            </a:r>
-          </a:p>
-          <a:p>
-            <a:endParaRPr lang="en-US" sz="2800" dirty="0"/>
-          </a:p>
-          <a:p>
-            <a:r>
-              <a:rPr lang="en-US" sz="2800" dirty="0"/>
-              <a:t>DON’T pass thousands of items (your whole product catalog)</a:t>
-            </a:r>
-          </a:p>
-          <a:p>
-            <a:r>
-              <a:rPr lang="en-US" sz="2800" dirty="0"/>
-              <a:t>Keep the list of choices short: 50 items or less</a:t>
-            </a:r>
-          </a:p>
-          <a:p>
-            <a:pPr lvl="1"/>
-            <a:r>
-              <a:rPr lang="en-US" sz="2000" dirty="0"/>
-              <a:t>Usability 101: humans process THREE things well. After five, we start to get overwhelmed.</a:t>
-            </a:r>
-          </a:p>
-          <a:p>
-            <a:endParaRPr lang="en-US" sz="2800" dirty="0"/>
-          </a:p>
-          <a:p>
-            <a:pPr marL="0" indent="0">
-              <a:buNone/>
-            </a:pPr>
-            <a:r>
-              <a:rPr lang="en-US" sz="2800" dirty="0"/>
-              <a:t>We’ll look at some Choices examples in the code shortly.</a:t>
-            </a:r>
-          </a:p>
-        </p:txBody>
-      </p:sp>
-    </p:spTree>
-    <p:extLst>
-      <p:ext uri="{BB962C8B-B14F-4D97-AF65-F5344CB8AC3E}">
-        <p14:creationId xmlns:p14="http://schemas.microsoft.com/office/powerpoint/2010/main" val="1555516857"/>
-      </p:ext>
-    </p:extLst>
-  </p:cSld>
-  <p:clrMapOvr>
-    <a:masterClrMapping/>
-  </p:clrMapOvr>
-  <mc:AlternateContent xmlns:mc="http://schemas.openxmlformats.org/markup-compatibility/2006" xmlns:p14="http://schemas.microsoft.com/office/powerpoint/2010/main">
-    <mc:Choice Requires="p14">
-      <p:transition spd="med" p14:dur="700">
-        <p:fade/>
-      </p:transition>
-    </mc:Choice>
-    <mc:Fallback xmlns="">
-      <p:transition spd="med">
-        <p:fade/>
-      </p:transition>
-    </mc:Fallback>
-  </mc:AlternateContent>
-</p:sld>
-</file>
-
-<file path=ppt/slides/slide15.xml><?xml version="1.0" encoding="utf-8"?>
-<p:sld xmlns:a="http://schemas.openxmlformats.org/drawingml/2006/main" xmlns:r="http://schemas.openxmlformats.org/officeDocument/2006/relationships" xmlns:p="http://schemas.openxmlformats.org/presentationml/2006/main">
-  <p:cSld>
-    <p:spTree>
-      <p:nvGrpSpPr>
-        <p:cNvPr id="1" name=""/>
-        <p:cNvGrpSpPr/>
-        <p:nvPr/>
-      </p:nvGrpSpPr>
-      <p:grpSpPr>
-        <a:xfrm>
-          <a:off x="0" y="0"/>
-          <a:ext cx="0" cy="0"/>
-          <a:chOff x="0" y="0"/>
-          <a:chExt cx="0" cy="0"/>
-        </a:xfrm>
-      </p:grpSpPr>
-      <p:sp>
-        <p:nvSpPr>
-          <p:cNvPr id="2" name="Title 1">
-            <a:extLst>
-              <a:ext uri="{FF2B5EF4-FFF2-40B4-BE49-F238E27FC236}">
-                <a16:creationId xmlns:a16="http://schemas.microsoft.com/office/drawing/2014/main" id="{62476AB5-2BA9-41B2-A387-D6E88AA64C27}"/>
-              </a:ext>
-            </a:extLst>
-          </p:cNvPr>
-          <p:cNvSpPr>
-            <a:spLocks noGrp="1"/>
-          </p:cNvSpPr>
-          <p:nvPr>
-            <p:ph type="title"/>
-          </p:nvPr>
-        </p:nvSpPr>
-        <p:spPr/>
-        <p:txBody>
-          <a:bodyPr/>
-          <a:lstStyle/>
-          <a:p>
-            <a:r>
-              <a:rPr lang="en-US" dirty="0"/>
-              <a:t>Feedback</a:t>
-            </a:r>
-          </a:p>
-        </p:txBody>
-      </p:sp>
-      <p:sp>
-        <p:nvSpPr>
-          <p:cNvPr id="3" name="Content Placeholder 2">
-            <a:extLst>
-              <a:ext uri="{FF2B5EF4-FFF2-40B4-BE49-F238E27FC236}">
-                <a16:creationId xmlns:a16="http://schemas.microsoft.com/office/drawing/2014/main" id="{9A127FE1-A123-4F68-AD93-336CB79490E9}"/>
-              </a:ext>
-            </a:extLst>
-          </p:cNvPr>
-          <p:cNvSpPr>
-            <a:spLocks noGrp="1"/>
-          </p:cNvSpPr>
-          <p:nvPr>
-            <p:ph idx="1"/>
-          </p:nvPr>
-        </p:nvSpPr>
-        <p:spPr/>
-        <p:txBody>
-          <a:bodyPr anchor="t">
-            <a:normAutofit/>
-          </a:bodyPr>
-          <a:lstStyle/>
-          <a:p>
-            <a:pPr marL="0" indent="0">
-              <a:buNone/>
-            </a:pPr>
-            <a:r>
-              <a:rPr lang="en-US" sz="2800" dirty="0"/>
-              <a:t>What is Feedback?</a:t>
-            </a:r>
-          </a:p>
-        </p:txBody>
-      </p:sp>
-    </p:spTree>
-    <p:extLst>
-      <p:ext uri="{BB962C8B-B14F-4D97-AF65-F5344CB8AC3E}">
-        <p14:creationId xmlns:p14="http://schemas.microsoft.com/office/powerpoint/2010/main" val="784463533"/>
-      </p:ext>
-    </p:extLst>
-  </p:cSld>
-  <p:clrMapOvr>
-    <a:masterClrMapping/>
-  </p:clrMapOvr>
-  <mc:AlternateContent xmlns:mc="http://schemas.openxmlformats.org/markup-compatibility/2006" xmlns:p14="http://schemas.microsoft.com/office/powerpoint/2010/main">
-    <mc:Choice Requires="p14">
-      <p:transition spd="med" p14:dur="700">
-        <p:fade/>
-      </p:transition>
-    </mc:Choice>
-    <mc:Fallback xmlns="">
-      <p:transition spd="med">
-        <p:fade/>
-      </p:transition>
-    </mc:Fallback>
-  </mc:AlternateContent>
+  <p:transition>
+    <p:fade/>
+  </p:transition>
 </p:sld>
 </file>
 
@@ -6560,7 +6283,12 @@
             <p:ph type="title"/>
           </p:nvPr>
         </p:nvSpPr>
-        <p:spPr/>
+        <p:spPr>
+          <a:xfrm>
+            <a:off x="69130" y="50718"/>
+            <a:ext cx="12053739" cy="726117"/>
+          </a:xfrm>
+        </p:spPr>
         <p:txBody>
           <a:bodyPr/>
           <a:lstStyle/>
@@ -6590,9 +6318,10 @@
         </p:nvSpPr>
         <p:spPr>
           <a:xfrm>
-            <a:off x="69130" y="1055802"/>
-            <a:ext cx="12053737" cy="5751480"/>
+            <a:off x="69129" y="2382983"/>
+            <a:ext cx="12053739" cy="4424299"/>
           </a:xfrm>
+          <a:noFill/>
         </p:spPr>
         <p:txBody>
           <a:bodyPr anchor="t">
@@ -6604,104 +6333,189 @@
               <a:buNone/>
             </a:pPr>
             <a:r>
-              <a:rPr lang="en-US" sz="2800" dirty="0"/>
-              <a:t>Show me </a:t>
-            </a:r>
-            <a:r>
-              <a:rPr lang="en-US" sz="2800" b="1" i="1" dirty="0"/>
-              <a:t>personalized</a:t>
-            </a:r>
-            <a:r>
-              <a:rPr lang="en-US" sz="2800" dirty="0"/>
-              <a:t> recommendations for what to do next</a:t>
-            </a:r>
-          </a:p>
-          <a:p>
+              <a:rPr lang="en-US" sz="2800" u="sng" dirty="0">
+                <a:solidFill>
+                  <a:schemeClr val="tx1"/>
+                </a:solidFill>
+              </a:rPr>
+              <a:t>Problems – HOW DO YOU…</a:t>
+            </a:r>
+          </a:p>
+          <a:p>
+            <a:pPr marL="514350" indent="-514350">
+              <a:buFont typeface="+mj-lt"/>
+              <a:buAutoNum type="arabicPeriod"/>
+            </a:pPr>
             <a:r>
               <a:rPr lang="en-US" sz="2800" dirty="0">
+                <a:solidFill>
+                  <a:schemeClr val="tx1"/>
+                </a:solidFill>
                 <a:sym typeface="Wingdings" panose="05000000000000000000" pitchFamily="2" charset="2"/>
               </a:rPr>
-              <a:t> </a:t>
-            </a:r>
-            <a:r>
-              <a:rPr lang="en-US" sz="2800" b="1" dirty="0">
+              <a:t>Know what’s relevant to me?</a:t>
+            </a:r>
+          </a:p>
+          <a:p>
+            <a:pPr marL="514350" indent="-514350">
+              <a:buFont typeface="+mj-lt"/>
+              <a:buAutoNum type="arabicPeriod"/>
+            </a:pPr>
+            <a:r>
+              <a:rPr lang="en-US" sz="2800" dirty="0">
+                <a:solidFill>
+                  <a:schemeClr val="tx1"/>
+                </a:solidFill>
                 <a:sym typeface="Wingdings" panose="05000000000000000000" pitchFamily="2" charset="2"/>
               </a:rPr>
-              <a:t>Buy</a:t>
-            </a:r>
+              <a:t>Keep up with changing demographics?</a:t>
+            </a:r>
+          </a:p>
+          <a:p>
+            <a:pPr marL="514350" indent="-514350">
+              <a:buFont typeface="+mj-lt"/>
+              <a:buAutoNum type="arabicPeriod"/>
+            </a:pPr>
             <a:r>
               <a:rPr lang="en-US" sz="2800" dirty="0">
+                <a:solidFill>
+                  <a:schemeClr val="tx1"/>
+                </a:solidFill>
                 <a:sym typeface="Wingdings" panose="05000000000000000000" pitchFamily="2" charset="2"/>
               </a:rPr>
-              <a:t> next, </a:t>
-            </a:r>
-            <a:r>
-              <a:rPr lang="en-US" sz="2800" b="1" dirty="0">
+              <a:t>Handle new customers/visitors?</a:t>
+            </a:r>
+          </a:p>
+          <a:p>
+            <a:pPr marL="514350" indent="-514350">
+              <a:buFont typeface="+mj-lt"/>
+              <a:buAutoNum type="arabicPeriod"/>
+            </a:pPr>
+            <a:r>
+              <a:rPr lang="en-US" sz="2800" dirty="0">
+                <a:solidFill>
+                  <a:schemeClr val="tx1"/>
+                </a:solidFill>
                 <a:sym typeface="Wingdings" panose="05000000000000000000" pitchFamily="2" charset="2"/>
               </a:rPr>
-              <a:t>read</a:t>
-            </a:r>
+              <a:t>Know how accurate your recommendations are?</a:t>
+            </a:r>
+          </a:p>
+          <a:p>
+            <a:pPr marL="514350" indent="-514350">
+              <a:buFont typeface="+mj-lt"/>
+              <a:buAutoNum type="arabicPeriod"/>
+            </a:pPr>
             <a:r>
               <a:rPr lang="en-US" sz="2800" dirty="0">
+                <a:solidFill>
+                  <a:schemeClr val="tx1"/>
+                </a:solidFill>
                 <a:sym typeface="Wingdings" panose="05000000000000000000" pitchFamily="2" charset="2"/>
               </a:rPr>
-              <a:t> next, where to </a:t>
-            </a:r>
-            <a:r>
-              <a:rPr lang="en-US" sz="2800" b="1" dirty="0">
+              <a:t>Create an algorithm with input: me and output: recommendations?</a:t>
+            </a:r>
+          </a:p>
+          <a:p>
+            <a:pPr marL="514350" indent="-514350">
+              <a:buFont typeface="+mj-lt"/>
+              <a:buAutoNum type="arabicPeriod"/>
+            </a:pPr>
+            <a:r>
+              <a:rPr lang="en-US" sz="2800" dirty="0">
+                <a:solidFill>
+                  <a:schemeClr val="tx1"/>
+                </a:solidFill>
                 <a:sym typeface="Wingdings" panose="05000000000000000000" pitchFamily="2" charset="2"/>
               </a:rPr>
-              <a:t>go</a:t>
-            </a:r>
+              <a:t>Get historical data to train/test an algorithm?</a:t>
+            </a:r>
+          </a:p>
+          <a:p>
+            <a:pPr marL="514350" indent="-514350">
+              <a:buFont typeface="+mj-lt"/>
+              <a:buAutoNum type="arabicPeriod"/>
+            </a:pPr>
             <a:r>
               <a:rPr lang="en-US" sz="2800" dirty="0">
+                <a:solidFill>
+                  <a:schemeClr val="tx1"/>
+                </a:solidFill>
                 <a:sym typeface="Wingdings" panose="05000000000000000000" pitchFamily="2" charset="2"/>
               </a:rPr>
-              <a:t> next, etc.</a:t>
-            </a:r>
-          </a:p>
-          <a:p>
-            <a:r>
-              <a:rPr lang="en-US" sz="2800" dirty="0">
+              <a:t>Deploy/maintain this and make it easy to integrate?</a:t>
+            </a:r>
+            <a:endParaRPr lang="en-US" sz="2800" dirty="0">
+              <a:solidFill>
+                <a:schemeClr val="tx1"/>
+              </a:solidFill>
+            </a:endParaRPr>
+          </a:p>
+        </p:txBody>
+      </p:sp>
+      <p:sp>
+        <p:nvSpPr>
+          <p:cNvPr id="7" name="TextBox 6">
+            <a:extLst>
+              <a:ext uri="{FF2B5EF4-FFF2-40B4-BE49-F238E27FC236}">
+                <a16:creationId xmlns:a16="http://schemas.microsoft.com/office/drawing/2014/main" id="{B7F24849-B8B9-4B2D-9EFC-AB4F82B09930}"/>
+              </a:ext>
+            </a:extLst>
+          </p:cNvPr>
+          <p:cNvSpPr txBox="1"/>
+          <p:nvPr/>
+        </p:nvSpPr>
+        <p:spPr>
+          <a:xfrm>
+            <a:off x="69130" y="825420"/>
+            <a:ext cx="12053738" cy="1280351"/>
+          </a:xfrm>
+          <a:prstGeom prst="rect">
+            <a:avLst/>
+          </a:prstGeom>
+          <a:noFill/>
+        </p:spPr>
+        <p:txBody>
+          <a:bodyPr wrap="square" lIns="182880" tIns="146304" rIns="182880" bIns="146304" rtlCol="0">
+            <a:spAutoFit/>
+          </a:bodyPr>
+          <a:lstStyle/>
+          <a:p>
+            <a:r>
+              <a:rPr lang="en-US" sz="3200" dirty="0">
+                <a:latin typeface="+mj-lt"/>
+                <a:cs typeface="Segoe UI" panose="020B0502040204020203" pitchFamily="34" charset="0"/>
+              </a:rPr>
+              <a:t>Show me </a:t>
+            </a:r>
+            <a:r>
+              <a:rPr lang="en-US" sz="3200" b="1" i="1" dirty="0">
+                <a:latin typeface="+mj-lt"/>
+                <a:cs typeface="Segoe UI" panose="020B0502040204020203" pitchFamily="34" charset="0"/>
+              </a:rPr>
+              <a:t>personalized</a:t>
+            </a:r>
+            <a:r>
+              <a:rPr lang="en-US" sz="3200" dirty="0">
+                <a:latin typeface="+mj-lt"/>
+                <a:cs typeface="Segoe UI" panose="020B0502040204020203" pitchFamily="34" charset="0"/>
+              </a:rPr>
+              <a:t> recommendations for what to do next</a:t>
+            </a:r>
+          </a:p>
+          <a:p>
+            <a:r>
+              <a:rPr lang="en-US" sz="3200" dirty="0">
+                <a:latin typeface="+mj-lt"/>
+                <a:cs typeface="Segoe UI" panose="020B0502040204020203" pitchFamily="34" charset="0"/>
                 <a:sym typeface="Wingdings" panose="05000000000000000000" pitchFamily="2" charset="2"/>
               </a:rPr>
-              <a:t> Relevant and compelling to </a:t>
-            </a:r>
-            <a:r>
-              <a:rPr lang="en-US" sz="2800" b="1" u="sng" dirty="0">
-                <a:sym typeface="Wingdings" panose="05000000000000000000" pitchFamily="2" charset="2"/>
-              </a:rPr>
-              <a:t>me</a:t>
-            </a:r>
-          </a:p>
-          <a:p>
-            <a:pPr marL="0" indent="0">
-              <a:buNone/>
-            </a:pPr>
-            <a:endParaRPr lang="en-US" sz="2800" dirty="0">
-              <a:sym typeface="Wingdings" panose="05000000000000000000" pitchFamily="2" charset="2"/>
+              <a:t> Personalized = relevant, compelling</a:t>
+            </a:r>
+            <a:endParaRPr lang="en-US" sz="3200" dirty="0">
+              <a:latin typeface="+mj-lt"/>
+              <a:cs typeface="Segoe UI" panose="020B0502040204020203" pitchFamily="34" charset="0"/>
             </a:endParaRPr>
-          </a:p>
-          <a:p>
-            <a:pPr marL="0" indent="0">
-              <a:buNone/>
-            </a:pPr>
-            <a:r>
-              <a:rPr lang="en-US" dirty="0"/>
-              <a:t>There are two main tasks here</a:t>
-            </a:r>
-          </a:p>
-          <a:p>
-            <a:r>
-              <a:rPr lang="en-US" dirty="0"/>
-              <a:t>Domain: make recommendations – and adjust to change ongoing</a:t>
-            </a:r>
-          </a:p>
-          <a:p>
-            <a:r>
-              <a:rPr lang="en-US" dirty="0"/>
-              <a:t>Operation: deploy, update, and integrate “the thing that makes recommendations”</a:t>
-            </a:r>
           </a:p>
         </p:txBody>
       </p:sp>
@@ -6727,6 +6541,842 @@
       </p:transition>
     </mc:Fallback>
   </mc:AlternateContent>
+  <p:timing>
+    <p:tnLst>
+      <p:par>
+        <p:cTn id="1" dur="indefinite" restart="never" nodeType="tmRoot">
+          <p:childTnLst>
+            <p:seq concurrent="1" nextAc="seek">
+              <p:cTn id="2" dur="indefinite" nodeType="mainSeq">
+                <p:childTnLst>
+                  <p:par>
+                    <p:cTn id="3" fill="hold">
+                      <p:stCondLst>
+                        <p:cond delay="indefinite"/>
+                      </p:stCondLst>
+                      <p:childTnLst>
+                        <p:par>
+                          <p:cTn id="4" fill="hold">
+                            <p:stCondLst>
+                              <p:cond delay="0"/>
+                            </p:stCondLst>
+                            <p:childTnLst>
+                              <p:par>
+                                <p:cTn id="5" presetID="2" presetClass="entr" presetSubtype="2" fill="hold" nodeType="clickEffect">
+                                  <p:stCondLst>
+                                    <p:cond delay="0"/>
+                                  </p:stCondLst>
+                                  <p:childTnLst>
+                                    <p:set>
+                                      <p:cBhvr>
+                                        <p:cTn id="6" dur="1" fill="hold">
+                                          <p:stCondLst>
+                                            <p:cond delay="0"/>
+                                          </p:stCondLst>
+                                        </p:cTn>
+                                        <p:tgtEl>
+                                          <p:spTgt spid="4">
+                                            <p:txEl>
+                                              <p:pRg st="0" end="0"/>
+                                            </p:txEl>
+                                          </p:spTgt>
+                                        </p:tgtEl>
+                                        <p:attrNameLst>
+                                          <p:attrName>style.visibility</p:attrName>
+                                        </p:attrNameLst>
+                                      </p:cBhvr>
+                                      <p:to>
+                                        <p:strVal val="visible"/>
+                                      </p:to>
+                                    </p:set>
+                                    <p:anim calcmode="lin" valueType="num">
+                                      <p:cBhvr additive="base">
+                                        <p:cTn id="7" dur="300" fill="hold"/>
+                                        <p:tgtEl>
+                                          <p:spTgt spid="4">
+                                            <p:txEl>
+                                              <p:pRg st="0" end="0"/>
+                                            </p:txEl>
+                                          </p:spTgt>
+                                        </p:tgtEl>
+                                        <p:attrNameLst>
+                                          <p:attrName>ppt_x</p:attrName>
+                                        </p:attrNameLst>
+                                      </p:cBhvr>
+                                      <p:tavLst>
+                                        <p:tav tm="0">
+                                          <p:val>
+                                            <p:strVal val="1+#ppt_w/2"/>
+                                          </p:val>
+                                        </p:tav>
+                                        <p:tav tm="100000">
+                                          <p:val>
+                                            <p:strVal val="#ppt_x"/>
+                                          </p:val>
+                                        </p:tav>
+                                      </p:tavLst>
+                                    </p:anim>
+                                    <p:anim calcmode="lin" valueType="num">
+                                      <p:cBhvr additive="base">
+                                        <p:cTn id="8" dur="300" fill="hold"/>
+                                        <p:tgtEl>
+                                          <p:spTgt spid="4">
+                                            <p:txEl>
+                                              <p:pRg st="0" end="0"/>
+                                            </p:txEl>
+                                          </p:spTgt>
+                                        </p:tgtEl>
+                                        <p:attrNameLst>
+                                          <p:attrName>ppt_y</p:attrName>
+                                        </p:attrNameLst>
+                                      </p:cBhvr>
+                                      <p:tavLst>
+                                        <p:tav tm="0">
+                                          <p:val>
+                                            <p:strVal val="#ppt_y"/>
+                                          </p:val>
+                                        </p:tav>
+                                        <p:tav tm="100000">
+                                          <p:val>
+                                            <p:strVal val="#ppt_y"/>
+                                          </p:val>
+                                        </p:tav>
+                                      </p:tavLst>
+                                    </p:anim>
+                                  </p:childTnLst>
+                                </p:cTn>
+                              </p:par>
+                              <p:par>
+                                <p:cTn id="9" presetID="2" presetClass="entr" presetSubtype="2" fill="hold" nodeType="withEffect">
+                                  <p:stCondLst>
+                                    <p:cond delay="0"/>
+                                  </p:stCondLst>
+                                  <p:childTnLst>
+                                    <p:set>
+                                      <p:cBhvr>
+                                        <p:cTn id="10" dur="1" fill="hold">
+                                          <p:stCondLst>
+                                            <p:cond delay="0"/>
+                                          </p:stCondLst>
+                                        </p:cTn>
+                                        <p:tgtEl>
+                                          <p:spTgt spid="4">
+                                            <p:txEl>
+                                              <p:pRg st="1" end="1"/>
+                                            </p:txEl>
+                                          </p:spTgt>
+                                        </p:tgtEl>
+                                        <p:attrNameLst>
+                                          <p:attrName>style.visibility</p:attrName>
+                                        </p:attrNameLst>
+                                      </p:cBhvr>
+                                      <p:to>
+                                        <p:strVal val="visible"/>
+                                      </p:to>
+                                    </p:set>
+                                    <p:anim calcmode="lin" valueType="num">
+                                      <p:cBhvr additive="base">
+                                        <p:cTn id="11" dur="300" fill="hold"/>
+                                        <p:tgtEl>
+                                          <p:spTgt spid="4">
+                                            <p:txEl>
+                                              <p:pRg st="1" end="1"/>
+                                            </p:txEl>
+                                          </p:spTgt>
+                                        </p:tgtEl>
+                                        <p:attrNameLst>
+                                          <p:attrName>ppt_x</p:attrName>
+                                        </p:attrNameLst>
+                                      </p:cBhvr>
+                                      <p:tavLst>
+                                        <p:tav tm="0">
+                                          <p:val>
+                                            <p:strVal val="1+#ppt_w/2"/>
+                                          </p:val>
+                                        </p:tav>
+                                        <p:tav tm="100000">
+                                          <p:val>
+                                            <p:strVal val="#ppt_x"/>
+                                          </p:val>
+                                        </p:tav>
+                                      </p:tavLst>
+                                    </p:anim>
+                                    <p:anim calcmode="lin" valueType="num">
+                                      <p:cBhvr additive="base">
+                                        <p:cTn id="12" dur="300" fill="hold"/>
+                                        <p:tgtEl>
+                                          <p:spTgt spid="4">
+                                            <p:txEl>
+                                              <p:pRg st="1" end="1"/>
+                                            </p:txEl>
+                                          </p:spTgt>
+                                        </p:tgtEl>
+                                        <p:attrNameLst>
+                                          <p:attrName>ppt_y</p:attrName>
+                                        </p:attrNameLst>
+                                      </p:cBhvr>
+                                      <p:tavLst>
+                                        <p:tav tm="0">
+                                          <p:val>
+                                            <p:strVal val="#ppt_y"/>
+                                          </p:val>
+                                        </p:tav>
+                                        <p:tav tm="100000">
+                                          <p:val>
+                                            <p:strVal val="#ppt_y"/>
+                                          </p:val>
+                                        </p:tav>
+                                      </p:tavLst>
+                                    </p:anim>
+                                  </p:childTnLst>
+                                </p:cTn>
+                              </p:par>
+                            </p:childTnLst>
+                          </p:cTn>
+                        </p:par>
+                      </p:childTnLst>
+                    </p:cTn>
+                  </p:par>
+                  <p:par>
+                    <p:cTn id="13" fill="hold">
+                      <p:stCondLst>
+                        <p:cond delay="indefinite"/>
+                      </p:stCondLst>
+                      <p:childTnLst>
+                        <p:par>
+                          <p:cTn id="14" fill="hold">
+                            <p:stCondLst>
+                              <p:cond delay="0"/>
+                            </p:stCondLst>
+                            <p:childTnLst>
+                              <p:par>
+                                <p:cTn id="15" presetID="2" presetClass="entr" presetSubtype="2" fill="hold" nodeType="clickEffect">
+                                  <p:stCondLst>
+                                    <p:cond delay="0"/>
+                                  </p:stCondLst>
+                                  <p:childTnLst>
+                                    <p:set>
+                                      <p:cBhvr>
+                                        <p:cTn id="16" dur="1" fill="hold">
+                                          <p:stCondLst>
+                                            <p:cond delay="0"/>
+                                          </p:stCondLst>
+                                        </p:cTn>
+                                        <p:tgtEl>
+                                          <p:spTgt spid="4">
+                                            <p:txEl>
+                                              <p:pRg st="2" end="2"/>
+                                            </p:txEl>
+                                          </p:spTgt>
+                                        </p:tgtEl>
+                                        <p:attrNameLst>
+                                          <p:attrName>style.visibility</p:attrName>
+                                        </p:attrNameLst>
+                                      </p:cBhvr>
+                                      <p:to>
+                                        <p:strVal val="visible"/>
+                                      </p:to>
+                                    </p:set>
+                                    <p:anim calcmode="lin" valueType="num">
+                                      <p:cBhvr additive="base">
+                                        <p:cTn id="17" dur="300" fill="hold"/>
+                                        <p:tgtEl>
+                                          <p:spTgt spid="4">
+                                            <p:txEl>
+                                              <p:pRg st="2" end="2"/>
+                                            </p:txEl>
+                                          </p:spTgt>
+                                        </p:tgtEl>
+                                        <p:attrNameLst>
+                                          <p:attrName>ppt_x</p:attrName>
+                                        </p:attrNameLst>
+                                      </p:cBhvr>
+                                      <p:tavLst>
+                                        <p:tav tm="0">
+                                          <p:val>
+                                            <p:strVal val="1+#ppt_w/2"/>
+                                          </p:val>
+                                        </p:tav>
+                                        <p:tav tm="100000">
+                                          <p:val>
+                                            <p:strVal val="#ppt_x"/>
+                                          </p:val>
+                                        </p:tav>
+                                      </p:tavLst>
+                                    </p:anim>
+                                    <p:anim calcmode="lin" valueType="num">
+                                      <p:cBhvr additive="base">
+                                        <p:cTn id="18" dur="300" fill="hold"/>
+                                        <p:tgtEl>
+                                          <p:spTgt spid="4">
+                                            <p:txEl>
+                                              <p:pRg st="2" end="2"/>
+                                            </p:txEl>
+                                          </p:spTgt>
+                                        </p:tgtEl>
+                                        <p:attrNameLst>
+                                          <p:attrName>ppt_y</p:attrName>
+                                        </p:attrNameLst>
+                                      </p:cBhvr>
+                                      <p:tavLst>
+                                        <p:tav tm="0">
+                                          <p:val>
+                                            <p:strVal val="#ppt_y"/>
+                                          </p:val>
+                                        </p:tav>
+                                        <p:tav tm="100000">
+                                          <p:val>
+                                            <p:strVal val="#ppt_y"/>
+                                          </p:val>
+                                        </p:tav>
+                                      </p:tavLst>
+                                    </p:anim>
+                                  </p:childTnLst>
+                                </p:cTn>
+                              </p:par>
+                            </p:childTnLst>
+                          </p:cTn>
+                        </p:par>
+                      </p:childTnLst>
+                    </p:cTn>
+                  </p:par>
+                  <p:par>
+                    <p:cTn id="19" fill="hold">
+                      <p:stCondLst>
+                        <p:cond delay="indefinite"/>
+                      </p:stCondLst>
+                      <p:childTnLst>
+                        <p:par>
+                          <p:cTn id="20" fill="hold">
+                            <p:stCondLst>
+                              <p:cond delay="0"/>
+                            </p:stCondLst>
+                            <p:childTnLst>
+                              <p:par>
+                                <p:cTn id="21" presetID="2" presetClass="entr" presetSubtype="2" fill="hold" nodeType="clickEffect">
+                                  <p:stCondLst>
+                                    <p:cond delay="0"/>
+                                  </p:stCondLst>
+                                  <p:childTnLst>
+                                    <p:set>
+                                      <p:cBhvr>
+                                        <p:cTn id="22" dur="1" fill="hold">
+                                          <p:stCondLst>
+                                            <p:cond delay="0"/>
+                                          </p:stCondLst>
+                                        </p:cTn>
+                                        <p:tgtEl>
+                                          <p:spTgt spid="4">
+                                            <p:txEl>
+                                              <p:pRg st="3" end="3"/>
+                                            </p:txEl>
+                                          </p:spTgt>
+                                        </p:tgtEl>
+                                        <p:attrNameLst>
+                                          <p:attrName>style.visibility</p:attrName>
+                                        </p:attrNameLst>
+                                      </p:cBhvr>
+                                      <p:to>
+                                        <p:strVal val="visible"/>
+                                      </p:to>
+                                    </p:set>
+                                    <p:anim calcmode="lin" valueType="num">
+                                      <p:cBhvr additive="base">
+                                        <p:cTn id="23" dur="300" fill="hold"/>
+                                        <p:tgtEl>
+                                          <p:spTgt spid="4">
+                                            <p:txEl>
+                                              <p:pRg st="3" end="3"/>
+                                            </p:txEl>
+                                          </p:spTgt>
+                                        </p:tgtEl>
+                                        <p:attrNameLst>
+                                          <p:attrName>ppt_x</p:attrName>
+                                        </p:attrNameLst>
+                                      </p:cBhvr>
+                                      <p:tavLst>
+                                        <p:tav tm="0">
+                                          <p:val>
+                                            <p:strVal val="1+#ppt_w/2"/>
+                                          </p:val>
+                                        </p:tav>
+                                        <p:tav tm="100000">
+                                          <p:val>
+                                            <p:strVal val="#ppt_x"/>
+                                          </p:val>
+                                        </p:tav>
+                                      </p:tavLst>
+                                    </p:anim>
+                                    <p:anim calcmode="lin" valueType="num">
+                                      <p:cBhvr additive="base">
+                                        <p:cTn id="24" dur="300" fill="hold"/>
+                                        <p:tgtEl>
+                                          <p:spTgt spid="4">
+                                            <p:txEl>
+                                              <p:pRg st="3" end="3"/>
+                                            </p:txEl>
+                                          </p:spTgt>
+                                        </p:tgtEl>
+                                        <p:attrNameLst>
+                                          <p:attrName>ppt_y</p:attrName>
+                                        </p:attrNameLst>
+                                      </p:cBhvr>
+                                      <p:tavLst>
+                                        <p:tav tm="0">
+                                          <p:val>
+                                            <p:strVal val="#ppt_y"/>
+                                          </p:val>
+                                        </p:tav>
+                                        <p:tav tm="100000">
+                                          <p:val>
+                                            <p:strVal val="#ppt_y"/>
+                                          </p:val>
+                                        </p:tav>
+                                      </p:tavLst>
+                                    </p:anim>
+                                  </p:childTnLst>
+                                </p:cTn>
+                              </p:par>
+                            </p:childTnLst>
+                          </p:cTn>
+                        </p:par>
+                      </p:childTnLst>
+                    </p:cTn>
+                  </p:par>
+                  <p:par>
+                    <p:cTn id="25" fill="hold">
+                      <p:stCondLst>
+                        <p:cond delay="indefinite"/>
+                      </p:stCondLst>
+                      <p:childTnLst>
+                        <p:par>
+                          <p:cTn id="26" fill="hold">
+                            <p:stCondLst>
+                              <p:cond delay="0"/>
+                            </p:stCondLst>
+                            <p:childTnLst>
+                              <p:par>
+                                <p:cTn id="27" presetID="2" presetClass="entr" presetSubtype="2" fill="hold" nodeType="clickEffect">
+                                  <p:stCondLst>
+                                    <p:cond delay="0"/>
+                                  </p:stCondLst>
+                                  <p:childTnLst>
+                                    <p:set>
+                                      <p:cBhvr>
+                                        <p:cTn id="28" dur="1" fill="hold">
+                                          <p:stCondLst>
+                                            <p:cond delay="0"/>
+                                          </p:stCondLst>
+                                        </p:cTn>
+                                        <p:tgtEl>
+                                          <p:spTgt spid="4">
+                                            <p:txEl>
+                                              <p:pRg st="4" end="4"/>
+                                            </p:txEl>
+                                          </p:spTgt>
+                                        </p:tgtEl>
+                                        <p:attrNameLst>
+                                          <p:attrName>style.visibility</p:attrName>
+                                        </p:attrNameLst>
+                                      </p:cBhvr>
+                                      <p:to>
+                                        <p:strVal val="visible"/>
+                                      </p:to>
+                                    </p:set>
+                                    <p:anim calcmode="lin" valueType="num">
+                                      <p:cBhvr additive="base">
+                                        <p:cTn id="29" dur="300" fill="hold"/>
+                                        <p:tgtEl>
+                                          <p:spTgt spid="4">
+                                            <p:txEl>
+                                              <p:pRg st="4" end="4"/>
+                                            </p:txEl>
+                                          </p:spTgt>
+                                        </p:tgtEl>
+                                        <p:attrNameLst>
+                                          <p:attrName>ppt_x</p:attrName>
+                                        </p:attrNameLst>
+                                      </p:cBhvr>
+                                      <p:tavLst>
+                                        <p:tav tm="0">
+                                          <p:val>
+                                            <p:strVal val="1+#ppt_w/2"/>
+                                          </p:val>
+                                        </p:tav>
+                                        <p:tav tm="100000">
+                                          <p:val>
+                                            <p:strVal val="#ppt_x"/>
+                                          </p:val>
+                                        </p:tav>
+                                      </p:tavLst>
+                                    </p:anim>
+                                    <p:anim calcmode="lin" valueType="num">
+                                      <p:cBhvr additive="base">
+                                        <p:cTn id="30" dur="300" fill="hold"/>
+                                        <p:tgtEl>
+                                          <p:spTgt spid="4">
+                                            <p:txEl>
+                                              <p:pRg st="4" end="4"/>
+                                            </p:txEl>
+                                          </p:spTgt>
+                                        </p:tgtEl>
+                                        <p:attrNameLst>
+                                          <p:attrName>ppt_y</p:attrName>
+                                        </p:attrNameLst>
+                                      </p:cBhvr>
+                                      <p:tavLst>
+                                        <p:tav tm="0">
+                                          <p:val>
+                                            <p:strVal val="#ppt_y"/>
+                                          </p:val>
+                                        </p:tav>
+                                        <p:tav tm="100000">
+                                          <p:val>
+                                            <p:strVal val="#ppt_y"/>
+                                          </p:val>
+                                        </p:tav>
+                                      </p:tavLst>
+                                    </p:anim>
+                                  </p:childTnLst>
+                                </p:cTn>
+                              </p:par>
+                            </p:childTnLst>
+                          </p:cTn>
+                        </p:par>
+                      </p:childTnLst>
+                    </p:cTn>
+                  </p:par>
+                  <p:par>
+                    <p:cTn id="31" fill="hold">
+                      <p:stCondLst>
+                        <p:cond delay="indefinite"/>
+                      </p:stCondLst>
+                      <p:childTnLst>
+                        <p:par>
+                          <p:cTn id="32" fill="hold">
+                            <p:stCondLst>
+                              <p:cond delay="0"/>
+                            </p:stCondLst>
+                            <p:childTnLst>
+                              <p:par>
+                                <p:cTn id="33" presetID="2" presetClass="entr" presetSubtype="2" fill="hold" nodeType="clickEffect">
+                                  <p:stCondLst>
+                                    <p:cond delay="0"/>
+                                  </p:stCondLst>
+                                  <p:childTnLst>
+                                    <p:set>
+                                      <p:cBhvr>
+                                        <p:cTn id="34" dur="1" fill="hold">
+                                          <p:stCondLst>
+                                            <p:cond delay="0"/>
+                                          </p:stCondLst>
+                                        </p:cTn>
+                                        <p:tgtEl>
+                                          <p:spTgt spid="4">
+                                            <p:txEl>
+                                              <p:pRg st="5" end="5"/>
+                                            </p:txEl>
+                                          </p:spTgt>
+                                        </p:tgtEl>
+                                        <p:attrNameLst>
+                                          <p:attrName>style.visibility</p:attrName>
+                                        </p:attrNameLst>
+                                      </p:cBhvr>
+                                      <p:to>
+                                        <p:strVal val="visible"/>
+                                      </p:to>
+                                    </p:set>
+                                    <p:anim calcmode="lin" valueType="num">
+                                      <p:cBhvr additive="base">
+                                        <p:cTn id="35" dur="300" fill="hold"/>
+                                        <p:tgtEl>
+                                          <p:spTgt spid="4">
+                                            <p:txEl>
+                                              <p:pRg st="5" end="5"/>
+                                            </p:txEl>
+                                          </p:spTgt>
+                                        </p:tgtEl>
+                                        <p:attrNameLst>
+                                          <p:attrName>ppt_x</p:attrName>
+                                        </p:attrNameLst>
+                                      </p:cBhvr>
+                                      <p:tavLst>
+                                        <p:tav tm="0">
+                                          <p:val>
+                                            <p:strVal val="1+#ppt_w/2"/>
+                                          </p:val>
+                                        </p:tav>
+                                        <p:tav tm="100000">
+                                          <p:val>
+                                            <p:strVal val="#ppt_x"/>
+                                          </p:val>
+                                        </p:tav>
+                                      </p:tavLst>
+                                    </p:anim>
+                                    <p:anim calcmode="lin" valueType="num">
+                                      <p:cBhvr additive="base">
+                                        <p:cTn id="36" dur="300" fill="hold"/>
+                                        <p:tgtEl>
+                                          <p:spTgt spid="4">
+                                            <p:txEl>
+                                              <p:pRg st="5" end="5"/>
+                                            </p:txEl>
+                                          </p:spTgt>
+                                        </p:tgtEl>
+                                        <p:attrNameLst>
+                                          <p:attrName>ppt_y</p:attrName>
+                                        </p:attrNameLst>
+                                      </p:cBhvr>
+                                      <p:tavLst>
+                                        <p:tav tm="0">
+                                          <p:val>
+                                            <p:strVal val="#ppt_y"/>
+                                          </p:val>
+                                        </p:tav>
+                                        <p:tav tm="100000">
+                                          <p:val>
+                                            <p:strVal val="#ppt_y"/>
+                                          </p:val>
+                                        </p:tav>
+                                      </p:tavLst>
+                                    </p:anim>
+                                  </p:childTnLst>
+                                </p:cTn>
+                              </p:par>
+                            </p:childTnLst>
+                          </p:cTn>
+                        </p:par>
+                      </p:childTnLst>
+                    </p:cTn>
+                  </p:par>
+                  <p:par>
+                    <p:cTn id="37" fill="hold">
+                      <p:stCondLst>
+                        <p:cond delay="indefinite"/>
+                      </p:stCondLst>
+                      <p:childTnLst>
+                        <p:par>
+                          <p:cTn id="38" fill="hold">
+                            <p:stCondLst>
+                              <p:cond delay="0"/>
+                            </p:stCondLst>
+                            <p:childTnLst>
+                              <p:par>
+                                <p:cTn id="39" presetID="2" presetClass="entr" presetSubtype="2" fill="hold" nodeType="clickEffect">
+                                  <p:stCondLst>
+                                    <p:cond delay="0"/>
+                                  </p:stCondLst>
+                                  <p:childTnLst>
+                                    <p:set>
+                                      <p:cBhvr>
+                                        <p:cTn id="40" dur="1" fill="hold">
+                                          <p:stCondLst>
+                                            <p:cond delay="0"/>
+                                          </p:stCondLst>
+                                        </p:cTn>
+                                        <p:tgtEl>
+                                          <p:spTgt spid="4">
+                                            <p:txEl>
+                                              <p:pRg st="6" end="6"/>
+                                            </p:txEl>
+                                          </p:spTgt>
+                                        </p:tgtEl>
+                                        <p:attrNameLst>
+                                          <p:attrName>style.visibility</p:attrName>
+                                        </p:attrNameLst>
+                                      </p:cBhvr>
+                                      <p:to>
+                                        <p:strVal val="visible"/>
+                                      </p:to>
+                                    </p:set>
+                                    <p:anim calcmode="lin" valueType="num">
+                                      <p:cBhvr additive="base">
+                                        <p:cTn id="41" dur="300" fill="hold"/>
+                                        <p:tgtEl>
+                                          <p:spTgt spid="4">
+                                            <p:txEl>
+                                              <p:pRg st="6" end="6"/>
+                                            </p:txEl>
+                                          </p:spTgt>
+                                        </p:tgtEl>
+                                        <p:attrNameLst>
+                                          <p:attrName>ppt_x</p:attrName>
+                                        </p:attrNameLst>
+                                      </p:cBhvr>
+                                      <p:tavLst>
+                                        <p:tav tm="0">
+                                          <p:val>
+                                            <p:strVal val="1+#ppt_w/2"/>
+                                          </p:val>
+                                        </p:tav>
+                                        <p:tav tm="100000">
+                                          <p:val>
+                                            <p:strVal val="#ppt_x"/>
+                                          </p:val>
+                                        </p:tav>
+                                      </p:tavLst>
+                                    </p:anim>
+                                    <p:anim calcmode="lin" valueType="num">
+                                      <p:cBhvr additive="base">
+                                        <p:cTn id="42" dur="300" fill="hold"/>
+                                        <p:tgtEl>
+                                          <p:spTgt spid="4">
+                                            <p:txEl>
+                                              <p:pRg st="6" end="6"/>
+                                            </p:txEl>
+                                          </p:spTgt>
+                                        </p:tgtEl>
+                                        <p:attrNameLst>
+                                          <p:attrName>ppt_y</p:attrName>
+                                        </p:attrNameLst>
+                                      </p:cBhvr>
+                                      <p:tavLst>
+                                        <p:tav tm="0">
+                                          <p:val>
+                                            <p:strVal val="#ppt_y"/>
+                                          </p:val>
+                                        </p:tav>
+                                        <p:tav tm="100000">
+                                          <p:val>
+                                            <p:strVal val="#ppt_y"/>
+                                          </p:val>
+                                        </p:tav>
+                                      </p:tavLst>
+                                    </p:anim>
+                                  </p:childTnLst>
+                                </p:cTn>
+                              </p:par>
+                            </p:childTnLst>
+                          </p:cTn>
+                        </p:par>
+                      </p:childTnLst>
+                    </p:cTn>
+                  </p:par>
+                  <p:par>
+                    <p:cTn id="43" fill="hold">
+                      <p:stCondLst>
+                        <p:cond delay="indefinite"/>
+                      </p:stCondLst>
+                      <p:childTnLst>
+                        <p:par>
+                          <p:cTn id="44" fill="hold">
+                            <p:stCondLst>
+                              <p:cond delay="0"/>
+                            </p:stCondLst>
+                            <p:childTnLst>
+                              <p:par>
+                                <p:cTn id="45" presetID="2" presetClass="entr" presetSubtype="2" fill="hold" nodeType="clickEffect">
+                                  <p:stCondLst>
+                                    <p:cond delay="0"/>
+                                  </p:stCondLst>
+                                  <p:childTnLst>
+                                    <p:set>
+                                      <p:cBhvr>
+                                        <p:cTn id="46" dur="1" fill="hold">
+                                          <p:stCondLst>
+                                            <p:cond delay="0"/>
+                                          </p:stCondLst>
+                                        </p:cTn>
+                                        <p:tgtEl>
+                                          <p:spTgt spid="4">
+                                            <p:txEl>
+                                              <p:pRg st="7" end="7"/>
+                                            </p:txEl>
+                                          </p:spTgt>
+                                        </p:tgtEl>
+                                        <p:attrNameLst>
+                                          <p:attrName>style.visibility</p:attrName>
+                                        </p:attrNameLst>
+                                      </p:cBhvr>
+                                      <p:to>
+                                        <p:strVal val="visible"/>
+                                      </p:to>
+                                    </p:set>
+                                    <p:anim calcmode="lin" valueType="num">
+                                      <p:cBhvr additive="base">
+                                        <p:cTn id="47" dur="300" fill="hold"/>
+                                        <p:tgtEl>
+                                          <p:spTgt spid="4">
+                                            <p:txEl>
+                                              <p:pRg st="7" end="7"/>
+                                            </p:txEl>
+                                          </p:spTgt>
+                                        </p:tgtEl>
+                                        <p:attrNameLst>
+                                          <p:attrName>ppt_x</p:attrName>
+                                        </p:attrNameLst>
+                                      </p:cBhvr>
+                                      <p:tavLst>
+                                        <p:tav tm="0">
+                                          <p:val>
+                                            <p:strVal val="1+#ppt_w/2"/>
+                                          </p:val>
+                                        </p:tav>
+                                        <p:tav tm="100000">
+                                          <p:val>
+                                            <p:strVal val="#ppt_x"/>
+                                          </p:val>
+                                        </p:tav>
+                                      </p:tavLst>
+                                    </p:anim>
+                                    <p:anim calcmode="lin" valueType="num">
+                                      <p:cBhvr additive="base">
+                                        <p:cTn id="48" dur="300" fill="hold"/>
+                                        <p:tgtEl>
+                                          <p:spTgt spid="4">
+                                            <p:txEl>
+                                              <p:pRg st="7" end="7"/>
+                                            </p:txEl>
+                                          </p:spTgt>
+                                        </p:tgtEl>
+                                        <p:attrNameLst>
+                                          <p:attrName>ppt_y</p:attrName>
+                                        </p:attrNameLst>
+                                      </p:cBhvr>
+                                      <p:tavLst>
+                                        <p:tav tm="0">
+                                          <p:val>
+                                            <p:strVal val="#ppt_y"/>
+                                          </p:val>
+                                        </p:tav>
+                                        <p:tav tm="100000">
+                                          <p:val>
+                                            <p:strVal val="#ppt_y"/>
+                                          </p:val>
+                                        </p:tav>
+                                      </p:tavLst>
+                                    </p:anim>
+                                  </p:childTnLst>
+                                </p:cTn>
+                              </p:par>
+                            </p:childTnLst>
+                          </p:cTn>
+                        </p:par>
+                      </p:childTnLst>
+                    </p:cTn>
+                  </p:par>
+                </p:childTnLst>
+              </p:cTn>
+              <p:prevCondLst>
+                <p:cond evt="onPrev" delay="0">
+                  <p:tgtEl>
+                    <p:sldTgt/>
+                  </p:tgtEl>
+                </p:cond>
+              </p:prevCondLst>
+              <p:nextCondLst>
+                <p:cond evt="onNext" delay="0">
+                  <p:tgtEl>
+                    <p:sldTgt/>
+                  </p:tgtEl>
+                </p:cond>
+              </p:nextCondLst>
+            </p:seq>
+          </p:childTnLst>
+        </p:cTn>
+      </p:par>
+    </p:tnLst>
+  </p:timing>
 </p:sld>
 </file>
 
@@ -6770,7 +7420,7 @@
           <a:p>
             <a:r>
               <a:rPr lang="en-US" dirty="0"/>
-              <a:t>Problems</a:t>
+              <a:t>Azure AI Cognitive Service: Personalizer</a:t>
             </a:r>
           </a:p>
         </p:txBody>
@@ -6793,62 +7443,140 @@
         </p:nvSpPr>
         <p:spPr/>
         <p:txBody>
-          <a:bodyPr anchor="t"/>
+          <a:bodyPr anchor="t">
+            <a:normAutofit lnSpcReduction="10000"/>
+          </a:bodyPr>
           <a:lstStyle/>
           <a:p>
             <a:r>
               <a:rPr lang="en-US" dirty="0">
-                <a:sym typeface="Wingdings" panose="05000000000000000000" pitchFamily="2" charset="2"/>
+                <a:hlinkClick r:id="rId3"/>
               </a:rPr>
-              <a:t>How do you know what’s relevant to me?</a:t>
-            </a:r>
-          </a:p>
-          <a:p>
+              <a:t>Docs</a:t>
+            </a:r>
+            <a:r>
+              <a:rPr lang="en-US" dirty="0"/>
+              <a:t>, </a:t>
+            </a:r>
             <a:r>
               <a:rPr lang="en-US" dirty="0">
-                <a:sym typeface="Wingdings" panose="05000000000000000000" pitchFamily="2" charset="2"/>
+                <a:hlinkClick r:id="rId4"/>
               </a:rPr>
-              <a:t>How do you keep up with changing demographics?</a:t>
-            </a:r>
-          </a:p>
-          <a:p>
-            <a:r>
-              <a:rPr lang="en-US" dirty="0">
-                <a:sym typeface="Wingdings" panose="05000000000000000000" pitchFamily="2" charset="2"/>
-              </a:rPr>
-              <a:t>How do you handle new customers/visitors?</a:t>
-            </a:r>
-          </a:p>
-          <a:p>
-            <a:r>
-              <a:rPr lang="en-US" dirty="0">
-                <a:sym typeface="Wingdings" panose="05000000000000000000" pitchFamily="2" charset="2"/>
-              </a:rPr>
-              <a:t>How do you know how accurate your recommendations are?</a:t>
-            </a:r>
-          </a:p>
-          <a:p>
-            <a:r>
-              <a:rPr lang="en-US" dirty="0">
-                <a:sym typeface="Wingdings" panose="05000000000000000000" pitchFamily="2" charset="2"/>
-              </a:rPr>
-              <a:t>How to create an algorithm with input: me and output: recommendations?</a:t>
-            </a:r>
-          </a:p>
-          <a:p>
-            <a:r>
-              <a:rPr lang="en-US" dirty="0">
-                <a:sym typeface="Wingdings" panose="05000000000000000000" pitchFamily="2" charset="2"/>
-              </a:rPr>
-              <a:t>Where do you get historical data to train/test an algorithm?</a:t>
-            </a:r>
-          </a:p>
-          <a:p>
-            <a:r>
-              <a:rPr lang="en-US" dirty="0">
-                <a:sym typeface="Wingdings" panose="05000000000000000000" pitchFamily="2" charset="2"/>
-              </a:rPr>
-              <a:t>How to deploy/maintain this and make it easy to integrate?</a:t>
+              <a:t>API Reference</a:t>
+            </a:r>
+            <a:endParaRPr lang="en-US" dirty="0"/>
+          </a:p>
+          <a:p>
+            <a:r>
+              <a:rPr lang="en-US" dirty="0"/>
+              <a:t>REST API + SDKs (.NET, Go, Node, Python)</a:t>
+            </a:r>
+          </a:p>
+          <a:p>
+            <a:pPr marL="0" indent="0">
+              <a:buNone/>
+            </a:pPr>
+            <a:endParaRPr lang="en-US" dirty="0"/>
+          </a:p>
+          <a:p>
+            <a:pPr marL="0" indent="0">
+              <a:buNone/>
+            </a:pPr>
+            <a:r>
+              <a:rPr lang="en-US" dirty="0"/>
+              <a:t>How does it work?</a:t>
+            </a:r>
+          </a:p>
+          <a:p>
+            <a:pPr marL="514350" indent="-514350">
+              <a:buFont typeface="+mj-lt"/>
+              <a:buAutoNum type="arabicPeriod"/>
+            </a:pPr>
+            <a:r>
+              <a:rPr lang="en-US" dirty="0"/>
+              <a:t>You pass a </a:t>
+            </a:r>
+            <a:r>
+              <a:rPr lang="en-US" i="1" dirty="0"/>
+              <a:t>context</a:t>
+            </a:r>
+            <a:r>
+              <a:rPr lang="en-US" dirty="0"/>
+              <a:t> and </a:t>
+            </a:r>
+            <a:r>
+              <a:rPr lang="en-US" i="1" dirty="0"/>
+              <a:t>choices</a:t>
+            </a:r>
+            <a:r>
+              <a:rPr lang="en-US" dirty="0"/>
+              <a:t> to the API</a:t>
+            </a:r>
+          </a:p>
+          <a:p>
+            <a:pPr marL="514350" indent="-514350">
+              <a:buFont typeface="+mj-lt"/>
+              <a:buAutoNum type="arabicPeriod"/>
+            </a:pPr>
+            <a:r>
+              <a:rPr lang="en-US" dirty="0"/>
+              <a:t>API returns your choices, </a:t>
+            </a:r>
+            <a:r>
+              <a:rPr lang="en-US" i="1" dirty="0"/>
+              <a:t>ranked</a:t>
+            </a:r>
+            <a:r>
+              <a:rPr lang="en-US" dirty="0"/>
+              <a:t> by contextual relevance</a:t>
+            </a:r>
+          </a:p>
+          <a:p>
+            <a:pPr marL="514350" indent="-514350">
+              <a:buFont typeface="+mj-lt"/>
+              <a:buAutoNum type="arabicPeriod"/>
+            </a:pPr>
+            <a:r>
+              <a:rPr lang="en-US" dirty="0"/>
+              <a:t>You present the ranked choices to your user</a:t>
+            </a:r>
+          </a:p>
+          <a:p>
+            <a:pPr marL="514350" indent="-514350">
+              <a:buFont typeface="+mj-lt"/>
+              <a:buAutoNum type="arabicPeriod"/>
+            </a:pPr>
+            <a:r>
+              <a:rPr lang="en-US" dirty="0"/>
+              <a:t>You watch what the user does with the choices</a:t>
+            </a:r>
+          </a:p>
+          <a:p>
+            <a:pPr marL="514350" indent="-514350">
+              <a:buFont typeface="+mj-lt"/>
+              <a:buAutoNum type="arabicPeriod"/>
+            </a:pPr>
+            <a:r>
+              <a:rPr lang="en-US" dirty="0"/>
+              <a:t>Based on the user’s action, you send </a:t>
+            </a:r>
+            <a:r>
+              <a:rPr lang="en-US" i="1" dirty="0"/>
+              <a:t>feedback</a:t>
+            </a:r>
+            <a:r>
+              <a:rPr lang="en-US" dirty="0"/>
+              <a:t> to the API</a:t>
+            </a:r>
+          </a:p>
+          <a:p>
+            <a:pPr marL="514350" indent="-514350">
+              <a:buFont typeface="+mj-lt"/>
+              <a:buAutoNum type="arabicPeriod"/>
+            </a:pPr>
+            <a:r>
+              <a:rPr lang="en-US" dirty="0"/>
+              <a:t>The API learns from your feedback and improves ongoing</a:t>
             </a:r>
           </a:p>
         </p:txBody>
@@ -6856,7 +7584,7 @@
     </p:spTree>
     <p:extLst>
       <p:ext uri="{BB962C8B-B14F-4D97-AF65-F5344CB8AC3E}">
-        <p14:creationId xmlns:p14="http://schemas.microsoft.com/office/powerpoint/2010/main" val="1755932002"/>
+        <p14:creationId xmlns:p14="http://schemas.microsoft.com/office/powerpoint/2010/main" val="1881944503"/>
       </p:ext>
     </p:extLst>
   </p:cSld>
@@ -6895,159 +7623,49 @@
           <a:chExt cx="0" cy="0"/>
         </a:xfrm>
       </p:grpSpPr>
-      <p:sp>
-        <p:nvSpPr>
-          <p:cNvPr id="2" name="Title 1">
+      <p:pic>
+        <p:nvPicPr>
+          <p:cNvPr id="7" name="Picture 6">
             <a:extLst>
               <a:ext uri="{FF2B5EF4-FFF2-40B4-BE49-F238E27FC236}">
-                <a16:creationId xmlns:a16="http://schemas.microsoft.com/office/drawing/2014/main" id="{62476AB5-2BA9-41B2-A387-D6E88AA64C27}"/>
+                <a16:creationId xmlns:a16="http://schemas.microsoft.com/office/drawing/2014/main" id="{C4C4EC63-70FF-4275-A2CC-9DCB3F4C1FBD}"/>
               </a:ext>
             </a:extLst>
           </p:cNvPr>
-          <p:cNvSpPr>
-            <a:spLocks noGrp="1"/>
-          </p:cNvSpPr>
-          <p:nvPr>
-            <p:ph type="title"/>
-          </p:nvPr>
-        </p:nvSpPr>
-        <p:spPr/>
-        <p:txBody>
-          <a:bodyPr/>
-          <a:lstStyle/>
-          <a:p>
-            <a:r>
-              <a:rPr lang="en-US" dirty="0"/>
-              <a:t>Domain</a:t>
-            </a:r>
-          </a:p>
-        </p:txBody>
-      </p:sp>
-      <p:sp>
-        <p:nvSpPr>
-          <p:cNvPr id="3" name="Content Placeholder 2">
-            <a:extLst>
-              <a:ext uri="{FF2B5EF4-FFF2-40B4-BE49-F238E27FC236}">
-                <a16:creationId xmlns:a16="http://schemas.microsoft.com/office/drawing/2014/main" id="{9A127FE1-A123-4F68-AD93-336CB79490E9}"/>
-              </a:ext>
-            </a:extLst>
-          </p:cNvPr>
-          <p:cNvSpPr>
-            <a:spLocks noGrp="1"/>
-          </p:cNvSpPr>
-          <p:nvPr>
-            <p:ph idx="1"/>
-          </p:nvPr>
-        </p:nvSpPr>
-        <p:spPr/>
-        <p:txBody>
-          <a:bodyPr anchor="t"/>
-          <a:lstStyle/>
-          <a:p>
-            <a:r>
-              <a:rPr lang="en-US" dirty="0"/>
-              <a:t>We may not have historical data</a:t>
-            </a:r>
-          </a:p>
-          <a:p>
-            <a:r>
-              <a:rPr lang="en-US" dirty="0"/>
-              <a:t>Need to adjust to change ongoing, with minimal fuss &amp; ceremony</a:t>
-            </a:r>
-          </a:p>
-          <a:p>
-            <a:pPr marL="0" indent="0">
-              <a:buNone/>
-            </a:pPr>
-            <a:endParaRPr lang="en-US" dirty="0"/>
-          </a:p>
-          <a:p>
-            <a:pPr marL="0" indent="0">
-              <a:buNone/>
-            </a:pPr>
-            <a:r>
-              <a:rPr lang="en-US" dirty="0">
-                <a:sym typeface="Wingdings" panose="05000000000000000000" pitchFamily="2" charset="2"/>
-              </a:rPr>
-              <a:t> Reinforcement Learning is an area of unsupervised ML</a:t>
-            </a:r>
-          </a:p>
-          <a:p>
-            <a:r>
-              <a:rPr lang="en-US" dirty="0"/>
-              <a:t>Algorithms that, </a:t>
-            </a:r>
-            <a:r>
-              <a:rPr lang="en-US" b="1" dirty="0"/>
-              <a:t>given a context and a set of choices</a:t>
-            </a:r>
-            <a:r>
-              <a:rPr lang="en-US" dirty="0"/>
-              <a:t>, will </a:t>
-            </a:r>
-            <a:r>
-              <a:rPr lang="en-US" u="sng" dirty="0"/>
-              <a:t>rank</a:t>
-            </a:r>
-            <a:r>
-              <a:rPr lang="en-US" dirty="0"/>
-              <a:t> the choices </a:t>
-            </a:r>
-            <a:r>
-              <a:rPr lang="en-US" i="1" dirty="0"/>
-              <a:t>for that context</a:t>
-            </a:r>
-          </a:p>
-          <a:p>
-            <a:r>
-              <a:rPr lang="en-US" dirty="0"/>
-              <a:t>… and </a:t>
-            </a:r>
-            <a:r>
-              <a:rPr lang="en-US" b="1" dirty="0"/>
-              <a:t>learn</a:t>
-            </a:r>
-            <a:r>
-              <a:rPr lang="en-US" dirty="0"/>
-              <a:t> from the behavior expressed toward the choices</a:t>
-            </a:r>
-          </a:p>
-          <a:p>
-            <a:r>
-              <a:rPr lang="en-US" dirty="0"/>
-              <a:t>… and update (retrain) ongoing to improve its rankings</a:t>
-            </a:r>
-          </a:p>
-          <a:p>
-            <a:r>
-              <a:rPr lang="en-US" dirty="0"/>
-              <a:t>Building Reinforcement Learning models is very hard!</a:t>
-            </a:r>
-          </a:p>
-        </p:txBody>
-      </p:sp>
+          <p:cNvPicPr>
+            <a:picLocks noChangeAspect="1"/>
+          </p:cNvPicPr>
+          <p:nvPr/>
+        </p:nvPicPr>
+        <p:blipFill>
+          <a:blip r:embed="rId3"/>
+          <a:stretch>
+            <a:fillRect/>
+          </a:stretch>
+        </p:blipFill>
+        <p:spPr>
+          <a:xfrm>
+            <a:off x="1091507" y="0"/>
+            <a:ext cx="9771256" cy="6858000"/>
+          </a:xfrm>
+          <a:prstGeom prst="rect">
+            <a:avLst/>
+          </a:prstGeom>
+        </p:spPr>
+      </p:pic>
     </p:spTree>
     <p:extLst>
       <p:ext uri="{BB962C8B-B14F-4D97-AF65-F5344CB8AC3E}">
-        <p14:creationId xmlns:p14="http://schemas.microsoft.com/office/powerpoint/2010/main" val="705126725"/>
+        <p14:creationId xmlns:p14="http://schemas.microsoft.com/office/powerpoint/2010/main" val="692012479"/>
       </p:ext>
     </p:extLst>
   </p:cSld>
   <p:clrMapOvr>
     <a:masterClrMapping/>
   </p:clrMapOvr>
-  <mc:AlternateContent xmlns:mc="http://schemas.openxmlformats.org/markup-compatibility/2006" xmlns:p14="http://schemas.microsoft.com/office/powerpoint/2010/main">
-    <mc:Choice Requires="p14">
-      <p:transition spd="med" p14:dur="700">
-        <p:fade/>
-      </p:transition>
-    </mc:Choice>
-    <mc:Fallback xmlns="">
-      <p:transition spd="med">
-        <p:fade/>
-      </p:transition>
-    </mc:Fallback>
-  </mc:AlternateContent>
+  <p:transition>
+    <p:fade/>
+  </p:transition>
 </p:sld>
 </file>
 
